--- a/slides/Build Windows Store Apps using Javascript.pptx
+++ b/slides/Build Windows Store Apps using Javascript.pptx
@@ -5,7 +5,7 @@
     <p:sldMasterId id="2147483648" r:id="rId1"/>
   </p:sldMasterIdLst>
   <p:notesMasterIdLst>
-    <p:notesMasterId r:id="rId20"/>
+    <p:notesMasterId r:id="rId21"/>
   </p:notesMasterIdLst>
   <p:sldIdLst>
     <p:sldId id="259" r:id="rId2"/>
@@ -19,13 +19,14 @@
     <p:sldId id="272" r:id="rId10"/>
     <p:sldId id="273" r:id="rId11"/>
     <p:sldId id="274" r:id="rId12"/>
-    <p:sldId id="280" r:id="rId13"/>
-    <p:sldId id="277" r:id="rId14"/>
+    <p:sldId id="277" r:id="rId13"/>
+    <p:sldId id="280" r:id="rId14"/>
     <p:sldId id="275" r:id="rId15"/>
-    <p:sldId id="276" r:id="rId16"/>
-    <p:sldId id="279" r:id="rId17"/>
-    <p:sldId id="283" r:id="rId18"/>
-    <p:sldId id="256" r:id="rId19"/>
+    <p:sldId id="284" r:id="rId16"/>
+    <p:sldId id="276" r:id="rId17"/>
+    <p:sldId id="279" r:id="rId18"/>
+    <p:sldId id="283" r:id="rId19"/>
+    <p:sldId id="256" r:id="rId20"/>
   </p:sldIdLst>
   <p:sldSz cx="9144000" cy="5143500" type="screen16x9"/>
   <p:notesSz cx="6858000" cy="9144000"/>
@@ -251,7 +252,7 @@
             <a:fld id="{468D8419-D664-4DEA-B8AC-5ACC6C9B8114}" type="datetimeFigureOut">
               <a:rPr lang="en-US"/>
               <a:pPr/>
-              <a:t>8/20/2013</a:t>
+              <a:t>8/21/2013</a:t>
             </a:fld>
             <a:endParaRPr lang="en-US"/>
           </a:p>
@@ -748,7 +749,7 @@
             <a:fld id="{166E33D9-7E30-4573-994E-3DC0774D909C}" type="datetimeFigureOut">
               <a:rPr lang="en-US"/>
               <a:pPr/>
-              <a:t>8/20/2013</a:t>
+              <a:t>8/21/2013</a:t>
             </a:fld>
             <a:endParaRPr lang="en-US"/>
           </a:p>
@@ -941,7 +942,7 @@
             <a:fld id="{8FC8D582-DF96-42B0-8B69-70D2BF687E09}" type="datetimeFigureOut">
               <a:rPr lang="en-US"/>
               <a:pPr/>
-              <a:t>8/20/2013</a:t>
+              <a:t>8/21/2013</a:t>
             </a:fld>
             <a:endParaRPr lang="en-US"/>
           </a:p>
@@ -1144,7 +1145,7 @@
             <a:fld id="{98A15B84-7145-4C93-B41F-B09C98B75834}" type="datetimeFigureOut">
               <a:rPr lang="en-US"/>
               <a:pPr/>
-              <a:t>8/20/2013</a:t>
+              <a:t>8/21/2013</a:t>
             </a:fld>
             <a:endParaRPr lang="en-US"/>
           </a:p>
@@ -1337,7 +1338,7 @@
             <a:fld id="{D4654C70-E970-464C-9C7E-17FE01458B18}" type="datetimeFigureOut">
               <a:rPr lang="en-US"/>
               <a:pPr/>
-              <a:t>8/20/2013</a:t>
+              <a:t>8/21/2013</a:t>
             </a:fld>
             <a:endParaRPr lang="en-US"/>
           </a:p>
@@ -1606,7 +1607,7 @@
             <a:fld id="{D6E64F3B-2C05-43A6-949D-3A7BBCB6487C}" type="datetimeFigureOut">
               <a:rPr lang="en-US"/>
               <a:pPr/>
-              <a:t>8/20/2013</a:t>
+              <a:t>8/21/2013</a:t>
             </a:fld>
             <a:endParaRPr lang="en-US"/>
           </a:p>
@@ -1917,7 +1918,7 @@
             <a:fld id="{72020084-42E0-4482-AD16-5E16628A2D02}" type="datetimeFigureOut">
               <a:rPr lang="en-US"/>
               <a:pPr/>
-              <a:t>8/20/2013</a:t>
+              <a:t>8/21/2013</a:t>
             </a:fld>
             <a:endParaRPr lang="en-US"/>
           </a:p>
@@ -2362,7 +2363,7 @@
             <a:fld id="{D8AD5928-A8CB-4434-AC6B-E4E1C62A8D32}" type="datetimeFigureOut">
               <a:rPr lang="en-US"/>
               <a:pPr/>
-              <a:t>8/20/2013</a:t>
+              <a:t>8/21/2013</a:t>
             </a:fld>
             <a:endParaRPr lang="en-US"/>
           </a:p>
@@ -2503,7 +2504,7 @@
             <a:fld id="{DF223305-1599-409E-BD97-77BDE9BE29BF}" type="datetimeFigureOut">
               <a:rPr lang="en-US"/>
               <a:pPr/>
-              <a:t>8/20/2013</a:t>
+              <a:t>8/21/2013</a:t>
             </a:fld>
             <a:endParaRPr lang="en-US"/>
           </a:p>
@@ -2628,7 +2629,7 @@
             <a:fld id="{6D2ECACC-CF0E-4082-BDC4-241672157932}" type="datetimeFigureOut">
               <a:rPr lang="en-US"/>
               <a:pPr/>
-              <a:t>8/20/2013</a:t>
+              <a:t>8/21/2013</a:t>
             </a:fld>
             <a:endParaRPr lang="en-US"/>
           </a:p>
@@ -2928,7 +2929,7 @@
             <a:fld id="{52566337-962B-4383-A303-3D57DB9046B0}" type="datetimeFigureOut">
               <a:rPr lang="en-US"/>
               <a:pPr/>
-              <a:t>8/20/2013</a:t>
+              <a:t>8/21/2013</a:t>
             </a:fld>
             <a:endParaRPr lang="en-US"/>
           </a:p>
@@ -3211,7 +3212,7 @@
             <a:fld id="{B1C1E1D4-7443-4360-8679-26520EF111D8}" type="datetimeFigureOut">
               <a:rPr lang="en-US"/>
               <a:pPr/>
-              <a:t>8/20/2013</a:t>
+              <a:t>8/21/2013</a:t>
             </a:fld>
             <a:endParaRPr lang="en-US"/>
           </a:p>
@@ -3548,7 +3549,7 @@
             <a:fld id="{BBD0D601-0868-4A53-900E-3FEE804903EE}" type="datetimeFigureOut">
               <a:rPr lang="en-US"/>
               <a:pPr/>
-              <a:t>8/20/2013</a:t>
+              <a:t>8/21/2013</a:t>
             </a:fld>
             <a:endParaRPr lang="en-US"/>
           </a:p>
@@ -4383,11 +4384,7 @@
           <a:p>
             <a:r>
               <a:rPr lang="en-US" dirty="0" smtClean="0"/>
-              <a:t>Using </a:t>
-            </a:r>
-            <a:r>
-              <a:rPr lang="en-US" dirty="0" smtClean="0"/>
-              <a:t>JavaScript</a:t>
+              <a:t>Using JavaScript</a:t>
             </a:r>
             <a:endParaRPr lang="en-US" dirty="0"/>
           </a:p>
@@ -5097,6 +5094,259 @@
           <a:p>
             <a:r>
               <a:rPr lang="en-US" dirty="0" smtClean="0"/>
+              <a:t>Bookshelf POC</a:t>
+            </a:r>
+            <a:endParaRPr lang="en-US" dirty="0"/>
+          </a:p>
+        </p:txBody>
+      </p:sp>
+      <p:sp>
+        <p:nvSpPr>
+          <p:cNvPr id="3" name="Text Placeholder 2"/>
+          <p:cNvSpPr>
+            <a:spLocks noGrp="1"/>
+          </p:cNvSpPr>
+          <p:nvPr>
+            <p:ph type="body" idx="1"/>
+          </p:nvPr>
+        </p:nvSpPr>
+        <p:spPr/>
+        <p:txBody>
+          <a:bodyPr/>
+          <a:lstStyle/>
+          <a:p>
+            <a:r>
+              <a:rPr lang="en-US" dirty="0" err="1"/>
+              <a:t>AngularJS</a:t>
+            </a:r>
+            <a:r>
+              <a:rPr lang="en-US" dirty="0"/>
+              <a:t> + ASP.NET Web API + Windows Store </a:t>
+            </a:r>
+            <a:r>
+              <a:rPr lang="en-US" dirty="0" smtClean="0"/>
+              <a:t>App</a:t>
+            </a:r>
+          </a:p>
+          <a:p>
+            <a:r>
+              <a:rPr lang="en-US" dirty="0">
+                <a:hlinkClick r:id="rId2"/>
+              </a:rPr>
+              <a:t>https://github.com/DeveloperInfra/Bookshelf-poc</a:t>
+            </a:r>
+            <a:endParaRPr lang="en-US" dirty="0"/>
+          </a:p>
+        </p:txBody>
+      </p:sp>
+    </p:spTree>
+    <p:extLst>
+      <p:ext uri="{BB962C8B-B14F-4D97-AF65-F5344CB8AC3E}">
+        <p14:creationId xmlns:p14="http://schemas.microsoft.com/office/powerpoint/2010/main" val="1392831639"/>
+      </p:ext>
+    </p:extLst>
+  </p:cSld>
+  <p:clrMapOvr>
+    <a:masterClrMapping/>
+  </p:clrMapOvr>
+  <mc:AlternateContent xmlns:mc="http://schemas.openxmlformats.org/markup-compatibility/2006" xmlns:p14="http://schemas.microsoft.com/office/powerpoint/2010/main">
+    <mc:Choice Requires="p14">
+      <p:transition spd="med" p14:dur="700">
+        <p:fade/>
+      </p:transition>
+    </mc:Choice>
+    <mc:Fallback xmlns="">
+      <p:transition spd="med">
+        <p:fade/>
+      </p:transition>
+    </mc:Fallback>
+  </mc:AlternateContent>
+  <p:timing>
+    <p:tnLst>
+      <p:par>
+        <p:cTn id="1" dur="indefinite" restart="never" nodeType="tmRoot">
+          <p:childTnLst>
+            <p:seq concurrent="1" nextAc="seek">
+              <p:cTn id="2" dur="indefinite" nodeType="mainSeq">
+                <p:childTnLst>
+                  <p:par>
+                    <p:cTn id="3" fill="hold">
+                      <p:stCondLst>
+                        <p:cond delay="indefinite"/>
+                        <p:cond evt="onBegin" delay="0">
+                          <p:tn val="2"/>
+                        </p:cond>
+                      </p:stCondLst>
+                      <p:childTnLst>
+                        <p:par>
+                          <p:cTn id="4" fill="hold">
+                            <p:stCondLst>
+                              <p:cond delay="0"/>
+                            </p:stCondLst>
+                            <p:childTnLst>
+                              <p:par>
+                                <p:cTn id="5" presetID="10" presetClass="entr" presetSubtype="0" fill="hold" grpId="0" nodeType="afterEffect">
+                                  <p:stCondLst>
+                                    <p:cond delay="1000"/>
+                                  </p:stCondLst>
+                                  <p:childTnLst>
+                                    <p:set>
+                                      <p:cBhvr>
+                                        <p:cTn id="6" dur="1" fill="hold">
+                                          <p:stCondLst>
+                                            <p:cond delay="0"/>
+                                          </p:stCondLst>
+                                        </p:cTn>
+                                        <p:tgtEl>
+                                          <p:spTgt spid="3">
+                                            <p:txEl>
+                                              <p:pRg st="0" end="0"/>
+                                            </p:txEl>
+                                          </p:spTgt>
+                                        </p:tgtEl>
+                                        <p:attrNameLst>
+                                          <p:attrName>style.visibility</p:attrName>
+                                        </p:attrNameLst>
+                                      </p:cBhvr>
+                                      <p:to>
+                                        <p:strVal val="visible"/>
+                                      </p:to>
+                                    </p:set>
+                                    <p:animEffect transition="in" filter="fade">
+                                      <p:cBhvr>
+                                        <p:cTn id="7" dur="500"/>
+                                        <p:tgtEl>
+                                          <p:spTgt spid="3">
+                                            <p:txEl>
+                                              <p:pRg st="0" end="0"/>
+                                            </p:txEl>
+                                          </p:spTgt>
+                                        </p:tgtEl>
+                                      </p:cBhvr>
+                                    </p:animEffect>
+                                  </p:childTnLst>
+                                </p:cTn>
+                              </p:par>
+                            </p:childTnLst>
+                          </p:cTn>
+                        </p:par>
+                        <p:par>
+                          <p:cTn id="8" fill="hold">
+                            <p:stCondLst>
+                              <p:cond delay="1500"/>
+                            </p:stCondLst>
+                            <p:childTnLst>
+                              <p:par>
+                                <p:cTn id="9" presetID="10" presetClass="entr" presetSubtype="0" fill="hold" grpId="0" nodeType="afterEffect">
+                                  <p:stCondLst>
+                                    <p:cond delay="1000"/>
+                                  </p:stCondLst>
+                                  <p:childTnLst>
+                                    <p:set>
+                                      <p:cBhvr>
+                                        <p:cTn id="10" dur="1" fill="hold">
+                                          <p:stCondLst>
+                                            <p:cond delay="0"/>
+                                          </p:stCondLst>
+                                        </p:cTn>
+                                        <p:tgtEl>
+                                          <p:spTgt spid="3">
+                                            <p:txEl>
+                                              <p:pRg st="1" end="1"/>
+                                            </p:txEl>
+                                          </p:spTgt>
+                                        </p:tgtEl>
+                                        <p:attrNameLst>
+                                          <p:attrName>style.visibility</p:attrName>
+                                        </p:attrNameLst>
+                                      </p:cBhvr>
+                                      <p:to>
+                                        <p:strVal val="visible"/>
+                                      </p:to>
+                                    </p:set>
+                                    <p:animEffect transition="in" filter="fade">
+                                      <p:cBhvr>
+                                        <p:cTn id="11" dur="500"/>
+                                        <p:tgtEl>
+                                          <p:spTgt spid="3">
+                                            <p:txEl>
+                                              <p:pRg st="1" end="1"/>
+                                            </p:txEl>
+                                          </p:spTgt>
+                                        </p:tgtEl>
+                                      </p:cBhvr>
+                                    </p:animEffect>
+                                  </p:childTnLst>
+                                </p:cTn>
+                              </p:par>
+                            </p:childTnLst>
+                          </p:cTn>
+                        </p:par>
+                      </p:childTnLst>
+                    </p:cTn>
+                  </p:par>
+                </p:childTnLst>
+              </p:cTn>
+              <p:prevCondLst>
+                <p:cond evt="onPrev" delay="0">
+                  <p:tgtEl>
+                    <p:sldTgt/>
+                  </p:tgtEl>
+                </p:cond>
+              </p:prevCondLst>
+              <p:nextCondLst>
+                <p:cond evt="onNext" delay="0">
+                  <p:tgtEl>
+                    <p:sldTgt/>
+                  </p:tgtEl>
+                </p:cond>
+              </p:nextCondLst>
+            </p:seq>
+          </p:childTnLst>
+        </p:cTn>
+      </p:par>
+    </p:tnLst>
+    <p:bldLst>
+      <p:bldP spid="3" grpId="0" uiExpand="1" build="p"/>
+    </p:bldLst>
+  </p:timing>
+</p:sld>
+</file>
+
+<file path=ppt/slides/slide13.xml><?xml version="1.0" encoding="utf-8"?>
+<p:sld xmlns:a="http://schemas.openxmlformats.org/drawingml/2006/main" xmlns:r="http://schemas.openxmlformats.org/officeDocument/2006/relationships" xmlns:p="http://schemas.openxmlformats.org/presentationml/2006/main">
+  <p:cSld>
+    <p:spTree>
+      <p:nvGrpSpPr>
+        <p:cNvPr id="1" name=""/>
+        <p:cNvGrpSpPr/>
+        <p:nvPr/>
+      </p:nvGrpSpPr>
+      <p:grpSpPr>
+        <a:xfrm>
+          <a:off x="0" y="0"/>
+          <a:ext cx="0" cy="0"/>
+          <a:chOff x="0" y="0"/>
+          <a:chExt cx="0" cy="0"/>
+        </a:xfrm>
+      </p:grpSpPr>
+      <p:sp>
+        <p:nvSpPr>
+          <p:cNvPr id="2" name="Title 1"/>
+          <p:cNvSpPr>
+            <a:spLocks noGrp="1"/>
+          </p:cNvSpPr>
+          <p:nvPr>
+            <p:ph type="title"/>
+          </p:nvPr>
+        </p:nvSpPr>
+        <p:spPr/>
+        <p:txBody>
+          <a:bodyPr/>
+          <a:lstStyle/>
+          <a:p>
+            <a:r>
+              <a:rPr lang="en-US" dirty="0" smtClean="0"/>
               <a:t>Trust me, I know what I’m doing!</a:t>
             </a:r>
             <a:endParaRPr lang="en-US" dirty="0"/>
@@ -5384,260 +5634,6 @@
 </p:sld>
 </file>
 
-<file path=ppt/slides/slide13.xml><?xml version="1.0" encoding="utf-8"?>
-<p:sld xmlns:a="http://schemas.openxmlformats.org/drawingml/2006/main" xmlns:r="http://schemas.openxmlformats.org/officeDocument/2006/relationships" xmlns:p="http://schemas.openxmlformats.org/presentationml/2006/main">
-  <p:cSld>
-    <p:spTree>
-      <p:nvGrpSpPr>
-        <p:cNvPr id="1" name=""/>
-        <p:cNvGrpSpPr/>
-        <p:nvPr/>
-      </p:nvGrpSpPr>
-      <p:grpSpPr>
-        <a:xfrm>
-          <a:off x="0" y="0"/>
-          <a:ext cx="0" cy="0"/>
-          <a:chOff x="0" y="0"/>
-          <a:chExt cx="0" cy="0"/>
-        </a:xfrm>
-      </p:grpSpPr>
-      <p:sp>
-        <p:nvSpPr>
-          <p:cNvPr id="2" name="Title 1"/>
-          <p:cNvSpPr>
-            <a:spLocks noGrp="1"/>
-          </p:cNvSpPr>
-          <p:nvPr>
-            <p:ph type="title"/>
-          </p:nvPr>
-        </p:nvSpPr>
-        <p:spPr/>
-        <p:txBody>
-          <a:bodyPr/>
-          <a:lstStyle/>
-          <a:p>
-            <a:r>
-              <a:rPr lang="en-US" dirty="0" smtClean="0"/>
-              <a:t>Bookshelf POC</a:t>
-            </a:r>
-            <a:endParaRPr lang="en-US" dirty="0"/>
-          </a:p>
-        </p:txBody>
-      </p:sp>
-      <p:sp>
-        <p:nvSpPr>
-          <p:cNvPr id="3" name="Text Placeholder 2"/>
-          <p:cNvSpPr>
-            <a:spLocks noGrp="1"/>
-          </p:cNvSpPr>
-          <p:nvPr>
-            <p:ph type="body" idx="1"/>
-          </p:nvPr>
-        </p:nvSpPr>
-        <p:spPr/>
-        <p:txBody>
-          <a:bodyPr/>
-          <a:lstStyle/>
-          <a:p>
-            <a:r>
-              <a:rPr lang="en-US" dirty="0" err="1"/>
-              <a:t>AngularJS</a:t>
-            </a:r>
-            <a:r>
-              <a:rPr lang="en-US" dirty="0"/>
-              <a:t> + ASP.NET Web API + Windows Store </a:t>
-            </a:r>
-            <a:r>
-              <a:rPr lang="en-US" dirty="0" smtClean="0"/>
-              <a:t>App</a:t>
-            </a:r>
-            <a:endParaRPr lang="en-US" dirty="0" smtClean="0"/>
-          </a:p>
-          <a:p>
-            <a:r>
-              <a:rPr lang="en-US" dirty="0">
-                <a:hlinkClick r:id="rId2"/>
-              </a:rPr>
-              <a:t>https://github.com/DeveloperInfra/Bookshelf-poc</a:t>
-            </a:r>
-            <a:endParaRPr lang="en-US" dirty="0"/>
-          </a:p>
-        </p:txBody>
-      </p:sp>
-    </p:spTree>
-    <p:extLst>
-      <p:ext uri="{BB962C8B-B14F-4D97-AF65-F5344CB8AC3E}">
-        <p14:creationId xmlns:p14="http://schemas.microsoft.com/office/powerpoint/2010/main" val="1392831639"/>
-      </p:ext>
-    </p:extLst>
-  </p:cSld>
-  <p:clrMapOvr>
-    <a:masterClrMapping/>
-  </p:clrMapOvr>
-  <mc:AlternateContent xmlns:mc="http://schemas.openxmlformats.org/markup-compatibility/2006" xmlns:p14="http://schemas.microsoft.com/office/powerpoint/2010/main">
-    <mc:Choice Requires="p14">
-      <p:transition spd="med" p14:dur="700">
-        <p:fade/>
-      </p:transition>
-    </mc:Choice>
-    <mc:Fallback xmlns="">
-      <p:transition spd="med">
-        <p:fade/>
-      </p:transition>
-    </mc:Fallback>
-  </mc:AlternateContent>
-  <p:timing>
-    <p:tnLst>
-      <p:par>
-        <p:cTn id="1" dur="indefinite" restart="never" nodeType="tmRoot">
-          <p:childTnLst>
-            <p:seq concurrent="1" nextAc="seek">
-              <p:cTn id="2" dur="indefinite" nodeType="mainSeq">
-                <p:childTnLst>
-                  <p:par>
-                    <p:cTn id="3" fill="hold">
-                      <p:stCondLst>
-                        <p:cond delay="indefinite"/>
-                        <p:cond evt="onBegin" delay="0">
-                          <p:tn val="2"/>
-                        </p:cond>
-                      </p:stCondLst>
-                      <p:childTnLst>
-                        <p:par>
-                          <p:cTn id="4" fill="hold">
-                            <p:stCondLst>
-                              <p:cond delay="0"/>
-                            </p:stCondLst>
-                            <p:childTnLst>
-                              <p:par>
-                                <p:cTn id="5" presetID="10" presetClass="entr" presetSubtype="0" fill="hold" grpId="0" nodeType="afterEffect">
-                                  <p:stCondLst>
-                                    <p:cond delay="1000"/>
-                                  </p:stCondLst>
-                                  <p:childTnLst>
-                                    <p:set>
-                                      <p:cBhvr>
-                                        <p:cTn id="6" dur="1" fill="hold">
-                                          <p:stCondLst>
-                                            <p:cond delay="0"/>
-                                          </p:stCondLst>
-                                        </p:cTn>
-                                        <p:tgtEl>
-                                          <p:spTgt spid="3">
-                                            <p:txEl>
-                                              <p:pRg st="0" end="0"/>
-                                            </p:txEl>
-                                          </p:spTgt>
-                                        </p:tgtEl>
-                                        <p:attrNameLst>
-                                          <p:attrName>style.visibility</p:attrName>
-                                        </p:attrNameLst>
-                                      </p:cBhvr>
-                                      <p:to>
-                                        <p:strVal val="visible"/>
-                                      </p:to>
-                                    </p:set>
-                                    <p:animEffect transition="in" filter="fade">
-                                      <p:cBhvr>
-                                        <p:cTn id="7" dur="500"/>
-                                        <p:tgtEl>
-                                          <p:spTgt spid="3">
-                                            <p:txEl>
-                                              <p:pRg st="0" end="0"/>
-                                            </p:txEl>
-                                          </p:spTgt>
-                                        </p:tgtEl>
-                                      </p:cBhvr>
-                                    </p:animEffect>
-                                  </p:childTnLst>
-                                </p:cTn>
-                              </p:par>
-                            </p:childTnLst>
-                          </p:cTn>
-                        </p:par>
-                        <p:par>
-                          <p:cTn id="8" fill="hold">
-                            <p:stCondLst>
-                              <p:cond delay="1500"/>
-                            </p:stCondLst>
-                            <p:childTnLst>
-                              <p:par>
-                                <p:cTn id="9" presetID="10" presetClass="entr" presetSubtype="0" fill="hold" grpId="0" nodeType="afterEffect">
-                                  <p:stCondLst>
-                                    <p:cond delay="1000"/>
-                                  </p:stCondLst>
-                                  <p:childTnLst>
-                                    <p:set>
-                                      <p:cBhvr>
-                                        <p:cTn id="10" dur="1" fill="hold">
-                                          <p:stCondLst>
-                                            <p:cond delay="0"/>
-                                          </p:stCondLst>
-                                        </p:cTn>
-                                        <p:tgtEl>
-                                          <p:spTgt spid="3">
-                                            <p:txEl>
-                                              <p:pRg st="1" end="1"/>
-                                            </p:txEl>
-                                          </p:spTgt>
-                                        </p:tgtEl>
-                                        <p:attrNameLst>
-                                          <p:attrName>style.visibility</p:attrName>
-                                        </p:attrNameLst>
-                                      </p:cBhvr>
-                                      <p:to>
-                                        <p:strVal val="visible"/>
-                                      </p:to>
-                                    </p:set>
-                                    <p:animEffect transition="in" filter="fade">
-                                      <p:cBhvr>
-                                        <p:cTn id="11" dur="500"/>
-                                        <p:tgtEl>
-                                          <p:spTgt spid="3">
-                                            <p:txEl>
-                                              <p:pRg st="1" end="1"/>
-                                            </p:txEl>
-                                          </p:spTgt>
-                                        </p:tgtEl>
-                                      </p:cBhvr>
-                                    </p:animEffect>
-                                  </p:childTnLst>
-                                </p:cTn>
-                              </p:par>
-                            </p:childTnLst>
-                          </p:cTn>
-                        </p:par>
-                      </p:childTnLst>
-                    </p:cTn>
-                  </p:par>
-                </p:childTnLst>
-              </p:cTn>
-              <p:prevCondLst>
-                <p:cond evt="onPrev" delay="0">
-                  <p:tgtEl>
-                    <p:sldTgt/>
-                  </p:tgtEl>
-                </p:cond>
-              </p:prevCondLst>
-              <p:nextCondLst>
-                <p:cond evt="onNext" delay="0">
-                  <p:tgtEl>
-                    <p:sldTgt/>
-                  </p:tgtEl>
-                </p:cond>
-              </p:nextCondLst>
-            </p:seq>
-          </p:childTnLst>
-        </p:cTn>
-      </p:par>
-    </p:tnLst>
-    <p:bldLst>
-      <p:bldP spid="3" grpId="0" uiExpand="1" build="p"/>
-    </p:bldLst>
-  </p:timing>
-</p:sld>
-</file>
-
 <file path=ppt/slides/slide14.xml><?xml version="1.0" encoding="utf-8"?>
 <p:sld xmlns:a="http://schemas.openxmlformats.org/drawingml/2006/main" xmlns:r="http://schemas.openxmlformats.org/officeDocument/2006/relationships" xmlns:p="http://schemas.openxmlformats.org/presentationml/2006/main">
   <p:cSld>
@@ -5671,8 +5667,8 @@
           <a:lstStyle/>
           <a:p>
             <a:r>
-              <a:rPr lang="en-US" dirty="0" smtClean="0"/>
-              <a:t>Great Windows Store Apps</a:t>
+              <a:rPr lang="en-US" dirty="0"/>
+              <a:t>Tips &amp; Tricks / Pragmatic Advice</a:t>
             </a:r>
             <a:endParaRPr lang="en-US" dirty="0"/>
           </a:p>
@@ -5694,35 +5690,37 @@
           <a:lstStyle/>
           <a:p>
             <a:r>
-              <a:rPr lang="en-US" dirty="0"/>
-              <a:t>Process Lifetime Management (PLM)</a:t>
+              <a:rPr lang="en-US" dirty="0" err="1" smtClean="0"/>
+              <a:t>AngularJS</a:t>
+            </a:r>
+            <a:r>
+              <a:rPr lang="en-US" dirty="0" smtClean="0"/>
+              <a:t>, Backbone, Ember, etc.</a:t>
+            </a:r>
+          </a:p>
+          <a:p>
+            <a:pPr lvl="1"/>
+            <a:r>
+              <a:rPr lang="en-US" dirty="0" smtClean="0">
+                <a:hlinkClick r:id="rId2"/>
+              </a:rPr>
+              <a:t>www.TodoMVC.com</a:t>
             </a:r>
             <a:endParaRPr lang="en-US" dirty="0" smtClean="0"/>
           </a:p>
           <a:p>
             <a:r>
+              <a:rPr lang="en-US" dirty="0" err="1" smtClean="0"/>
+              <a:t>PhoneGap</a:t>
+            </a:r>
+            <a:endParaRPr lang="en-US" dirty="0" smtClean="0"/>
+          </a:p>
+          <a:p>
+            <a:r>
               <a:rPr lang="en-US" dirty="0" smtClean="0"/>
-              <a:t>Screen Resize &amp; View State</a:t>
-            </a:r>
-          </a:p>
-          <a:p>
-            <a:r>
-              <a:rPr lang="en-US" dirty="0" smtClean="0"/>
-              <a:t>Contracts</a:t>
-            </a:r>
-          </a:p>
-          <a:p>
-            <a:r>
-              <a:rPr lang="en-US" dirty="0" smtClean="0"/>
-              <a:t>Live Tiles &amp; Notifications</a:t>
-            </a:r>
-          </a:p>
-          <a:p>
-            <a:r>
-              <a:rPr lang="en-US" dirty="0" smtClean="0"/>
-              <a:t>…</a:t>
-            </a:r>
-            <a:endParaRPr lang="en-US" dirty="0"/>
+              <a:t>ASP.NET MVC vs. HTML</a:t>
+            </a:r>
+            <a:endParaRPr lang="en-US" dirty="0" smtClean="0"/>
           </a:p>
         </p:txBody>
       </p:sp>
@@ -5973,58 +5971,6 @@
                             </p:childTnLst>
                           </p:cTn>
                         </p:par>
-                        <p:par>
-                          <p:cTn id="20" fill="hold">
-                            <p:stCondLst>
-                              <p:cond delay="6000"/>
-                            </p:stCondLst>
-                            <p:childTnLst>
-                              <p:par>
-                                <p:cTn id="21" presetID="10" presetClass="entr" presetSubtype="0" fill="hold" grpId="0" nodeType="afterEffect">
-                                  <p:stCondLst>
-                                    <p:cond delay="1000"/>
-                                  </p:stCondLst>
-                                  <p:childTnLst>
-                                    <p:set>
-                                      <p:cBhvr>
-                                        <p:cTn id="22" dur="1" fill="hold">
-                                          <p:stCondLst>
-                                            <p:cond delay="0"/>
-                                          </p:stCondLst>
-                                        </p:cTn>
-                                        <p:tgtEl>
-                                          <p:spTgt spid="3">
-                                            <p:txEl>
-                                              <p:pRg st="4" end="4"/>
-                                            </p:txEl>
-                                          </p:spTgt>
-                                        </p:tgtEl>
-                                        <p:attrNameLst>
-                                          <p:attrName>style.visibility</p:attrName>
-                                        </p:attrNameLst>
-                                      </p:cBhvr>
-                                      <p:to>
-                                        <p:strVal val="visible"/>
-                                      </p:to>
-                                    </p:set>
-                                    <p:animEffect transition="in" filter="fade">
-                                      <p:cBhvr>
-                                        <p:cTn id="23" dur="500"/>
-                                        <p:tgtEl>
-                                          <p:spTgt spid="3">
-                                            <p:txEl>
-                                              <p:pRg st="4" end="4"/>
-                                            </p:txEl>
-                                          </p:spTgt>
-                                        </p:tgtEl>
-                                      </p:cBhvr>
-                                    </p:animEffect>
-                                  </p:childTnLst>
-                                </p:cTn>
-                              </p:par>
-                            </p:childTnLst>
-                          </p:cTn>
-                        </p:par>
                       </p:childTnLst>
                     </p:cTn>
                   </p:par>
@@ -6112,6 +6058,370 @@
           <a:lstStyle/>
           <a:p>
             <a:r>
+              <a:rPr lang="en-US" dirty="0"/>
+              <a:t>Process Lifetime Management (PLM)</a:t>
+            </a:r>
+            <a:endParaRPr lang="en-US" dirty="0" smtClean="0"/>
+          </a:p>
+          <a:p>
+            <a:r>
+              <a:rPr lang="en-US" dirty="0" smtClean="0"/>
+              <a:t>Screen Resize &amp; View State</a:t>
+            </a:r>
+          </a:p>
+          <a:p>
+            <a:r>
+              <a:rPr lang="en-US" dirty="0" smtClean="0"/>
+              <a:t>Contracts</a:t>
+            </a:r>
+          </a:p>
+          <a:p>
+            <a:r>
+              <a:rPr lang="en-US" dirty="0" smtClean="0"/>
+              <a:t>Live Tiles &amp; </a:t>
+            </a:r>
+            <a:r>
+              <a:rPr lang="en-US" dirty="0" smtClean="0"/>
+              <a:t>Notifications</a:t>
+            </a:r>
+            <a:endParaRPr lang="en-US" dirty="0" smtClean="0"/>
+          </a:p>
+        </p:txBody>
+      </p:sp>
+    </p:spTree>
+    <p:extLst>
+      <p:ext uri="{BB962C8B-B14F-4D97-AF65-F5344CB8AC3E}">
+        <p14:creationId xmlns:p14="http://schemas.microsoft.com/office/powerpoint/2010/main" val="2434050089"/>
+      </p:ext>
+    </p:extLst>
+  </p:cSld>
+  <p:clrMapOvr>
+    <a:masterClrMapping/>
+  </p:clrMapOvr>
+  <mc:AlternateContent xmlns:mc="http://schemas.openxmlformats.org/markup-compatibility/2006" xmlns:p14="http://schemas.microsoft.com/office/powerpoint/2010/main">
+    <mc:Choice Requires="p14">
+      <p:transition spd="med" p14:dur="700">
+        <p:fade/>
+      </p:transition>
+    </mc:Choice>
+    <mc:Fallback xmlns="">
+      <p:transition spd="med">
+        <p:fade/>
+      </p:transition>
+    </mc:Fallback>
+  </mc:AlternateContent>
+  <p:timing>
+    <p:tnLst>
+      <p:par>
+        <p:cTn id="1" dur="indefinite" restart="never" nodeType="tmRoot">
+          <p:childTnLst>
+            <p:seq concurrent="1" nextAc="seek">
+              <p:cTn id="2" dur="indefinite" nodeType="mainSeq">
+                <p:childTnLst>
+                  <p:par>
+                    <p:cTn id="3" fill="hold">
+                      <p:stCondLst>
+                        <p:cond delay="indefinite"/>
+                        <p:cond evt="onBegin" delay="0">
+                          <p:tn val="2"/>
+                        </p:cond>
+                      </p:stCondLst>
+                      <p:childTnLst>
+                        <p:par>
+                          <p:cTn id="4" fill="hold">
+                            <p:stCondLst>
+                              <p:cond delay="0"/>
+                            </p:stCondLst>
+                            <p:childTnLst>
+                              <p:par>
+                                <p:cTn id="5" presetID="10" presetClass="entr" presetSubtype="0" fill="hold" grpId="0" nodeType="afterEffect">
+                                  <p:stCondLst>
+                                    <p:cond delay="1000"/>
+                                  </p:stCondLst>
+                                  <p:childTnLst>
+                                    <p:set>
+                                      <p:cBhvr>
+                                        <p:cTn id="6" dur="1" fill="hold">
+                                          <p:stCondLst>
+                                            <p:cond delay="0"/>
+                                          </p:stCondLst>
+                                        </p:cTn>
+                                        <p:tgtEl>
+                                          <p:spTgt spid="3">
+                                            <p:txEl>
+                                              <p:pRg st="0" end="0"/>
+                                            </p:txEl>
+                                          </p:spTgt>
+                                        </p:tgtEl>
+                                        <p:attrNameLst>
+                                          <p:attrName>style.visibility</p:attrName>
+                                        </p:attrNameLst>
+                                      </p:cBhvr>
+                                      <p:to>
+                                        <p:strVal val="visible"/>
+                                      </p:to>
+                                    </p:set>
+                                    <p:animEffect transition="in" filter="fade">
+                                      <p:cBhvr>
+                                        <p:cTn id="7" dur="500"/>
+                                        <p:tgtEl>
+                                          <p:spTgt spid="3">
+                                            <p:txEl>
+                                              <p:pRg st="0" end="0"/>
+                                            </p:txEl>
+                                          </p:spTgt>
+                                        </p:tgtEl>
+                                      </p:cBhvr>
+                                    </p:animEffect>
+                                  </p:childTnLst>
+                                </p:cTn>
+                              </p:par>
+                            </p:childTnLst>
+                          </p:cTn>
+                        </p:par>
+                        <p:par>
+                          <p:cTn id="8" fill="hold">
+                            <p:stCondLst>
+                              <p:cond delay="1500"/>
+                            </p:stCondLst>
+                            <p:childTnLst>
+                              <p:par>
+                                <p:cTn id="9" presetID="10" presetClass="entr" presetSubtype="0" fill="hold" grpId="0" nodeType="afterEffect">
+                                  <p:stCondLst>
+                                    <p:cond delay="1000"/>
+                                  </p:stCondLst>
+                                  <p:childTnLst>
+                                    <p:set>
+                                      <p:cBhvr>
+                                        <p:cTn id="10" dur="1" fill="hold">
+                                          <p:stCondLst>
+                                            <p:cond delay="0"/>
+                                          </p:stCondLst>
+                                        </p:cTn>
+                                        <p:tgtEl>
+                                          <p:spTgt spid="3">
+                                            <p:txEl>
+                                              <p:pRg st="1" end="1"/>
+                                            </p:txEl>
+                                          </p:spTgt>
+                                        </p:tgtEl>
+                                        <p:attrNameLst>
+                                          <p:attrName>style.visibility</p:attrName>
+                                        </p:attrNameLst>
+                                      </p:cBhvr>
+                                      <p:to>
+                                        <p:strVal val="visible"/>
+                                      </p:to>
+                                    </p:set>
+                                    <p:animEffect transition="in" filter="fade">
+                                      <p:cBhvr>
+                                        <p:cTn id="11" dur="500"/>
+                                        <p:tgtEl>
+                                          <p:spTgt spid="3">
+                                            <p:txEl>
+                                              <p:pRg st="1" end="1"/>
+                                            </p:txEl>
+                                          </p:spTgt>
+                                        </p:tgtEl>
+                                      </p:cBhvr>
+                                    </p:animEffect>
+                                  </p:childTnLst>
+                                </p:cTn>
+                              </p:par>
+                            </p:childTnLst>
+                          </p:cTn>
+                        </p:par>
+                        <p:par>
+                          <p:cTn id="12" fill="hold">
+                            <p:stCondLst>
+                              <p:cond delay="3000"/>
+                            </p:stCondLst>
+                            <p:childTnLst>
+                              <p:par>
+                                <p:cTn id="13" presetID="10" presetClass="entr" presetSubtype="0" fill="hold" grpId="0" nodeType="afterEffect">
+                                  <p:stCondLst>
+                                    <p:cond delay="1000"/>
+                                  </p:stCondLst>
+                                  <p:childTnLst>
+                                    <p:set>
+                                      <p:cBhvr>
+                                        <p:cTn id="14" dur="1" fill="hold">
+                                          <p:stCondLst>
+                                            <p:cond delay="0"/>
+                                          </p:stCondLst>
+                                        </p:cTn>
+                                        <p:tgtEl>
+                                          <p:spTgt spid="3">
+                                            <p:txEl>
+                                              <p:pRg st="2" end="2"/>
+                                            </p:txEl>
+                                          </p:spTgt>
+                                        </p:tgtEl>
+                                        <p:attrNameLst>
+                                          <p:attrName>style.visibility</p:attrName>
+                                        </p:attrNameLst>
+                                      </p:cBhvr>
+                                      <p:to>
+                                        <p:strVal val="visible"/>
+                                      </p:to>
+                                    </p:set>
+                                    <p:animEffect transition="in" filter="fade">
+                                      <p:cBhvr>
+                                        <p:cTn id="15" dur="500"/>
+                                        <p:tgtEl>
+                                          <p:spTgt spid="3">
+                                            <p:txEl>
+                                              <p:pRg st="2" end="2"/>
+                                            </p:txEl>
+                                          </p:spTgt>
+                                        </p:tgtEl>
+                                      </p:cBhvr>
+                                    </p:animEffect>
+                                  </p:childTnLst>
+                                </p:cTn>
+                              </p:par>
+                            </p:childTnLst>
+                          </p:cTn>
+                        </p:par>
+                        <p:par>
+                          <p:cTn id="16" fill="hold">
+                            <p:stCondLst>
+                              <p:cond delay="4500"/>
+                            </p:stCondLst>
+                            <p:childTnLst>
+                              <p:par>
+                                <p:cTn id="17" presetID="10" presetClass="entr" presetSubtype="0" fill="hold" grpId="0" nodeType="afterEffect">
+                                  <p:stCondLst>
+                                    <p:cond delay="1000"/>
+                                  </p:stCondLst>
+                                  <p:childTnLst>
+                                    <p:set>
+                                      <p:cBhvr>
+                                        <p:cTn id="18" dur="1" fill="hold">
+                                          <p:stCondLst>
+                                            <p:cond delay="0"/>
+                                          </p:stCondLst>
+                                        </p:cTn>
+                                        <p:tgtEl>
+                                          <p:spTgt spid="3">
+                                            <p:txEl>
+                                              <p:pRg st="3" end="3"/>
+                                            </p:txEl>
+                                          </p:spTgt>
+                                        </p:tgtEl>
+                                        <p:attrNameLst>
+                                          <p:attrName>style.visibility</p:attrName>
+                                        </p:attrNameLst>
+                                      </p:cBhvr>
+                                      <p:to>
+                                        <p:strVal val="visible"/>
+                                      </p:to>
+                                    </p:set>
+                                    <p:animEffect transition="in" filter="fade">
+                                      <p:cBhvr>
+                                        <p:cTn id="19" dur="500"/>
+                                        <p:tgtEl>
+                                          <p:spTgt spid="3">
+                                            <p:txEl>
+                                              <p:pRg st="3" end="3"/>
+                                            </p:txEl>
+                                          </p:spTgt>
+                                        </p:tgtEl>
+                                      </p:cBhvr>
+                                    </p:animEffect>
+                                  </p:childTnLst>
+                                </p:cTn>
+                              </p:par>
+                            </p:childTnLst>
+                          </p:cTn>
+                        </p:par>
+                      </p:childTnLst>
+                    </p:cTn>
+                  </p:par>
+                </p:childTnLst>
+              </p:cTn>
+              <p:prevCondLst>
+                <p:cond evt="onPrev" delay="0">
+                  <p:tgtEl>
+                    <p:sldTgt/>
+                  </p:tgtEl>
+                </p:cond>
+              </p:prevCondLst>
+              <p:nextCondLst>
+                <p:cond evt="onNext" delay="0">
+                  <p:tgtEl>
+                    <p:sldTgt/>
+                  </p:tgtEl>
+                </p:cond>
+              </p:nextCondLst>
+            </p:seq>
+          </p:childTnLst>
+        </p:cTn>
+      </p:par>
+    </p:tnLst>
+    <p:bldLst>
+      <p:bldP spid="3" grpId="0" build="p"/>
+    </p:bldLst>
+  </p:timing>
+</p:sld>
+</file>
+
+<file path=ppt/slides/slide16.xml><?xml version="1.0" encoding="utf-8"?>
+<p:sld xmlns:a="http://schemas.openxmlformats.org/drawingml/2006/main" xmlns:r="http://schemas.openxmlformats.org/officeDocument/2006/relationships" xmlns:p="http://schemas.openxmlformats.org/presentationml/2006/main">
+  <p:cSld>
+    <p:spTree>
+      <p:nvGrpSpPr>
+        <p:cNvPr id="1" name=""/>
+        <p:cNvGrpSpPr/>
+        <p:nvPr/>
+      </p:nvGrpSpPr>
+      <p:grpSpPr>
+        <a:xfrm>
+          <a:off x="0" y="0"/>
+          <a:ext cx="0" cy="0"/>
+          <a:chOff x="0" y="0"/>
+          <a:chExt cx="0" cy="0"/>
+        </a:xfrm>
+      </p:grpSpPr>
+      <p:sp>
+        <p:nvSpPr>
+          <p:cNvPr id="2" name="Title 1"/>
+          <p:cNvSpPr>
+            <a:spLocks noGrp="1"/>
+          </p:cNvSpPr>
+          <p:nvPr>
+            <p:ph type="title"/>
+          </p:nvPr>
+        </p:nvSpPr>
+        <p:spPr/>
+        <p:txBody>
+          <a:bodyPr/>
+          <a:lstStyle/>
+          <a:p>
+            <a:r>
+              <a:rPr lang="en-US" dirty="0" smtClean="0"/>
+              <a:t>Great Windows Store Apps</a:t>
+            </a:r>
+            <a:endParaRPr lang="en-US" dirty="0"/>
+          </a:p>
+        </p:txBody>
+      </p:sp>
+      <p:sp>
+        <p:nvSpPr>
+          <p:cNvPr id="3" name="Content Placeholder 2"/>
+          <p:cNvSpPr>
+            <a:spLocks noGrp="1"/>
+          </p:cNvSpPr>
+          <p:nvPr>
+            <p:ph idx="1"/>
+          </p:nvPr>
+        </p:nvSpPr>
+        <p:spPr/>
+        <p:txBody>
+          <a:bodyPr/>
+          <a:lstStyle/>
+          <a:p>
+            <a:r>
               <a:rPr lang="en-US" dirty="0" smtClean="0"/>
               <a:t>Use </a:t>
             </a:r>
@@ -6121,11 +6431,7 @@
             </a:r>
             <a:r>
               <a:rPr lang="en-US" dirty="0" smtClean="0"/>
-              <a:t> </a:t>
-            </a:r>
-            <a:r>
-              <a:rPr lang="en-US" dirty="0" smtClean="0"/>
-              <a:t>Controls (</a:t>
+              <a:t> Controls (</a:t>
             </a:r>
             <a:r>
               <a:rPr lang="en-US" dirty="0" err="1" smtClean="0"/>
@@ -6185,11 +6491,7 @@
           <a:p>
             <a:r>
               <a:rPr lang="en-US" dirty="0" smtClean="0"/>
-              <a:t>Use Commanding </a:t>
-            </a:r>
-            <a:r>
-              <a:rPr lang="en-US" dirty="0" smtClean="0"/>
-              <a:t>Surfaces (Charms, App Bar)</a:t>
+              <a:t>Use Commanding Surfaces (Charms, App Bar)</a:t>
             </a:r>
           </a:p>
           <a:p>
@@ -6221,13 +6523,7 @@
               <a:rPr lang="en-US" dirty="0" smtClean="0"/>
               <a:t>)</a:t>
             </a:r>
-          </a:p>
-          <a:p>
-            <a:r>
-              <a:rPr lang="en-US" dirty="0" smtClean="0"/>
-              <a:t>…</a:t>
-            </a:r>
-            <a:endParaRPr lang="en-US" dirty="0"/>
+            <a:endParaRPr lang="en-US" dirty="0" smtClean="0"/>
           </a:p>
         </p:txBody>
       </p:sp>
@@ -6478,58 +6774,6 @@
                             </p:childTnLst>
                           </p:cTn>
                         </p:par>
-                        <p:par>
-                          <p:cTn id="20" fill="hold">
-                            <p:stCondLst>
-                              <p:cond delay="6000"/>
-                            </p:stCondLst>
-                            <p:childTnLst>
-                              <p:par>
-                                <p:cTn id="21" presetID="10" presetClass="entr" presetSubtype="0" fill="hold" grpId="0" nodeType="afterEffect">
-                                  <p:stCondLst>
-                                    <p:cond delay="1000"/>
-                                  </p:stCondLst>
-                                  <p:childTnLst>
-                                    <p:set>
-                                      <p:cBhvr>
-                                        <p:cTn id="22" dur="1" fill="hold">
-                                          <p:stCondLst>
-                                            <p:cond delay="0"/>
-                                          </p:stCondLst>
-                                        </p:cTn>
-                                        <p:tgtEl>
-                                          <p:spTgt spid="3">
-                                            <p:txEl>
-                                              <p:pRg st="4" end="4"/>
-                                            </p:txEl>
-                                          </p:spTgt>
-                                        </p:tgtEl>
-                                        <p:attrNameLst>
-                                          <p:attrName>style.visibility</p:attrName>
-                                        </p:attrNameLst>
-                                      </p:cBhvr>
-                                      <p:to>
-                                        <p:strVal val="visible"/>
-                                      </p:to>
-                                    </p:set>
-                                    <p:animEffect transition="in" filter="fade">
-                                      <p:cBhvr>
-                                        <p:cTn id="23" dur="500"/>
-                                        <p:tgtEl>
-                                          <p:spTgt spid="3">
-                                            <p:txEl>
-                                              <p:pRg st="4" end="4"/>
-                                            </p:txEl>
-                                          </p:spTgt>
-                                        </p:tgtEl>
-                                      </p:cBhvr>
-                                    </p:animEffect>
-                                  </p:childTnLst>
-                                </p:cTn>
-                              </p:par>
-                            </p:childTnLst>
-                          </p:cTn>
-                        </p:par>
                       </p:childTnLst>
                     </p:cTn>
                   </p:par>
@@ -6561,7 +6805,7 @@
 </p:sld>
 </file>
 
-<file path=ppt/slides/slide16.xml><?xml version="1.0" encoding="utf-8"?>
+<file path=ppt/slides/slide17.xml><?xml version="1.0" encoding="utf-8"?>
 <p:sld xmlns:a="http://schemas.openxmlformats.org/drawingml/2006/main" xmlns:r="http://schemas.openxmlformats.org/officeDocument/2006/relationships" xmlns:p="http://schemas.openxmlformats.org/presentationml/2006/main">
   <p:cSld>
     <p:spTree>
@@ -6693,11 +6937,7 @@
             </a:r>
             <a:r>
               <a:rPr lang="en-US" dirty="0" smtClean="0"/>
-              <a:t> </a:t>
-            </a:r>
-            <a:r>
-              <a:rPr lang="en-US" dirty="0" smtClean="0"/>
-              <a:t>Center: </a:t>
+              <a:t> Center: </a:t>
             </a:r>
             <a:r>
               <a:rPr lang="en-US" dirty="0">
@@ -6948,30 +7188,21 @@
                             </p:childTnLst>
                           </p:cTn>
                         </p:par>
-                      </p:childTnLst>
-                    </p:cTn>
-                  </p:par>
-                  <p:par>
-                    <p:cTn id="16" fill="hold">
-                      <p:stCondLst>
-                        <p:cond delay="indefinite"/>
-                      </p:stCondLst>
-                      <p:childTnLst>
                         <p:par>
-                          <p:cTn id="17" fill="hold">
+                          <p:cTn id="16" fill="hold">
                             <p:stCondLst>
-                              <p:cond delay="0"/>
+                              <p:cond delay="4500"/>
                             </p:stCondLst>
                             <p:childTnLst>
                               <p:par>
-                                <p:cTn id="18" presetID="10" presetClass="entr" presetSubtype="0" fill="hold" grpId="0" nodeType="clickEffect">
+                                <p:cTn id="17" presetID="10" presetClass="entr" presetSubtype="0" fill="hold" grpId="0" nodeType="afterEffect">
                                   <p:stCondLst>
                                     <p:cond delay="1000"/>
                                   </p:stCondLst>
                                   <p:childTnLst>
                                     <p:set>
                                       <p:cBhvr>
-                                        <p:cTn id="19" dur="1" fill="hold">
+                                        <p:cTn id="18" dur="1" fill="hold">
                                           <p:stCondLst>
                                             <p:cond delay="0"/>
                                           </p:stCondLst>
@@ -6993,7 +7224,7 @@
                                     </p:set>
                                     <p:animEffect transition="in" filter="fade">
                                       <p:cBhvr>
-                                        <p:cTn id="20" dur="500"/>
+                                        <p:cTn id="19" dur="500"/>
                                         <p:tgtEl>
                                           <p:spTgt spid="6">
                                             <p:txEl>
@@ -7034,13 +7265,13 @@
       </p:par>
     </p:tnLst>
     <p:bldLst>
-      <p:bldP spid="6" grpId="0" uiExpand="1" build="p"/>
+      <p:bldP spid="6" grpId="0" build="p"/>
     </p:bldLst>
   </p:timing>
 </p:sld>
 </file>
 
-<file path=ppt/slides/slide17.xml><?xml version="1.0" encoding="utf-8"?>
+<file path=ppt/slides/slide18.xml><?xml version="1.0" encoding="utf-8"?>
 <p:sld xmlns:a="http://schemas.openxmlformats.org/drawingml/2006/main" xmlns:r="http://schemas.openxmlformats.org/officeDocument/2006/relationships" xmlns:p="http://schemas.openxmlformats.org/presentationml/2006/main">
   <p:cSld>
     <p:spTree>
@@ -7074,7 +7305,7 @@
           <a:p>
             <a:r>
               <a:rPr lang="en-US" dirty="0" smtClean="0"/>
-              <a:t>Downloads</a:t>
+              <a:t>Links</a:t>
             </a:r>
             <a:endParaRPr lang="en-US" dirty="0"/>
           </a:p>
@@ -7097,7 +7328,7 @@
           <a:p>
             <a:r>
               <a:rPr lang="en-US" dirty="0" smtClean="0"/>
-              <a:t>Abstracts: </a:t>
+              <a:t>Abstracts &amp; Source Code: </a:t>
             </a:r>
             <a:r>
               <a:rPr lang="en-US" dirty="0" smtClean="0">
@@ -7117,19 +7348,6 @@
                 <a:hlinkClick r:id="rId3"/>
               </a:rPr>
               <a:t>www.speakerdeck.com/DeveloperInfra</a:t>
-            </a:r>
-            <a:endParaRPr lang="en-US" dirty="0" smtClean="0"/>
-          </a:p>
-          <a:p>
-            <a:r>
-              <a:rPr lang="en-US" dirty="0" smtClean="0"/>
-              <a:t>Code: </a:t>
-            </a:r>
-            <a:r>
-              <a:rPr lang="en-US" dirty="0" smtClean="0">
-                <a:hlinkClick r:id="rId2"/>
-              </a:rPr>
-              <a:t>www.github.com/DeveloperInfra</a:t>
             </a:r>
             <a:endParaRPr lang="en-US" dirty="0" smtClean="0"/>
           </a:p>
@@ -7260,30 +7478,21 @@
                             </p:childTnLst>
                           </p:cTn>
                         </p:par>
-                      </p:childTnLst>
-                    </p:cTn>
-                  </p:par>
-                  <p:par>
-                    <p:cTn id="8" fill="hold">
-                      <p:stCondLst>
-                        <p:cond delay="indefinite"/>
-                      </p:stCondLst>
-                      <p:childTnLst>
                         <p:par>
-                          <p:cTn id="9" fill="hold">
+                          <p:cTn id="8" fill="hold">
                             <p:stCondLst>
-                              <p:cond delay="0"/>
+                              <p:cond delay="1500"/>
                             </p:stCondLst>
                             <p:childTnLst>
                               <p:par>
-                                <p:cTn id="10" presetID="10" presetClass="entr" presetSubtype="0" fill="hold" grpId="0" nodeType="clickEffect">
+                                <p:cTn id="9" presetID="10" presetClass="entr" presetSubtype="0" fill="hold" grpId="0" nodeType="afterEffect">
                                   <p:stCondLst>
                                     <p:cond delay="1000"/>
                                   </p:stCondLst>
                                   <p:childTnLst>
                                     <p:set>
                                       <p:cBhvr>
-                                        <p:cTn id="11" dur="1" fill="hold">
+                                        <p:cTn id="10" dur="1" fill="hold">
                                           <p:stCondLst>
                                             <p:cond delay="0"/>
                                           </p:stCondLst>
@@ -7305,7 +7514,7 @@
                                     </p:set>
                                     <p:animEffect transition="in" filter="fade">
                                       <p:cBhvr>
-                                        <p:cTn id="12" dur="500"/>
+                                        <p:cTn id="11" dur="500"/>
                                         <p:tgtEl>
                                           <p:spTgt spid="3">
                                             <p:txEl>
@@ -7321,30 +7530,21 @@
                             </p:childTnLst>
                           </p:cTn>
                         </p:par>
-                      </p:childTnLst>
-                    </p:cTn>
-                  </p:par>
-                  <p:par>
-                    <p:cTn id="13" fill="hold">
-                      <p:stCondLst>
-                        <p:cond delay="indefinite"/>
-                      </p:stCondLst>
-                      <p:childTnLst>
                         <p:par>
-                          <p:cTn id="14" fill="hold">
+                          <p:cTn id="12" fill="hold">
                             <p:stCondLst>
-                              <p:cond delay="0"/>
+                              <p:cond delay="3000"/>
                             </p:stCondLst>
                             <p:childTnLst>
                               <p:par>
-                                <p:cTn id="15" presetID="10" presetClass="entr" presetSubtype="0" fill="hold" grpId="0" nodeType="clickEffect">
+                                <p:cTn id="13" presetID="10" presetClass="entr" presetSubtype="0" fill="hold" grpId="0" nodeType="afterEffect">
                                   <p:stCondLst>
                                     <p:cond delay="1000"/>
                                   </p:stCondLst>
                                   <p:childTnLst>
                                     <p:set>
                                       <p:cBhvr>
-                                        <p:cTn id="16" dur="1" fill="hold">
+                                        <p:cTn id="14" dur="1" fill="hold">
                                           <p:stCondLst>
                                             <p:cond delay="0"/>
                                           </p:stCondLst>
@@ -7366,7 +7566,7 @@
                                     </p:set>
                                     <p:animEffect transition="in" filter="fade">
                                       <p:cBhvr>
-                                        <p:cTn id="17" dur="500"/>
+                                        <p:cTn id="15" dur="500"/>
                                         <p:tgtEl>
                                           <p:spTgt spid="3">
                                             <p:txEl>
@@ -7382,30 +7582,21 @@
                             </p:childTnLst>
                           </p:cTn>
                         </p:par>
-                      </p:childTnLst>
-                    </p:cTn>
-                  </p:par>
-                  <p:par>
-                    <p:cTn id="18" fill="hold">
-                      <p:stCondLst>
-                        <p:cond delay="indefinite"/>
-                      </p:stCondLst>
-                      <p:childTnLst>
                         <p:par>
-                          <p:cTn id="19" fill="hold">
+                          <p:cTn id="16" fill="hold">
                             <p:stCondLst>
-                              <p:cond delay="0"/>
+                              <p:cond delay="4500"/>
                             </p:stCondLst>
                             <p:childTnLst>
                               <p:par>
-                                <p:cTn id="20" presetID="10" presetClass="entr" presetSubtype="0" fill="hold" grpId="0" nodeType="clickEffect">
+                                <p:cTn id="17" presetID="10" presetClass="entr" presetSubtype="0" fill="hold" grpId="0" nodeType="afterEffect">
                                   <p:stCondLst>
                                     <p:cond delay="1000"/>
                                   </p:stCondLst>
                                   <p:childTnLst>
                                     <p:set>
                                       <p:cBhvr>
-                                        <p:cTn id="21" dur="1" fill="hold">
+                                        <p:cTn id="18" dur="1" fill="hold">
                                           <p:stCondLst>
                                             <p:cond delay="0"/>
                                           </p:stCondLst>
@@ -7427,72 +7618,11 @@
                                     </p:set>
                                     <p:animEffect transition="in" filter="fade">
                                       <p:cBhvr>
-                                        <p:cTn id="22" dur="500"/>
+                                        <p:cTn id="19" dur="500"/>
                                         <p:tgtEl>
                                           <p:spTgt spid="3">
                                             <p:txEl>
                                               <p:pRg st="3" end="3"/>
-                                            </p:txEl>
-                                          </p:spTgt>
-                                        </p:tgtEl>
-                                      </p:cBhvr>
-                                    </p:animEffect>
-                                  </p:childTnLst>
-                                </p:cTn>
-                              </p:par>
-                            </p:childTnLst>
-                          </p:cTn>
-                        </p:par>
-                      </p:childTnLst>
-                    </p:cTn>
-                  </p:par>
-                  <p:par>
-                    <p:cTn id="23" fill="hold">
-                      <p:stCondLst>
-                        <p:cond delay="indefinite"/>
-                      </p:stCondLst>
-                      <p:childTnLst>
-                        <p:par>
-                          <p:cTn id="24" fill="hold">
-                            <p:stCondLst>
-                              <p:cond delay="0"/>
-                            </p:stCondLst>
-                            <p:childTnLst>
-                              <p:par>
-                                <p:cTn id="25" presetID="10" presetClass="entr" presetSubtype="0" fill="hold" grpId="0" nodeType="clickEffect">
-                                  <p:stCondLst>
-                                    <p:cond delay="1000"/>
-                                  </p:stCondLst>
-                                  <p:childTnLst>
-                                    <p:set>
-                                      <p:cBhvr>
-                                        <p:cTn id="26" dur="1" fill="hold">
-                                          <p:stCondLst>
-                                            <p:cond delay="0"/>
-                                          </p:stCondLst>
-                                        </p:cTn>
-                                        <p:tgtEl>
-                                          <p:spTgt spid="3">
-                                            <p:txEl>
-                                              <p:pRg st="4" end="4"/>
-                                            </p:txEl>
-                                          </p:spTgt>
-                                        </p:tgtEl>
-                                        <p:attrNameLst>
-                                          <p:attrName>style.visibility</p:attrName>
-                                        </p:attrNameLst>
-                                      </p:cBhvr>
-                                      <p:to>
-                                        <p:strVal val="visible"/>
-                                      </p:to>
-                                    </p:set>
-                                    <p:animEffect transition="in" filter="fade">
-                                      <p:cBhvr>
-                                        <p:cTn id="27" dur="500"/>
-                                        <p:tgtEl>
-                                          <p:spTgt spid="3">
-                                            <p:txEl>
-                                              <p:pRg st="4" end="4"/>
                                             </p:txEl>
                                           </p:spTgt>
                                         </p:tgtEl>
@@ -7535,7 +7665,7 @@
 </p:sld>
 </file>
 
-<file path=ppt/slides/slide18.xml><?xml version="1.0" encoding="utf-8"?>
+<file path=ppt/slides/slide19.xml><?xml version="1.0" encoding="utf-8"?>
 <p:sld xmlns:a="http://schemas.openxmlformats.org/drawingml/2006/main" xmlns:r="http://schemas.openxmlformats.org/officeDocument/2006/relationships" xmlns:p="http://schemas.openxmlformats.org/presentationml/2006/main">
   <p:cSld>
     <p:spTree>
@@ -7765,11 +7895,7 @@
             <a:pPr lvl="1"/>
             <a:r>
               <a:rPr lang="en-US" dirty="0" smtClean="0"/>
-              <a:t>Security </a:t>
-            </a:r>
-            <a:r>
-              <a:rPr lang="en-US" dirty="0" smtClean="0"/>
-              <a:t>Contexts</a:t>
+              <a:t>Security Contexts</a:t>
             </a:r>
           </a:p>
           <a:p>
@@ -7778,17 +7904,12 @@
               <a:rPr lang="en-US" dirty="0" smtClean="0"/>
               <a:t>Bookshelf POC</a:t>
             </a:r>
-            <a:endParaRPr lang="en-US" dirty="0" smtClean="0"/>
           </a:p>
           <a:p>
             <a:pPr lvl="1"/>
             <a:r>
               <a:rPr lang="en-US" dirty="0" smtClean="0"/>
-              <a:t>Tips </a:t>
-            </a:r>
-            <a:r>
-              <a:rPr lang="en-US" dirty="0" smtClean="0"/>
-              <a:t>&amp; Tricks / Pragmatic Advice</a:t>
+              <a:t>Tips &amp; Tricks / Pragmatic Advice</a:t>
             </a:r>
             <a:endParaRPr lang="en-US" dirty="0"/>
           </a:p>
@@ -7804,13 +7925,13 @@
   <p:clrMapOvr>
     <a:masterClrMapping/>
   </p:clrMapOvr>
-  <mc:AlternateContent xmlns:mc="http://schemas.openxmlformats.org/markup-compatibility/2006">
-    <mc:Choice xmlns:p14="http://schemas.microsoft.com/office/powerpoint/2010/main" Requires="p14">
+  <mc:AlternateContent xmlns:mc="http://schemas.openxmlformats.org/markup-compatibility/2006" xmlns:p14="http://schemas.microsoft.com/office/powerpoint/2010/main">
+    <mc:Choice Requires="p14">
       <p:transition spd="med" p14:dur="700">
         <p:fade/>
       </p:transition>
     </mc:Choice>
-    <mc:Fallback>
+    <mc:Fallback xmlns="">
       <p:transition spd="med">
         <p:fade/>
       </p:transition>
@@ -9125,7 +9246,6 @@
               <a:rPr lang="en-US" dirty="0"/>
               <a:t>If you can build a Windows Store app using standards-based HTML, CSS, and JavaScript…</a:t>
             </a:r>
-            <a:endParaRPr lang="en-US" dirty="0"/>
           </a:p>
           <a:p>
             <a:r>
@@ -9174,7 +9294,6 @@
               <a:rPr lang="en-US" dirty="0" smtClean="0"/>
               <a:t>?</a:t>
             </a:r>
-            <a:endParaRPr lang="en-US" dirty="0" smtClean="0"/>
           </a:p>
         </p:txBody>
       </p:sp>

--- a/slides/Build Windows Store Apps using Javascript.pptx
+++ b/slides/Build Windows Store Apps using Javascript.pptx
@@ -5,28 +5,27 @@
     <p:sldMasterId id="2147483648" r:id="rId1"/>
   </p:sldMasterIdLst>
   <p:notesMasterIdLst>
-    <p:notesMasterId r:id="rId21"/>
+    <p:notesMasterId r:id="rId20"/>
   </p:notesMasterIdLst>
   <p:sldIdLst>
     <p:sldId id="259" r:id="rId2"/>
-    <p:sldId id="263" r:id="rId3"/>
-    <p:sldId id="281" r:id="rId4"/>
-    <p:sldId id="269" r:id="rId5"/>
-    <p:sldId id="268" r:id="rId6"/>
-    <p:sldId id="265" r:id="rId7"/>
-    <p:sldId id="282" r:id="rId8"/>
-    <p:sldId id="266" r:id="rId9"/>
-    <p:sldId id="272" r:id="rId10"/>
-    <p:sldId id="273" r:id="rId11"/>
-    <p:sldId id="274" r:id="rId12"/>
-    <p:sldId id="277" r:id="rId13"/>
-    <p:sldId id="280" r:id="rId14"/>
-    <p:sldId id="275" r:id="rId15"/>
-    <p:sldId id="284" r:id="rId16"/>
-    <p:sldId id="276" r:id="rId17"/>
-    <p:sldId id="279" r:id="rId18"/>
-    <p:sldId id="283" r:id="rId19"/>
-    <p:sldId id="256" r:id="rId20"/>
+    <p:sldId id="281" r:id="rId3"/>
+    <p:sldId id="269" r:id="rId4"/>
+    <p:sldId id="268" r:id="rId5"/>
+    <p:sldId id="265" r:id="rId6"/>
+    <p:sldId id="282" r:id="rId7"/>
+    <p:sldId id="266" r:id="rId8"/>
+    <p:sldId id="272" r:id="rId9"/>
+    <p:sldId id="273" r:id="rId10"/>
+    <p:sldId id="274" r:id="rId11"/>
+    <p:sldId id="277" r:id="rId12"/>
+    <p:sldId id="280" r:id="rId13"/>
+    <p:sldId id="275" r:id="rId14"/>
+    <p:sldId id="284" r:id="rId15"/>
+    <p:sldId id="276" r:id="rId16"/>
+    <p:sldId id="279" r:id="rId17"/>
+    <p:sldId id="283" r:id="rId18"/>
+    <p:sldId id="256" r:id="rId19"/>
   </p:sldIdLst>
   <p:sldSz cx="9144000" cy="5143500" type="screen16x9"/>
   <p:notesSz cx="6858000" cy="9144000"/>
@@ -252,7 +251,7 @@
             <a:fld id="{468D8419-D664-4DEA-B8AC-5ACC6C9B8114}" type="datetimeFigureOut">
               <a:rPr lang="en-US"/>
               <a:pPr/>
-              <a:t>8/21/2013</a:t>
+              <a:t>8/22/2013</a:t>
             </a:fld>
             <a:endParaRPr lang="en-US"/>
           </a:p>
@@ -749,7 +748,7 @@
             <a:fld id="{166E33D9-7E30-4573-994E-3DC0774D909C}" type="datetimeFigureOut">
               <a:rPr lang="en-US"/>
               <a:pPr/>
-              <a:t>8/21/2013</a:t>
+              <a:t>8/22/2013</a:t>
             </a:fld>
             <a:endParaRPr lang="en-US"/>
           </a:p>
@@ -942,7 +941,7 @@
             <a:fld id="{8FC8D582-DF96-42B0-8B69-70D2BF687E09}" type="datetimeFigureOut">
               <a:rPr lang="en-US"/>
               <a:pPr/>
-              <a:t>8/21/2013</a:t>
+              <a:t>8/22/2013</a:t>
             </a:fld>
             <a:endParaRPr lang="en-US"/>
           </a:p>
@@ -1145,7 +1144,7 @@
             <a:fld id="{98A15B84-7145-4C93-B41F-B09C98B75834}" type="datetimeFigureOut">
               <a:rPr lang="en-US"/>
               <a:pPr/>
-              <a:t>8/21/2013</a:t>
+              <a:t>8/22/2013</a:t>
             </a:fld>
             <a:endParaRPr lang="en-US"/>
           </a:p>
@@ -1338,7 +1337,7 @@
             <a:fld id="{D4654C70-E970-464C-9C7E-17FE01458B18}" type="datetimeFigureOut">
               <a:rPr lang="en-US"/>
               <a:pPr/>
-              <a:t>8/21/2013</a:t>
+              <a:t>8/22/2013</a:t>
             </a:fld>
             <a:endParaRPr lang="en-US"/>
           </a:p>
@@ -1607,7 +1606,7 @@
             <a:fld id="{D6E64F3B-2C05-43A6-949D-3A7BBCB6487C}" type="datetimeFigureOut">
               <a:rPr lang="en-US"/>
               <a:pPr/>
-              <a:t>8/21/2013</a:t>
+              <a:t>8/22/2013</a:t>
             </a:fld>
             <a:endParaRPr lang="en-US"/>
           </a:p>
@@ -1918,7 +1917,7 @@
             <a:fld id="{72020084-42E0-4482-AD16-5E16628A2D02}" type="datetimeFigureOut">
               <a:rPr lang="en-US"/>
               <a:pPr/>
-              <a:t>8/21/2013</a:t>
+              <a:t>8/22/2013</a:t>
             </a:fld>
             <a:endParaRPr lang="en-US"/>
           </a:p>
@@ -2363,7 +2362,7 @@
             <a:fld id="{D8AD5928-A8CB-4434-AC6B-E4E1C62A8D32}" type="datetimeFigureOut">
               <a:rPr lang="en-US"/>
               <a:pPr/>
-              <a:t>8/21/2013</a:t>
+              <a:t>8/22/2013</a:t>
             </a:fld>
             <a:endParaRPr lang="en-US"/>
           </a:p>
@@ -2504,7 +2503,7 @@
             <a:fld id="{DF223305-1599-409E-BD97-77BDE9BE29BF}" type="datetimeFigureOut">
               <a:rPr lang="en-US"/>
               <a:pPr/>
-              <a:t>8/21/2013</a:t>
+              <a:t>8/22/2013</a:t>
             </a:fld>
             <a:endParaRPr lang="en-US"/>
           </a:p>
@@ -2629,7 +2628,7 @@
             <a:fld id="{6D2ECACC-CF0E-4082-BDC4-241672157932}" type="datetimeFigureOut">
               <a:rPr lang="en-US"/>
               <a:pPr/>
-              <a:t>8/21/2013</a:t>
+              <a:t>8/22/2013</a:t>
             </a:fld>
             <a:endParaRPr lang="en-US"/>
           </a:p>
@@ -2929,7 +2928,7 @@
             <a:fld id="{52566337-962B-4383-A303-3D57DB9046B0}" type="datetimeFigureOut">
               <a:rPr lang="en-US"/>
               <a:pPr/>
-              <a:t>8/21/2013</a:t>
+              <a:t>8/22/2013</a:t>
             </a:fld>
             <a:endParaRPr lang="en-US"/>
           </a:p>
@@ -3212,7 +3211,7 @@
             <a:fld id="{B1C1E1D4-7443-4360-8679-26520EF111D8}" type="datetimeFigureOut">
               <a:rPr lang="en-US"/>
               <a:pPr/>
-              <a:t>8/21/2013</a:t>
+              <a:t>8/22/2013</a:t>
             </a:fld>
             <a:endParaRPr lang="en-US"/>
           </a:p>
@@ -3549,7 +3548,7 @@
             <a:fld id="{BBD0D601-0868-4A53-900E-3FEE804903EE}" type="datetimeFigureOut">
               <a:rPr lang="en-US"/>
               <a:pPr/>
-              <a:t>8/21/2013</a:t>
+              <a:t>8/22/2013</a:t>
             </a:fld>
             <a:endParaRPr lang="en-US"/>
           </a:p>
@@ -4344,191 +4343,6 @@
           <a:chExt cx="0" cy="0"/>
         </a:xfrm>
       </p:grpSpPr>
-      <p:sp>
-        <p:nvSpPr>
-          <p:cNvPr id="2" name="Title 1"/>
-          <p:cNvSpPr>
-            <a:spLocks noGrp="1"/>
-          </p:cNvSpPr>
-          <p:nvPr>
-            <p:ph type="title"/>
-          </p:nvPr>
-        </p:nvSpPr>
-        <p:spPr/>
-        <p:txBody>
-          <a:bodyPr/>
-          <a:lstStyle/>
-          <a:p>
-            <a:r>
-              <a:rPr lang="en-US" dirty="0" smtClean="0"/>
-              <a:t>Demo</a:t>
-            </a:r>
-            <a:endParaRPr lang="en-US" dirty="0"/>
-          </a:p>
-        </p:txBody>
-      </p:sp>
-      <p:sp>
-        <p:nvSpPr>
-          <p:cNvPr id="3" name="Text Placeholder 2"/>
-          <p:cNvSpPr>
-            <a:spLocks noGrp="1"/>
-          </p:cNvSpPr>
-          <p:nvPr>
-            <p:ph type="body" idx="1"/>
-          </p:nvPr>
-        </p:nvSpPr>
-        <p:spPr/>
-        <p:txBody>
-          <a:bodyPr/>
-          <a:lstStyle/>
-          <a:p>
-            <a:r>
-              <a:rPr lang="en-US" dirty="0" smtClean="0"/>
-              <a:t>Using JavaScript</a:t>
-            </a:r>
-            <a:endParaRPr lang="en-US" dirty="0"/>
-          </a:p>
-        </p:txBody>
-      </p:sp>
-    </p:spTree>
-    <p:extLst>
-      <p:ext uri="{BB962C8B-B14F-4D97-AF65-F5344CB8AC3E}">
-        <p14:creationId xmlns:p14="http://schemas.microsoft.com/office/powerpoint/2010/main" val="1177827527"/>
-      </p:ext>
-    </p:extLst>
-  </p:cSld>
-  <p:clrMapOvr>
-    <a:masterClrMapping/>
-  </p:clrMapOvr>
-  <mc:AlternateContent xmlns:mc="http://schemas.openxmlformats.org/markup-compatibility/2006" xmlns:p14="http://schemas.microsoft.com/office/powerpoint/2010/main">
-    <mc:Choice Requires="p14">
-      <p:transition spd="med" p14:dur="700">
-        <p:fade/>
-      </p:transition>
-    </mc:Choice>
-    <mc:Fallback xmlns="">
-      <p:transition spd="med">
-        <p:fade/>
-      </p:transition>
-    </mc:Fallback>
-  </mc:AlternateContent>
-  <p:timing>
-    <p:tnLst>
-      <p:par>
-        <p:cTn id="1" dur="indefinite" restart="never" nodeType="tmRoot">
-          <p:childTnLst>
-            <p:seq concurrent="1" nextAc="seek">
-              <p:cTn id="2" dur="indefinite" nodeType="mainSeq">
-                <p:childTnLst>
-                  <p:par>
-                    <p:cTn id="3" fill="hold">
-                      <p:stCondLst>
-                        <p:cond delay="indefinite"/>
-                        <p:cond evt="onBegin" delay="0">
-                          <p:tn val="2"/>
-                        </p:cond>
-                      </p:stCondLst>
-                      <p:childTnLst>
-                        <p:par>
-                          <p:cTn id="4" fill="hold">
-                            <p:stCondLst>
-                              <p:cond delay="0"/>
-                            </p:stCondLst>
-                            <p:childTnLst>
-                              <p:par>
-                                <p:cTn id="5" presetID="10" presetClass="entr" presetSubtype="0" fill="hold" grpId="0" nodeType="afterEffect">
-                                  <p:stCondLst>
-                                    <p:cond delay="1000"/>
-                                  </p:stCondLst>
-                                  <p:childTnLst>
-                                    <p:set>
-                                      <p:cBhvr>
-                                        <p:cTn id="6" dur="1" fill="hold">
-                                          <p:stCondLst>
-                                            <p:cond delay="0"/>
-                                          </p:stCondLst>
-                                        </p:cTn>
-                                        <p:tgtEl>
-                                          <p:spTgt spid="3">
-                                            <p:txEl>
-                                              <p:pRg st="0" end="0"/>
-                                            </p:txEl>
-                                          </p:spTgt>
-                                        </p:tgtEl>
-                                        <p:attrNameLst>
-                                          <p:attrName>style.visibility</p:attrName>
-                                        </p:attrNameLst>
-                                      </p:cBhvr>
-                                      <p:to>
-                                        <p:strVal val="visible"/>
-                                      </p:to>
-                                    </p:set>
-                                    <p:animEffect transition="in" filter="fade">
-                                      <p:cBhvr>
-                                        <p:cTn id="7" dur="500"/>
-                                        <p:tgtEl>
-                                          <p:spTgt spid="3">
-                                            <p:txEl>
-                                              <p:pRg st="0" end="0"/>
-                                            </p:txEl>
-                                          </p:spTgt>
-                                        </p:tgtEl>
-                                      </p:cBhvr>
-                                    </p:animEffect>
-                                  </p:childTnLst>
-                                </p:cTn>
-                              </p:par>
-                            </p:childTnLst>
-                          </p:cTn>
-                        </p:par>
-                      </p:childTnLst>
-                    </p:cTn>
-                  </p:par>
-                </p:childTnLst>
-              </p:cTn>
-              <p:prevCondLst>
-                <p:cond evt="onPrev" delay="0">
-                  <p:tgtEl>
-                    <p:sldTgt/>
-                  </p:tgtEl>
-                </p:cond>
-              </p:prevCondLst>
-              <p:nextCondLst>
-                <p:cond evt="onNext" delay="0">
-                  <p:tgtEl>
-                    <p:sldTgt/>
-                  </p:tgtEl>
-                </p:cond>
-              </p:nextCondLst>
-            </p:seq>
-          </p:childTnLst>
-        </p:cTn>
-      </p:par>
-    </p:tnLst>
-    <p:bldLst>
-      <p:bldP spid="3" grpId="0" build="p"/>
-    </p:bldLst>
-  </p:timing>
-</p:sld>
-</file>
-
-<file path=ppt/slides/slide11.xml><?xml version="1.0" encoding="utf-8"?>
-<p:sld xmlns:a="http://schemas.openxmlformats.org/drawingml/2006/main" xmlns:r="http://schemas.openxmlformats.org/officeDocument/2006/relationships" xmlns:p="http://schemas.openxmlformats.org/presentationml/2006/main">
-  <p:cSld>
-    <p:spTree>
-      <p:nvGrpSpPr>
-        <p:cNvPr id="1" name=""/>
-        <p:cNvGrpSpPr/>
-        <p:nvPr/>
-      </p:nvGrpSpPr>
-      <p:grpSpPr>
-        <a:xfrm>
-          <a:off x="0" y="0"/>
-          <a:ext cx="0" cy="0"/>
-          <a:chOff x="0" y="0"/>
-          <a:chExt cx="0" cy="0"/>
-        </a:xfrm>
-      </p:grpSpPr>
       <p:pic>
         <p:nvPicPr>
           <p:cNvPr id="5" name="Picture 8" descr="Template-wide-02.jpg"/>
@@ -5060,7 +4874,7 @@
 </p:sld>
 </file>
 
-<file path=ppt/slides/slide12.xml><?xml version="1.0" encoding="utf-8"?>
+<file path=ppt/slides/slide11.xml><?xml version="1.0" encoding="utf-8"?>
 <p:sld xmlns:a="http://schemas.openxmlformats.org/drawingml/2006/main" xmlns:r="http://schemas.openxmlformats.org/officeDocument/2006/relationships" xmlns:p="http://schemas.openxmlformats.org/presentationml/2006/main">
   <p:cSld>
     <p:spTree>
@@ -5313,7 +5127,7 @@
 </p:sld>
 </file>
 
-<file path=ppt/slides/slide13.xml><?xml version="1.0" encoding="utf-8"?>
+<file path=ppt/slides/slide12.xml><?xml version="1.0" encoding="utf-8"?>
 <p:sld xmlns:a="http://schemas.openxmlformats.org/drawingml/2006/main" xmlns:r="http://schemas.openxmlformats.org/officeDocument/2006/relationships" xmlns:p="http://schemas.openxmlformats.org/presentationml/2006/main">
   <p:cSld>
     <p:spTree>
@@ -5634,6 +5448,440 @@
 </p:sld>
 </file>
 
+<file path=ppt/slides/slide13.xml><?xml version="1.0" encoding="utf-8"?>
+<p:sld xmlns:a="http://schemas.openxmlformats.org/drawingml/2006/main" xmlns:r="http://schemas.openxmlformats.org/officeDocument/2006/relationships" xmlns:p="http://schemas.openxmlformats.org/presentationml/2006/main">
+  <p:cSld>
+    <p:spTree>
+      <p:nvGrpSpPr>
+        <p:cNvPr id="1" name=""/>
+        <p:cNvGrpSpPr/>
+        <p:nvPr/>
+      </p:nvGrpSpPr>
+      <p:grpSpPr>
+        <a:xfrm>
+          <a:off x="0" y="0"/>
+          <a:ext cx="0" cy="0"/>
+          <a:chOff x="0" y="0"/>
+          <a:chExt cx="0" cy="0"/>
+        </a:xfrm>
+      </p:grpSpPr>
+      <p:sp>
+        <p:nvSpPr>
+          <p:cNvPr id="2" name="Title 1"/>
+          <p:cNvSpPr>
+            <a:spLocks noGrp="1"/>
+          </p:cNvSpPr>
+          <p:nvPr>
+            <p:ph type="title"/>
+          </p:nvPr>
+        </p:nvSpPr>
+        <p:spPr/>
+        <p:txBody>
+          <a:bodyPr/>
+          <a:lstStyle/>
+          <a:p>
+            <a:r>
+              <a:rPr lang="en-US" dirty="0"/>
+              <a:t>Tips &amp; Tricks / Pragmatic Advice</a:t>
+            </a:r>
+          </a:p>
+        </p:txBody>
+      </p:sp>
+      <p:sp>
+        <p:nvSpPr>
+          <p:cNvPr id="3" name="Content Placeholder 2"/>
+          <p:cNvSpPr>
+            <a:spLocks noGrp="1"/>
+          </p:cNvSpPr>
+          <p:nvPr>
+            <p:ph idx="1"/>
+          </p:nvPr>
+        </p:nvSpPr>
+        <p:spPr/>
+        <p:txBody>
+          <a:bodyPr/>
+          <a:lstStyle/>
+          <a:p>
+            <a:r>
+              <a:rPr lang="en-US" dirty="0" err="1" smtClean="0"/>
+              <a:t>AngularJS</a:t>
+            </a:r>
+            <a:r>
+              <a:rPr lang="en-US" dirty="0" smtClean="0"/>
+              <a:t>, Backbone, Ember, etc.</a:t>
+            </a:r>
+          </a:p>
+          <a:p>
+            <a:pPr lvl="1"/>
+            <a:r>
+              <a:rPr lang="en-US" dirty="0" smtClean="0">
+                <a:hlinkClick r:id="rId2"/>
+              </a:rPr>
+              <a:t>www.TodoMVC.com</a:t>
+            </a:r>
+            <a:endParaRPr lang="en-US" dirty="0" smtClean="0"/>
+          </a:p>
+          <a:p>
+            <a:r>
+              <a:rPr lang="en-US" dirty="0" err="1" smtClean="0"/>
+              <a:t>PhoneGap</a:t>
+            </a:r>
+            <a:endParaRPr lang="en-US" dirty="0" smtClean="0"/>
+          </a:p>
+          <a:p>
+            <a:r>
+              <a:rPr lang="en-US" dirty="0" smtClean="0"/>
+              <a:t>“One” Code Base, Multi-Screen</a:t>
+            </a:r>
+            <a:endParaRPr lang="en-US" dirty="0" smtClean="0"/>
+          </a:p>
+          <a:p>
+            <a:r>
+              <a:rPr lang="en-US" dirty="0" smtClean="0"/>
+              <a:t>ASP.NET MVC vs. HTML</a:t>
+            </a:r>
+          </a:p>
+        </p:txBody>
+      </p:sp>
+    </p:spTree>
+    <p:extLst>
+      <p:ext uri="{BB962C8B-B14F-4D97-AF65-F5344CB8AC3E}">
+        <p14:creationId xmlns:p14="http://schemas.microsoft.com/office/powerpoint/2010/main" val="325403669"/>
+      </p:ext>
+    </p:extLst>
+  </p:cSld>
+  <p:clrMapOvr>
+    <a:masterClrMapping/>
+  </p:clrMapOvr>
+  <mc:AlternateContent xmlns:mc="http://schemas.openxmlformats.org/markup-compatibility/2006" xmlns:p14="http://schemas.microsoft.com/office/powerpoint/2010/main">
+    <mc:Choice Requires="p14">
+      <p:transition spd="med" p14:dur="700">
+        <p:fade/>
+      </p:transition>
+    </mc:Choice>
+    <mc:Fallback xmlns="">
+      <p:transition spd="med">
+        <p:fade/>
+      </p:transition>
+    </mc:Fallback>
+  </mc:AlternateContent>
+  <p:timing>
+    <p:tnLst>
+      <p:par>
+        <p:cTn id="1" dur="indefinite" restart="never" nodeType="tmRoot">
+          <p:childTnLst>
+            <p:seq concurrent="1" nextAc="seek">
+              <p:cTn id="2" dur="indefinite" nodeType="mainSeq">
+                <p:childTnLst>
+                  <p:par>
+                    <p:cTn id="3" fill="hold">
+                      <p:stCondLst>
+                        <p:cond delay="indefinite"/>
+                        <p:cond evt="onBegin" delay="0">
+                          <p:tn val="2"/>
+                        </p:cond>
+                      </p:stCondLst>
+                      <p:childTnLst>
+                        <p:par>
+                          <p:cTn id="4" fill="hold">
+                            <p:stCondLst>
+                              <p:cond delay="0"/>
+                            </p:stCondLst>
+                            <p:childTnLst>
+                              <p:par>
+                                <p:cTn id="5" presetID="10" presetClass="entr" presetSubtype="0" fill="hold" grpId="0" nodeType="afterEffect">
+                                  <p:stCondLst>
+                                    <p:cond delay="1000"/>
+                                  </p:stCondLst>
+                                  <p:childTnLst>
+                                    <p:set>
+                                      <p:cBhvr>
+                                        <p:cTn id="6" dur="1" fill="hold">
+                                          <p:stCondLst>
+                                            <p:cond delay="0"/>
+                                          </p:stCondLst>
+                                        </p:cTn>
+                                        <p:tgtEl>
+                                          <p:spTgt spid="3">
+                                            <p:txEl>
+                                              <p:pRg st="0" end="0"/>
+                                            </p:txEl>
+                                          </p:spTgt>
+                                        </p:tgtEl>
+                                        <p:attrNameLst>
+                                          <p:attrName>style.visibility</p:attrName>
+                                        </p:attrNameLst>
+                                      </p:cBhvr>
+                                      <p:to>
+                                        <p:strVal val="visible"/>
+                                      </p:to>
+                                    </p:set>
+                                    <p:animEffect transition="in" filter="fade">
+                                      <p:cBhvr>
+                                        <p:cTn id="7" dur="500"/>
+                                        <p:tgtEl>
+                                          <p:spTgt spid="3">
+                                            <p:txEl>
+                                              <p:pRg st="0" end="0"/>
+                                            </p:txEl>
+                                          </p:spTgt>
+                                        </p:tgtEl>
+                                      </p:cBhvr>
+                                    </p:animEffect>
+                                  </p:childTnLst>
+                                </p:cTn>
+                              </p:par>
+                            </p:childTnLst>
+                          </p:cTn>
+                        </p:par>
+                        <p:par>
+                          <p:cTn id="8" fill="hold">
+                            <p:stCondLst>
+                              <p:cond delay="1500"/>
+                            </p:stCondLst>
+                            <p:childTnLst>
+                              <p:par>
+                                <p:cTn id="9" presetID="10" presetClass="entr" presetSubtype="0" fill="hold" grpId="0" nodeType="afterEffect">
+                                  <p:stCondLst>
+                                    <p:cond delay="1000"/>
+                                  </p:stCondLst>
+                                  <p:childTnLst>
+                                    <p:set>
+                                      <p:cBhvr>
+                                        <p:cTn id="10" dur="1" fill="hold">
+                                          <p:stCondLst>
+                                            <p:cond delay="0"/>
+                                          </p:stCondLst>
+                                        </p:cTn>
+                                        <p:tgtEl>
+                                          <p:spTgt spid="3">
+                                            <p:txEl>
+                                              <p:pRg st="1" end="1"/>
+                                            </p:txEl>
+                                          </p:spTgt>
+                                        </p:tgtEl>
+                                        <p:attrNameLst>
+                                          <p:attrName>style.visibility</p:attrName>
+                                        </p:attrNameLst>
+                                      </p:cBhvr>
+                                      <p:to>
+                                        <p:strVal val="visible"/>
+                                      </p:to>
+                                    </p:set>
+                                    <p:animEffect transition="in" filter="fade">
+                                      <p:cBhvr>
+                                        <p:cTn id="11" dur="500"/>
+                                        <p:tgtEl>
+                                          <p:spTgt spid="3">
+                                            <p:txEl>
+                                              <p:pRg st="1" end="1"/>
+                                            </p:txEl>
+                                          </p:spTgt>
+                                        </p:tgtEl>
+                                      </p:cBhvr>
+                                    </p:animEffect>
+                                  </p:childTnLst>
+                                </p:cTn>
+                              </p:par>
+                            </p:childTnLst>
+                          </p:cTn>
+                        </p:par>
+                        <p:par>
+                          <p:cTn id="12" fill="hold">
+                            <p:stCondLst>
+                              <p:cond delay="3000"/>
+                            </p:stCondLst>
+                            <p:childTnLst>
+                              <p:par>
+                                <p:cTn id="13" presetID="10" presetClass="entr" presetSubtype="0" fill="hold" grpId="0" nodeType="afterEffect">
+                                  <p:stCondLst>
+                                    <p:cond delay="1000"/>
+                                  </p:stCondLst>
+                                  <p:childTnLst>
+                                    <p:set>
+                                      <p:cBhvr>
+                                        <p:cTn id="14" dur="1" fill="hold">
+                                          <p:stCondLst>
+                                            <p:cond delay="0"/>
+                                          </p:stCondLst>
+                                        </p:cTn>
+                                        <p:tgtEl>
+                                          <p:spTgt spid="3">
+                                            <p:txEl>
+                                              <p:pRg st="2" end="2"/>
+                                            </p:txEl>
+                                          </p:spTgt>
+                                        </p:tgtEl>
+                                        <p:attrNameLst>
+                                          <p:attrName>style.visibility</p:attrName>
+                                        </p:attrNameLst>
+                                      </p:cBhvr>
+                                      <p:to>
+                                        <p:strVal val="visible"/>
+                                      </p:to>
+                                    </p:set>
+                                    <p:animEffect transition="in" filter="fade">
+                                      <p:cBhvr>
+                                        <p:cTn id="15" dur="500"/>
+                                        <p:tgtEl>
+                                          <p:spTgt spid="3">
+                                            <p:txEl>
+                                              <p:pRg st="2" end="2"/>
+                                            </p:txEl>
+                                          </p:spTgt>
+                                        </p:tgtEl>
+                                      </p:cBhvr>
+                                    </p:animEffect>
+                                  </p:childTnLst>
+                                </p:cTn>
+                              </p:par>
+                            </p:childTnLst>
+                          </p:cTn>
+                        </p:par>
+                      </p:childTnLst>
+                    </p:cTn>
+                  </p:par>
+                  <p:par>
+                    <p:cTn id="16" fill="hold">
+                      <p:stCondLst>
+                        <p:cond delay="indefinite"/>
+                      </p:stCondLst>
+                      <p:childTnLst>
+                        <p:par>
+                          <p:cTn id="17" fill="hold">
+                            <p:stCondLst>
+                              <p:cond delay="0"/>
+                            </p:stCondLst>
+                            <p:childTnLst>
+                              <p:par>
+                                <p:cTn id="18" presetID="10" presetClass="entr" presetSubtype="0" fill="hold" grpId="0" nodeType="clickEffect">
+                                  <p:stCondLst>
+                                    <p:cond delay="1000"/>
+                                  </p:stCondLst>
+                                  <p:childTnLst>
+                                    <p:set>
+                                      <p:cBhvr>
+                                        <p:cTn id="19" dur="1" fill="hold">
+                                          <p:stCondLst>
+                                            <p:cond delay="0"/>
+                                          </p:stCondLst>
+                                        </p:cTn>
+                                        <p:tgtEl>
+                                          <p:spTgt spid="3">
+                                            <p:txEl>
+                                              <p:pRg st="3" end="3"/>
+                                            </p:txEl>
+                                          </p:spTgt>
+                                        </p:tgtEl>
+                                        <p:attrNameLst>
+                                          <p:attrName>style.visibility</p:attrName>
+                                        </p:attrNameLst>
+                                      </p:cBhvr>
+                                      <p:to>
+                                        <p:strVal val="visible"/>
+                                      </p:to>
+                                    </p:set>
+                                    <p:animEffect transition="in" filter="fade">
+                                      <p:cBhvr>
+                                        <p:cTn id="20" dur="500"/>
+                                        <p:tgtEl>
+                                          <p:spTgt spid="3">
+                                            <p:txEl>
+                                              <p:pRg st="3" end="3"/>
+                                            </p:txEl>
+                                          </p:spTgt>
+                                        </p:tgtEl>
+                                      </p:cBhvr>
+                                    </p:animEffect>
+                                  </p:childTnLst>
+                                </p:cTn>
+                              </p:par>
+                            </p:childTnLst>
+                          </p:cTn>
+                        </p:par>
+                        <p:par>
+                          <p:cTn id="21" fill="hold">
+                            <p:stCondLst>
+                              <p:cond delay="1500"/>
+                            </p:stCondLst>
+                            <p:childTnLst>
+                              <p:par>
+                                <p:cTn id="22" presetID="10" presetClass="entr" presetSubtype="0" fill="hold" grpId="0" nodeType="afterEffect">
+                                  <p:stCondLst>
+                                    <p:cond delay="1000"/>
+                                  </p:stCondLst>
+                                  <p:childTnLst>
+                                    <p:set>
+                                      <p:cBhvr>
+                                        <p:cTn id="23" dur="1" fill="hold">
+                                          <p:stCondLst>
+                                            <p:cond delay="0"/>
+                                          </p:stCondLst>
+                                        </p:cTn>
+                                        <p:tgtEl>
+                                          <p:spTgt spid="3">
+                                            <p:txEl>
+                                              <p:pRg st="4" end="4"/>
+                                            </p:txEl>
+                                          </p:spTgt>
+                                        </p:tgtEl>
+                                        <p:attrNameLst>
+                                          <p:attrName>style.visibility</p:attrName>
+                                        </p:attrNameLst>
+                                      </p:cBhvr>
+                                      <p:to>
+                                        <p:strVal val="visible"/>
+                                      </p:to>
+                                    </p:set>
+                                    <p:animEffect transition="in" filter="fade">
+                                      <p:cBhvr>
+                                        <p:cTn id="24" dur="500"/>
+                                        <p:tgtEl>
+                                          <p:spTgt spid="3">
+                                            <p:txEl>
+                                              <p:pRg st="4" end="4"/>
+                                            </p:txEl>
+                                          </p:spTgt>
+                                        </p:tgtEl>
+                                      </p:cBhvr>
+                                    </p:animEffect>
+                                  </p:childTnLst>
+                                </p:cTn>
+                              </p:par>
+                            </p:childTnLst>
+                          </p:cTn>
+                        </p:par>
+                      </p:childTnLst>
+                    </p:cTn>
+                  </p:par>
+                </p:childTnLst>
+              </p:cTn>
+              <p:prevCondLst>
+                <p:cond evt="onPrev" delay="0">
+                  <p:tgtEl>
+                    <p:sldTgt/>
+                  </p:tgtEl>
+                </p:cond>
+              </p:prevCondLst>
+              <p:nextCondLst>
+                <p:cond evt="onNext" delay="0">
+                  <p:tgtEl>
+                    <p:sldTgt/>
+                  </p:tgtEl>
+                </p:cond>
+              </p:nextCondLst>
+            </p:seq>
+          </p:childTnLst>
+        </p:cTn>
+      </p:par>
+    </p:tnLst>
+    <p:bldLst>
+      <p:bldP spid="3" grpId="0" build="p"/>
+    </p:bldLst>
+  </p:timing>
+</p:sld>
+</file>
+
 <file path=ppt/slides/slide14.xml><?xml version="1.0" encoding="utf-8"?>
 <p:sld xmlns:a="http://schemas.openxmlformats.org/drawingml/2006/main" xmlns:r="http://schemas.openxmlformats.org/officeDocument/2006/relationships" xmlns:p="http://schemas.openxmlformats.org/presentationml/2006/main">
   <p:cSld>
@@ -5667,8 +5915,8 @@
           <a:lstStyle/>
           <a:p>
             <a:r>
-              <a:rPr lang="en-US" dirty="0"/>
-              <a:t>Tips &amp; Tricks / Pragmatic Advice</a:t>
+              <a:rPr lang="en-US" dirty="0" smtClean="0"/>
+              <a:t>Great Windows Store Apps</a:t>
             </a:r>
             <a:endParaRPr lang="en-US" dirty="0"/>
           </a:p>
@@ -5690,44 +5938,35 @@
           <a:lstStyle/>
           <a:p>
             <a:r>
-              <a:rPr lang="en-US" dirty="0" err="1" smtClean="0"/>
-              <a:t>AngularJS</a:t>
-            </a:r>
+              <a:rPr lang="en-US" dirty="0"/>
+              <a:t>Process Lifetime Management (PLM)</a:t>
+            </a:r>
+            <a:endParaRPr lang="en-US" dirty="0" smtClean="0"/>
+          </a:p>
+          <a:p>
             <a:r>
               <a:rPr lang="en-US" dirty="0" smtClean="0"/>
-              <a:t>, Backbone, Ember, etc.</a:t>
-            </a:r>
-          </a:p>
-          <a:p>
-            <a:pPr lvl="1"/>
-            <a:r>
-              <a:rPr lang="en-US" dirty="0" smtClean="0">
-                <a:hlinkClick r:id="rId2"/>
-              </a:rPr>
-              <a:t>www.TodoMVC.com</a:t>
-            </a:r>
-            <a:endParaRPr lang="en-US" dirty="0" smtClean="0"/>
-          </a:p>
-          <a:p>
-            <a:r>
-              <a:rPr lang="en-US" dirty="0" err="1" smtClean="0"/>
-              <a:t>PhoneGap</a:t>
-            </a:r>
-            <a:endParaRPr lang="en-US" dirty="0" smtClean="0"/>
+              <a:t>Screen Resize &amp; View State</a:t>
+            </a:r>
           </a:p>
           <a:p>
             <a:r>
               <a:rPr lang="en-US" dirty="0" smtClean="0"/>
-              <a:t>ASP.NET MVC vs. HTML</a:t>
-            </a:r>
-            <a:endParaRPr lang="en-US" dirty="0" smtClean="0"/>
+              <a:t>Contracts</a:t>
+            </a:r>
+          </a:p>
+          <a:p>
+            <a:r>
+              <a:rPr lang="en-US" dirty="0" smtClean="0"/>
+              <a:t>Live Tiles &amp; Notifications</a:t>
+            </a:r>
           </a:p>
         </p:txBody>
       </p:sp>
     </p:spTree>
     <p:extLst>
       <p:ext uri="{BB962C8B-B14F-4D97-AF65-F5344CB8AC3E}">
-        <p14:creationId xmlns:p14="http://schemas.microsoft.com/office/powerpoint/2010/main" val="325403669"/>
+        <p14:creationId xmlns:p14="http://schemas.microsoft.com/office/powerpoint/2010/main" val="2434050089"/>
       </p:ext>
     </p:extLst>
   </p:cSld>
@@ -6058,40 +6297,114 @@
           <a:lstStyle/>
           <a:p>
             <a:r>
-              <a:rPr lang="en-US" dirty="0"/>
-              <a:t>Process Lifetime Management (PLM)</a:t>
-            </a:r>
-            <a:endParaRPr lang="en-US" dirty="0" smtClean="0"/>
-          </a:p>
-          <a:p>
-            <a:r>
               <a:rPr lang="en-US" dirty="0" smtClean="0"/>
-              <a:t>Screen Resize &amp; View State</a:t>
-            </a:r>
-          </a:p>
-          <a:p>
+              <a:t>Use </a:t>
+            </a:r>
+            <a:r>
+              <a:rPr lang="en-US" dirty="0" err="1" smtClean="0"/>
+              <a:t>WinJS</a:t>
+            </a:r>
             <a:r>
               <a:rPr lang="en-US" dirty="0" smtClean="0"/>
-              <a:t>Contracts</a:t>
-            </a:r>
-          </a:p>
-          <a:p>
+              <a:t> Controls (</a:t>
+            </a:r>
+            <a:r>
+              <a:rPr lang="en-US" dirty="0" err="1" smtClean="0"/>
+              <a:t>DatePicker</a:t>
+            </a:r>
             <a:r>
               <a:rPr lang="en-US" dirty="0" smtClean="0"/>
-              <a:t>Live Tiles &amp; </a:t>
+              <a:t>, List/</a:t>
+            </a:r>
+            <a:r>
+              <a:rPr lang="en-US" dirty="0" err="1" smtClean="0"/>
+              <a:t>GridView</a:t>
             </a:r>
             <a:r>
               <a:rPr lang="en-US" dirty="0" smtClean="0"/>
-              <a:t>Notifications</a:t>
-            </a:r>
-            <a:endParaRPr lang="en-US" dirty="0" smtClean="0"/>
+              <a:t>)</a:t>
+            </a:r>
+          </a:p>
+          <a:p>
+            <a:r>
+              <a:rPr lang="en-US" dirty="0" smtClean="0"/>
+              <a:t>Use </a:t>
+            </a:r>
+            <a:r>
+              <a:rPr lang="en-US" dirty="0" err="1" smtClean="0"/>
+              <a:t>WinJS</a:t>
+            </a:r>
+            <a:r>
+              <a:rPr lang="en-US" dirty="0" smtClean="0"/>
+              <a:t> </a:t>
+            </a:r>
+            <a:r>
+              <a:rPr lang="en-US" dirty="0" err="1" smtClean="0"/>
+              <a:t>Annimations</a:t>
+            </a:r>
+            <a:r>
+              <a:rPr lang="en-US" dirty="0" smtClean="0"/>
+              <a:t> (</a:t>
+            </a:r>
+            <a:r>
+              <a:rPr lang="en-US" dirty="0" err="1" smtClean="0"/>
+              <a:t>enterPage</a:t>
+            </a:r>
+            <a:r>
+              <a:rPr lang="en-US" dirty="0" smtClean="0"/>
+              <a:t>, </a:t>
+            </a:r>
+            <a:r>
+              <a:rPr lang="en-US" dirty="0" err="1" smtClean="0"/>
+              <a:t>exitPage</a:t>
+            </a:r>
+            <a:r>
+              <a:rPr lang="en-US" dirty="0" smtClean="0"/>
+              <a:t>)</a:t>
+            </a:r>
+          </a:p>
+          <a:p>
+            <a:r>
+              <a:rPr lang="en-US" dirty="0" smtClean="0"/>
+              <a:t>Use Commanding Surfaces (Charms, App Bar)</a:t>
+            </a:r>
+          </a:p>
+          <a:p>
+            <a:r>
+              <a:rPr lang="en-US" dirty="0" smtClean="0"/>
+              <a:t>Leverage </a:t>
+            </a:r>
+            <a:r>
+              <a:rPr lang="en-US" dirty="0" err="1" smtClean="0"/>
+              <a:t>MSPointer</a:t>
+            </a:r>
+            <a:r>
+              <a:rPr lang="en-US" dirty="0" smtClean="0"/>
+              <a:t> (</a:t>
+            </a:r>
+            <a:r>
+              <a:rPr lang="en-US" dirty="0" err="1" smtClean="0"/>
+              <a:t>pointerDown</a:t>
+            </a:r>
+            <a:r>
+              <a:rPr lang="en-US" dirty="0" smtClean="0"/>
+              <a:t>, </a:t>
+            </a:r>
+            <a:r>
+              <a:rPr lang="en-US" dirty="0" err="1" smtClean="0"/>
+              <a:t>pointerUp</a:t>
+            </a:r>
+            <a:r>
+              <a:rPr lang="en-US" dirty="0" smtClean="0"/>
+              <a:t>)</a:t>
+            </a:r>
           </a:p>
         </p:txBody>
       </p:sp>
     </p:spTree>
     <p:extLst>
       <p:ext uri="{BB962C8B-B14F-4D97-AF65-F5344CB8AC3E}">
-        <p14:creationId xmlns:p14="http://schemas.microsoft.com/office/powerpoint/2010/main" val="2434050089"/>
+        <p14:creationId xmlns:p14="http://schemas.microsoft.com/office/powerpoint/2010/main" val="2987032701"/>
       </p:ext>
     </p:extLst>
   </p:cSld>
@@ -6383,445 +6696,6 @@
           <a:chExt cx="0" cy="0"/>
         </a:xfrm>
       </p:grpSpPr>
-      <p:sp>
-        <p:nvSpPr>
-          <p:cNvPr id="2" name="Title 1"/>
-          <p:cNvSpPr>
-            <a:spLocks noGrp="1"/>
-          </p:cNvSpPr>
-          <p:nvPr>
-            <p:ph type="title"/>
-          </p:nvPr>
-        </p:nvSpPr>
-        <p:spPr/>
-        <p:txBody>
-          <a:bodyPr/>
-          <a:lstStyle/>
-          <a:p>
-            <a:r>
-              <a:rPr lang="en-US" dirty="0" smtClean="0"/>
-              <a:t>Great Windows Store Apps</a:t>
-            </a:r>
-            <a:endParaRPr lang="en-US" dirty="0"/>
-          </a:p>
-        </p:txBody>
-      </p:sp>
-      <p:sp>
-        <p:nvSpPr>
-          <p:cNvPr id="3" name="Content Placeholder 2"/>
-          <p:cNvSpPr>
-            <a:spLocks noGrp="1"/>
-          </p:cNvSpPr>
-          <p:nvPr>
-            <p:ph idx="1"/>
-          </p:nvPr>
-        </p:nvSpPr>
-        <p:spPr/>
-        <p:txBody>
-          <a:bodyPr/>
-          <a:lstStyle/>
-          <a:p>
-            <a:r>
-              <a:rPr lang="en-US" dirty="0" smtClean="0"/>
-              <a:t>Use </a:t>
-            </a:r>
-            <a:r>
-              <a:rPr lang="en-US" dirty="0" err="1" smtClean="0"/>
-              <a:t>WinJS</a:t>
-            </a:r>
-            <a:r>
-              <a:rPr lang="en-US" dirty="0" smtClean="0"/>
-              <a:t> Controls (</a:t>
-            </a:r>
-            <a:r>
-              <a:rPr lang="en-US" dirty="0" err="1" smtClean="0"/>
-              <a:t>DatePicker</a:t>
-            </a:r>
-            <a:r>
-              <a:rPr lang="en-US" dirty="0" smtClean="0"/>
-              <a:t>, List/</a:t>
-            </a:r>
-            <a:r>
-              <a:rPr lang="en-US" dirty="0" err="1" smtClean="0"/>
-              <a:t>GridView</a:t>
-            </a:r>
-            <a:r>
-              <a:rPr lang="en-US" dirty="0" smtClean="0"/>
-              <a:t>)</a:t>
-            </a:r>
-          </a:p>
-          <a:p>
-            <a:r>
-              <a:rPr lang="en-US" dirty="0" smtClean="0"/>
-              <a:t>Use </a:t>
-            </a:r>
-            <a:r>
-              <a:rPr lang="en-US" dirty="0" err="1" smtClean="0"/>
-              <a:t>WinJS</a:t>
-            </a:r>
-            <a:r>
-              <a:rPr lang="en-US" dirty="0" smtClean="0"/>
-              <a:t> </a:t>
-            </a:r>
-            <a:r>
-              <a:rPr lang="en-US" dirty="0" err="1" smtClean="0"/>
-              <a:t>Annimations</a:t>
-            </a:r>
-            <a:r>
-              <a:rPr lang="en-US" dirty="0" smtClean="0"/>
-              <a:t> (</a:t>
-            </a:r>
-            <a:r>
-              <a:rPr lang="en-US" dirty="0" err="1" smtClean="0"/>
-              <a:t>enterPage</a:t>
-            </a:r>
-            <a:r>
-              <a:rPr lang="en-US" dirty="0" smtClean="0"/>
-              <a:t>, </a:t>
-            </a:r>
-            <a:r>
-              <a:rPr lang="en-US" dirty="0" err="1" smtClean="0"/>
-              <a:t>exitPage</a:t>
-            </a:r>
-            <a:r>
-              <a:rPr lang="en-US" dirty="0" smtClean="0"/>
-              <a:t>)</a:t>
-            </a:r>
-          </a:p>
-          <a:p>
-            <a:r>
-              <a:rPr lang="en-US" dirty="0" smtClean="0"/>
-              <a:t>Use Commanding Surfaces (Charms, App Bar)</a:t>
-            </a:r>
-          </a:p>
-          <a:p>
-            <a:r>
-              <a:rPr lang="en-US" dirty="0" smtClean="0"/>
-              <a:t>Leverage </a:t>
-            </a:r>
-            <a:r>
-              <a:rPr lang="en-US" dirty="0" err="1" smtClean="0"/>
-              <a:t>MSPointer</a:t>
-            </a:r>
-            <a:r>
-              <a:rPr lang="en-US" dirty="0" smtClean="0"/>
-              <a:t> (</a:t>
-            </a:r>
-            <a:r>
-              <a:rPr lang="en-US" dirty="0" err="1" smtClean="0"/>
-              <a:t>pointerDown</a:t>
-            </a:r>
-            <a:r>
-              <a:rPr lang="en-US" dirty="0" smtClean="0"/>
-              <a:t>, </a:t>
-            </a:r>
-            <a:r>
-              <a:rPr lang="en-US" dirty="0" err="1" smtClean="0"/>
-              <a:t>pointerUp</a:t>
-            </a:r>
-            <a:r>
-              <a:rPr lang="en-US" dirty="0" smtClean="0"/>
-              <a:t>)</a:t>
-            </a:r>
-            <a:endParaRPr lang="en-US" dirty="0" smtClean="0"/>
-          </a:p>
-        </p:txBody>
-      </p:sp>
-    </p:spTree>
-    <p:extLst>
-      <p:ext uri="{BB962C8B-B14F-4D97-AF65-F5344CB8AC3E}">
-        <p14:creationId xmlns:p14="http://schemas.microsoft.com/office/powerpoint/2010/main" val="2987032701"/>
-      </p:ext>
-    </p:extLst>
-  </p:cSld>
-  <p:clrMapOvr>
-    <a:masterClrMapping/>
-  </p:clrMapOvr>
-  <mc:AlternateContent xmlns:mc="http://schemas.openxmlformats.org/markup-compatibility/2006" xmlns:p14="http://schemas.microsoft.com/office/powerpoint/2010/main">
-    <mc:Choice Requires="p14">
-      <p:transition spd="med" p14:dur="700">
-        <p:fade/>
-      </p:transition>
-    </mc:Choice>
-    <mc:Fallback xmlns="">
-      <p:transition spd="med">
-        <p:fade/>
-      </p:transition>
-    </mc:Fallback>
-  </mc:AlternateContent>
-  <p:timing>
-    <p:tnLst>
-      <p:par>
-        <p:cTn id="1" dur="indefinite" restart="never" nodeType="tmRoot">
-          <p:childTnLst>
-            <p:seq concurrent="1" nextAc="seek">
-              <p:cTn id="2" dur="indefinite" nodeType="mainSeq">
-                <p:childTnLst>
-                  <p:par>
-                    <p:cTn id="3" fill="hold">
-                      <p:stCondLst>
-                        <p:cond delay="indefinite"/>
-                        <p:cond evt="onBegin" delay="0">
-                          <p:tn val="2"/>
-                        </p:cond>
-                      </p:stCondLst>
-                      <p:childTnLst>
-                        <p:par>
-                          <p:cTn id="4" fill="hold">
-                            <p:stCondLst>
-                              <p:cond delay="0"/>
-                            </p:stCondLst>
-                            <p:childTnLst>
-                              <p:par>
-                                <p:cTn id="5" presetID="10" presetClass="entr" presetSubtype="0" fill="hold" grpId="0" nodeType="afterEffect">
-                                  <p:stCondLst>
-                                    <p:cond delay="1000"/>
-                                  </p:stCondLst>
-                                  <p:childTnLst>
-                                    <p:set>
-                                      <p:cBhvr>
-                                        <p:cTn id="6" dur="1" fill="hold">
-                                          <p:stCondLst>
-                                            <p:cond delay="0"/>
-                                          </p:stCondLst>
-                                        </p:cTn>
-                                        <p:tgtEl>
-                                          <p:spTgt spid="3">
-                                            <p:txEl>
-                                              <p:pRg st="0" end="0"/>
-                                            </p:txEl>
-                                          </p:spTgt>
-                                        </p:tgtEl>
-                                        <p:attrNameLst>
-                                          <p:attrName>style.visibility</p:attrName>
-                                        </p:attrNameLst>
-                                      </p:cBhvr>
-                                      <p:to>
-                                        <p:strVal val="visible"/>
-                                      </p:to>
-                                    </p:set>
-                                    <p:animEffect transition="in" filter="fade">
-                                      <p:cBhvr>
-                                        <p:cTn id="7" dur="500"/>
-                                        <p:tgtEl>
-                                          <p:spTgt spid="3">
-                                            <p:txEl>
-                                              <p:pRg st="0" end="0"/>
-                                            </p:txEl>
-                                          </p:spTgt>
-                                        </p:tgtEl>
-                                      </p:cBhvr>
-                                    </p:animEffect>
-                                  </p:childTnLst>
-                                </p:cTn>
-                              </p:par>
-                            </p:childTnLst>
-                          </p:cTn>
-                        </p:par>
-                        <p:par>
-                          <p:cTn id="8" fill="hold">
-                            <p:stCondLst>
-                              <p:cond delay="1500"/>
-                            </p:stCondLst>
-                            <p:childTnLst>
-                              <p:par>
-                                <p:cTn id="9" presetID="10" presetClass="entr" presetSubtype="0" fill="hold" grpId="0" nodeType="afterEffect">
-                                  <p:stCondLst>
-                                    <p:cond delay="1000"/>
-                                  </p:stCondLst>
-                                  <p:childTnLst>
-                                    <p:set>
-                                      <p:cBhvr>
-                                        <p:cTn id="10" dur="1" fill="hold">
-                                          <p:stCondLst>
-                                            <p:cond delay="0"/>
-                                          </p:stCondLst>
-                                        </p:cTn>
-                                        <p:tgtEl>
-                                          <p:spTgt spid="3">
-                                            <p:txEl>
-                                              <p:pRg st="1" end="1"/>
-                                            </p:txEl>
-                                          </p:spTgt>
-                                        </p:tgtEl>
-                                        <p:attrNameLst>
-                                          <p:attrName>style.visibility</p:attrName>
-                                        </p:attrNameLst>
-                                      </p:cBhvr>
-                                      <p:to>
-                                        <p:strVal val="visible"/>
-                                      </p:to>
-                                    </p:set>
-                                    <p:animEffect transition="in" filter="fade">
-                                      <p:cBhvr>
-                                        <p:cTn id="11" dur="500"/>
-                                        <p:tgtEl>
-                                          <p:spTgt spid="3">
-                                            <p:txEl>
-                                              <p:pRg st="1" end="1"/>
-                                            </p:txEl>
-                                          </p:spTgt>
-                                        </p:tgtEl>
-                                      </p:cBhvr>
-                                    </p:animEffect>
-                                  </p:childTnLst>
-                                </p:cTn>
-                              </p:par>
-                            </p:childTnLst>
-                          </p:cTn>
-                        </p:par>
-                        <p:par>
-                          <p:cTn id="12" fill="hold">
-                            <p:stCondLst>
-                              <p:cond delay="3000"/>
-                            </p:stCondLst>
-                            <p:childTnLst>
-                              <p:par>
-                                <p:cTn id="13" presetID="10" presetClass="entr" presetSubtype="0" fill="hold" grpId="0" nodeType="afterEffect">
-                                  <p:stCondLst>
-                                    <p:cond delay="1000"/>
-                                  </p:stCondLst>
-                                  <p:childTnLst>
-                                    <p:set>
-                                      <p:cBhvr>
-                                        <p:cTn id="14" dur="1" fill="hold">
-                                          <p:stCondLst>
-                                            <p:cond delay="0"/>
-                                          </p:stCondLst>
-                                        </p:cTn>
-                                        <p:tgtEl>
-                                          <p:spTgt spid="3">
-                                            <p:txEl>
-                                              <p:pRg st="2" end="2"/>
-                                            </p:txEl>
-                                          </p:spTgt>
-                                        </p:tgtEl>
-                                        <p:attrNameLst>
-                                          <p:attrName>style.visibility</p:attrName>
-                                        </p:attrNameLst>
-                                      </p:cBhvr>
-                                      <p:to>
-                                        <p:strVal val="visible"/>
-                                      </p:to>
-                                    </p:set>
-                                    <p:animEffect transition="in" filter="fade">
-                                      <p:cBhvr>
-                                        <p:cTn id="15" dur="500"/>
-                                        <p:tgtEl>
-                                          <p:spTgt spid="3">
-                                            <p:txEl>
-                                              <p:pRg st="2" end="2"/>
-                                            </p:txEl>
-                                          </p:spTgt>
-                                        </p:tgtEl>
-                                      </p:cBhvr>
-                                    </p:animEffect>
-                                  </p:childTnLst>
-                                </p:cTn>
-                              </p:par>
-                            </p:childTnLst>
-                          </p:cTn>
-                        </p:par>
-                        <p:par>
-                          <p:cTn id="16" fill="hold">
-                            <p:stCondLst>
-                              <p:cond delay="4500"/>
-                            </p:stCondLst>
-                            <p:childTnLst>
-                              <p:par>
-                                <p:cTn id="17" presetID="10" presetClass="entr" presetSubtype="0" fill="hold" grpId="0" nodeType="afterEffect">
-                                  <p:stCondLst>
-                                    <p:cond delay="1000"/>
-                                  </p:stCondLst>
-                                  <p:childTnLst>
-                                    <p:set>
-                                      <p:cBhvr>
-                                        <p:cTn id="18" dur="1" fill="hold">
-                                          <p:stCondLst>
-                                            <p:cond delay="0"/>
-                                          </p:stCondLst>
-                                        </p:cTn>
-                                        <p:tgtEl>
-                                          <p:spTgt spid="3">
-                                            <p:txEl>
-                                              <p:pRg st="3" end="3"/>
-                                            </p:txEl>
-                                          </p:spTgt>
-                                        </p:tgtEl>
-                                        <p:attrNameLst>
-                                          <p:attrName>style.visibility</p:attrName>
-                                        </p:attrNameLst>
-                                      </p:cBhvr>
-                                      <p:to>
-                                        <p:strVal val="visible"/>
-                                      </p:to>
-                                    </p:set>
-                                    <p:animEffect transition="in" filter="fade">
-                                      <p:cBhvr>
-                                        <p:cTn id="19" dur="500"/>
-                                        <p:tgtEl>
-                                          <p:spTgt spid="3">
-                                            <p:txEl>
-                                              <p:pRg st="3" end="3"/>
-                                            </p:txEl>
-                                          </p:spTgt>
-                                        </p:tgtEl>
-                                      </p:cBhvr>
-                                    </p:animEffect>
-                                  </p:childTnLst>
-                                </p:cTn>
-                              </p:par>
-                            </p:childTnLst>
-                          </p:cTn>
-                        </p:par>
-                      </p:childTnLst>
-                    </p:cTn>
-                  </p:par>
-                </p:childTnLst>
-              </p:cTn>
-              <p:prevCondLst>
-                <p:cond evt="onPrev" delay="0">
-                  <p:tgtEl>
-                    <p:sldTgt/>
-                  </p:tgtEl>
-                </p:cond>
-              </p:prevCondLst>
-              <p:nextCondLst>
-                <p:cond evt="onNext" delay="0">
-                  <p:tgtEl>
-                    <p:sldTgt/>
-                  </p:tgtEl>
-                </p:cond>
-              </p:nextCondLst>
-            </p:seq>
-          </p:childTnLst>
-        </p:cTn>
-      </p:par>
-    </p:tnLst>
-    <p:bldLst>
-      <p:bldP spid="3" grpId="0" build="p"/>
-    </p:bldLst>
-  </p:timing>
-</p:sld>
-</file>
-
-<file path=ppt/slides/slide17.xml><?xml version="1.0" encoding="utf-8"?>
-<p:sld xmlns:a="http://schemas.openxmlformats.org/drawingml/2006/main" xmlns:r="http://schemas.openxmlformats.org/officeDocument/2006/relationships" xmlns:p="http://schemas.openxmlformats.org/presentationml/2006/main">
-  <p:cSld>
-    <p:spTree>
-      <p:nvGrpSpPr>
-        <p:cNvPr id="1" name=""/>
-        <p:cNvGrpSpPr/>
-        <p:nvPr/>
-      </p:nvGrpSpPr>
-      <p:grpSpPr>
-        <a:xfrm>
-          <a:off x="0" y="0"/>
-          <a:ext cx="0" cy="0"/>
-          <a:chOff x="0" y="0"/>
-          <a:chExt cx="0" cy="0"/>
-        </a:xfrm>
-      </p:grpSpPr>
       <p:pic>
         <p:nvPicPr>
           <p:cNvPr id="5" name="Picture 8" descr="Template-wide-02.jpg"/>
@@ -7271,7 +7145,7 @@
 </p:sld>
 </file>
 
-<file path=ppt/slides/slide18.xml><?xml version="1.0" encoding="utf-8"?>
+<file path=ppt/slides/slide17.xml><?xml version="1.0" encoding="utf-8"?>
 <p:sld xmlns:a="http://schemas.openxmlformats.org/drawingml/2006/main" xmlns:r="http://schemas.openxmlformats.org/officeDocument/2006/relationships" xmlns:p="http://schemas.openxmlformats.org/presentationml/2006/main">
   <p:cSld>
     <p:spTree>
@@ -7665,7 +7539,7 @@
 </p:sld>
 </file>
 
-<file path=ppt/slides/slide19.xml><?xml version="1.0" encoding="utf-8"?>
+<file path=ppt/slides/slide18.xml><?xml version="1.0" encoding="utf-8"?>
 <p:sld xmlns:a="http://schemas.openxmlformats.org/drawingml/2006/main" xmlns:r="http://schemas.openxmlformats.org/officeDocument/2006/relationships" xmlns:p="http://schemas.openxmlformats.org/presentationml/2006/main">
   <p:cSld>
     <p:spTree>
@@ -7854,62 +7728,28 @@
           <a:bodyPr/>
           <a:lstStyle/>
           <a:p>
-            <a:r>
-              <a:rPr lang="en-US" dirty="0" smtClean="0"/>
-              <a:t>Agenda</a:t>
-            </a:r>
             <a:endParaRPr lang="en-US" dirty="0"/>
           </a:p>
         </p:txBody>
       </p:sp>
       <p:sp>
         <p:nvSpPr>
-          <p:cNvPr id="3" name="Content Placeholder 2"/>
+          <p:cNvPr id="3" name="Text Placeholder 2"/>
           <p:cNvSpPr>
             <a:spLocks noGrp="1"/>
           </p:cNvSpPr>
           <p:nvPr>
-            <p:ph idx="1"/>
+            <p:ph type="body" idx="1"/>
           </p:nvPr>
         </p:nvSpPr>
         <p:spPr/>
         <p:txBody>
-          <a:bodyPr>
-            <a:normAutofit/>
-          </a:bodyPr>
+          <a:bodyPr/>
           <a:lstStyle/>
           <a:p>
             <a:r>
               <a:rPr lang="en-US" dirty="0" smtClean="0"/>
-              <a:t>Windows Store apps with HTML &amp; JavaScript</a:t>
-            </a:r>
-          </a:p>
-          <a:p>
-            <a:pPr lvl="1"/>
-            <a:r>
-              <a:rPr lang="en-US" dirty="0" smtClean="0"/>
-              <a:t>Standards-based App Development</a:t>
-            </a:r>
-          </a:p>
-          <a:p>
-            <a:pPr lvl="1"/>
-            <a:r>
-              <a:rPr lang="en-US" dirty="0" smtClean="0"/>
-              <a:t>Security Contexts</a:t>
-            </a:r>
-          </a:p>
-          <a:p>
-            <a:pPr lvl="1"/>
-            <a:r>
-              <a:rPr lang="en-US" dirty="0" smtClean="0"/>
-              <a:t>Bookshelf POC</a:t>
-            </a:r>
-          </a:p>
-          <a:p>
-            <a:pPr lvl="1"/>
-            <a:r>
-              <a:rPr lang="en-US" dirty="0" smtClean="0"/>
-              <a:t>Tips &amp; Tricks / Pragmatic Advice</a:t>
+              <a:t>Windows Store apps can be built using standards-based HTML, CSS, and JavaScript.</a:t>
             </a:r>
             <a:endParaRPr lang="en-US" dirty="0"/>
           </a:p>
@@ -7918,7 +7758,7 @@
     </p:spTree>
     <p:extLst>
       <p:ext uri="{BB962C8B-B14F-4D97-AF65-F5344CB8AC3E}">
-        <p14:creationId xmlns:p14="http://schemas.microsoft.com/office/powerpoint/2010/main" val="556008172"/>
+        <p14:creationId xmlns:p14="http://schemas.microsoft.com/office/powerpoint/2010/main" val="978786381"/>
       </p:ext>
     </p:extLst>
   </p:cSld>
@@ -7940,298 +7780,9 @@
   <p:timing>
     <p:tnLst>
       <p:par>
-        <p:cTn id="1" dur="indefinite" restart="never" nodeType="tmRoot">
-          <p:childTnLst>
-            <p:seq concurrent="1" nextAc="seek">
-              <p:cTn id="2" dur="indefinite" nodeType="mainSeq">
-                <p:childTnLst>
-                  <p:par>
-                    <p:cTn id="3" fill="hold">
-                      <p:stCondLst>
-                        <p:cond delay="indefinite"/>
-                        <p:cond evt="onBegin" delay="0">
-                          <p:tn val="2"/>
-                        </p:cond>
-                      </p:stCondLst>
-                      <p:childTnLst>
-                        <p:par>
-                          <p:cTn id="4" fill="hold">
-                            <p:stCondLst>
-                              <p:cond delay="0"/>
-                            </p:stCondLst>
-                            <p:childTnLst>
-                              <p:par>
-                                <p:cTn id="5" presetID="10" presetClass="entr" presetSubtype="0" fill="hold" grpId="0" nodeType="afterEffect">
-                                  <p:stCondLst>
-                                    <p:cond delay="1000"/>
-                                  </p:stCondLst>
-                                  <p:childTnLst>
-                                    <p:set>
-                                      <p:cBhvr>
-                                        <p:cTn id="6" dur="1" fill="hold">
-                                          <p:stCondLst>
-                                            <p:cond delay="0"/>
-                                          </p:stCondLst>
-                                        </p:cTn>
-                                        <p:tgtEl>
-                                          <p:spTgt spid="3">
-                                            <p:txEl>
-                                              <p:pRg st="0" end="0"/>
-                                            </p:txEl>
-                                          </p:spTgt>
-                                        </p:tgtEl>
-                                        <p:attrNameLst>
-                                          <p:attrName>style.visibility</p:attrName>
-                                        </p:attrNameLst>
-                                      </p:cBhvr>
-                                      <p:to>
-                                        <p:strVal val="visible"/>
-                                      </p:to>
-                                    </p:set>
-                                    <p:animEffect transition="in" filter="fade">
-                                      <p:cBhvr>
-                                        <p:cTn id="7" dur="500"/>
-                                        <p:tgtEl>
-                                          <p:spTgt spid="3">
-                                            <p:txEl>
-                                              <p:pRg st="0" end="0"/>
-                                            </p:txEl>
-                                          </p:spTgt>
-                                        </p:tgtEl>
-                                      </p:cBhvr>
-                                    </p:animEffect>
-                                  </p:childTnLst>
-                                </p:cTn>
-                              </p:par>
-                            </p:childTnLst>
-                          </p:cTn>
-                        </p:par>
-                        <p:par>
-                          <p:cTn id="8" fill="hold">
-                            <p:stCondLst>
-                              <p:cond delay="1500"/>
-                            </p:stCondLst>
-                            <p:childTnLst>
-                              <p:par>
-                                <p:cTn id="9" presetID="10" presetClass="entr" presetSubtype="0" fill="hold" grpId="0" nodeType="afterEffect">
-                                  <p:stCondLst>
-                                    <p:cond delay="1000"/>
-                                  </p:stCondLst>
-                                  <p:childTnLst>
-                                    <p:set>
-                                      <p:cBhvr>
-                                        <p:cTn id="10" dur="1" fill="hold">
-                                          <p:stCondLst>
-                                            <p:cond delay="0"/>
-                                          </p:stCondLst>
-                                        </p:cTn>
-                                        <p:tgtEl>
-                                          <p:spTgt spid="3">
-                                            <p:txEl>
-                                              <p:pRg st="1" end="1"/>
-                                            </p:txEl>
-                                          </p:spTgt>
-                                        </p:tgtEl>
-                                        <p:attrNameLst>
-                                          <p:attrName>style.visibility</p:attrName>
-                                        </p:attrNameLst>
-                                      </p:cBhvr>
-                                      <p:to>
-                                        <p:strVal val="visible"/>
-                                      </p:to>
-                                    </p:set>
-                                    <p:animEffect transition="in" filter="fade">
-                                      <p:cBhvr>
-                                        <p:cTn id="11" dur="500"/>
-                                        <p:tgtEl>
-                                          <p:spTgt spid="3">
-                                            <p:txEl>
-                                              <p:pRg st="1" end="1"/>
-                                            </p:txEl>
-                                          </p:spTgt>
-                                        </p:tgtEl>
-                                      </p:cBhvr>
-                                    </p:animEffect>
-                                  </p:childTnLst>
-                                </p:cTn>
-                              </p:par>
-                            </p:childTnLst>
-                          </p:cTn>
-                        </p:par>
-                        <p:par>
-                          <p:cTn id="12" fill="hold">
-                            <p:stCondLst>
-                              <p:cond delay="3000"/>
-                            </p:stCondLst>
-                            <p:childTnLst>
-                              <p:par>
-                                <p:cTn id="13" presetID="10" presetClass="entr" presetSubtype="0" fill="hold" grpId="0" nodeType="afterEffect">
-                                  <p:stCondLst>
-                                    <p:cond delay="1000"/>
-                                  </p:stCondLst>
-                                  <p:childTnLst>
-                                    <p:set>
-                                      <p:cBhvr>
-                                        <p:cTn id="14" dur="1" fill="hold">
-                                          <p:stCondLst>
-                                            <p:cond delay="0"/>
-                                          </p:stCondLst>
-                                        </p:cTn>
-                                        <p:tgtEl>
-                                          <p:spTgt spid="3">
-                                            <p:txEl>
-                                              <p:pRg st="2" end="2"/>
-                                            </p:txEl>
-                                          </p:spTgt>
-                                        </p:tgtEl>
-                                        <p:attrNameLst>
-                                          <p:attrName>style.visibility</p:attrName>
-                                        </p:attrNameLst>
-                                      </p:cBhvr>
-                                      <p:to>
-                                        <p:strVal val="visible"/>
-                                      </p:to>
-                                    </p:set>
-                                    <p:animEffect transition="in" filter="fade">
-                                      <p:cBhvr>
-                                        <p:cTn id="15" dur="500"/>
-                                        <p:tgtEl>
-                                          <p:spTgt spid="3">
-                                            <p:txEl>
-                                              <p:pRg st="2" end="2"/>
-                                            </p:txEl>
-                                          </p:spTgt>
-                                        </p:tgtEl>
-                                      </p:cBhvr>
-                                    </p:animEffect>
-                                  </p:childTnLst>
-                                </p:cTn>
-                              </p:par>
-                              <p:par>
-                                <p:cTn id="16" presetID="10" presetClass="entr" presetSubtype="0" fill="hold" grpId="0" nodeType="withEffect">
-                                  <p:stCondLst>
-                                    <p:cond delay="1000"/>
-                                  </p:stCondLst>
-                                  <p:childTnLst>
-                                    <p:set>
-                                      <p:cBhvr>
-                                        <p:cTn id="17" dur="1" fill="hold">
-                                          <p:stCondLst>
-                                            <p:cond delay="0"/>
-                                          </p:stCondLst>
-                                        </p:cTn>
-                                        <p:tgtEl>
-                                          <p:spTgt spid="3">
-                                            <p:txEl>
-                                              <p:pRg st="3" end="3"/>
-                                            </p:txEl>
-                                          </p:spTgt>
-                                        </p:tgtEl>
-                                        <p:attrNameLst>
-                                          <p:attrName>style.visibility</p:attrName>
-                                        </p:attrNameLst>
-                                      </p:cBhvr>
-                                      <p:to>
-                                        <p:strVal val="visible"/>
-                                      </p:to>
-                                    </p:set>
-                                    <p:animEffect transition="in" filter="fade">
-                                      <p:cBhvr>
-                                        <p:cTn id="18" dur="500"/>
-                                        <p:tgtEl>
-                                          <p:spTgt spid="3">
-                                            <p:txEl>
-                                              <p:pRg st="3" end="3"/>
-                                            </p:txEl>
-                                          </p:spTgt>
-                                        </p:tgtEl>
-                                      </p:cBhvr>
-                                    </p:animEffect>
-                                  </p:childTnLst>
-                                </p:cTn>
-                              </p:par>
-                            </p:childTnLst>
-                          </p:cTn>
-                        </p:par>
-                        <p:par>
-                          <p:cTn id="19" fill="hold">
-                            <p:stCondLst>
-                              <p:cond delay="4500"/>
-                            </p:stCondLst>
-                            <p:childTnLst>
-                              <p:par>
-                                <p:cTn id="20" presetID="10" presetClass="entr" presetSubtype="0" fill="hold" grpId="0" nodeType="afterEffect">
-                                  <p:stCondLst>
-                                    <p:cond delay="1000"/>
-                                  </p:stCondLst>
-                                  <p:childTnLst>
-                                    <p:set>
-                                      <p:cBhvr>
-                                        <p:cTn id="21" dur="1" fill="hold">
-                                          <p:stCondLst>
-                                            <p:cond delay="0"/>
-                                          </p:stCondLst>
-                                        </p:cTn>
-                                        <p:tgtEl>
-                                          <p:spTgt spid="3">
-                                            <p:txEl>
-                                              <p:pRg st="4" end="4"/>
-                                            </p:txEl>
-                                          </p:spTgt>
-                                        </p:tgtEl>
-                                        <p:attrNameLst>
-                                          <p:attrName>style.visibility</p:attrName>
-                                        </p:attrNameLst>
-                                      </p:cBhvr>
-                                      <p:to>
-                                        <p:strVal val="visible"/>
-                                      </p:to>
-                                    </p:set>
-                                    <p:animEffect transition="in" filter="fade">
-                                      <p:cBhvr>
-                                        <p:cTn id="22" dur="500"/>
-                                        <p:tgtEl>
-                                          <p:spTgt spid="3">
-                                            <p:txEl>
-                                              <p:pRg st="4" end="4"/>
-                                            </p:txEl>
-                                          </p:spTgt>
-                                        </p:tgtEl>
-                                      </p:cBhvr>
-                                    </p:animEffect>
-                                  </p:childTnLst>
-                                </p:cTn>
-                              </p:par>
-                            </p:childTnLst>
-                          </p:cTn>
-                        </p:par>
-                      </p:childTnLst>
-                    </p:cTn>
-                  </p:par>
-                </p:childTnLst>
-              </p:cTn>
-              <p:prevCondLst>
-                <p:cond evt="onPrev" delay="0">
-                  <p:tgtEl>
-                    <p:sldTgt/>
-                  </p:tgtEl>
-                </p:cond>
-              </p:prevCondLst>
-              <p:nextCondLst>
-                <p:cond evt="onNext" delay="0">
-                  <p:tgtEl>
-                    <p:sldTgt/>
-                  </p:tgtEl>
-                </p:cond>
-              </p:nextCondLst>
-            </p:seq>
-          </p:childTnLst>
-        </p:cTn>
+        <p:cTn id="1" dur="indefinite" restart="never" nodeType="tmRoot"/>
       </p:par>
     </p:tnLst>
-    <p:bldLst>
-      <p:bldP spid="3" grpId="0" build="p"/>
-    </p:bldLst>
   </p:timing>
 </p:sld>
 </file>
@@ -8288,97 +7839,6 @@
           <a:lstStyle/>
           <a:p>
             <a:r>
-              <a:rPr lang="en-US" dirty="0" smtClean="0"/>
-              <a:t>Windows Store apps can be built using standards-based HTML, CSS, and JavaScript.</a:t>
-            </a:r>
-            <a:endParaRPr lang="en-US" dirty="0"/>
-          </a:p>
-        </p:txBody>
-      </p:sp>
-    </p:spTree>
-    <p:extLst>
-      <p:ext uri="{BB962C8B-B14F-4D97-AF65-F5344CB8AC3E}">
-        <p14:creationId xmlns:p14="http://schemas.microsoft.com/office/powerpoint/2010/main" val="978786381"/>
-      </p:ext>
-    </p:extLst>
-  </p:cSld>
-  <p:clrMapOvr>
-    <a:masterClrMapping/>
-  </p:clrMapOvr>
-  <mc:AlternateContent xmlns:mc="http://schemas.openxmlformats.org/markup-compatibility/2006" xmlns:p14="http://schemas.microsoft.com/office/powerpoint/2010/main">
-    <mc:Choice Requires="p14">
-      <p:transition spd="med" p14:dur="700">
-        <p:fade/>
-      </p:transition>
-    </mc:Choice>
-    <mc:Fallback xmlns="">
-      <p:transition spd="med">
-        <p:fade/>
-      </p:transition>
-    </mc:Fallback>
-  </mc:AlternateContent>
-  <p:timing>
-    <p:tnLst>
-      <p:par>
-        <p:cTn id="1" dur="indefinite" restart="never" nodeType="tmRoot"/>
-      </p:par>
-    </p:tnLst>
-  </p:timing>
-</p:sld>
-</file>
-
-<file path=ppt/slides/slide4.xml><?xml version="1.0" encoding="utf-8"?>
-<p:sld xmlns:a="http://schemas.openxmlformats.org/drawingml/2006/main" xmlns:r="http://schemas.openxmlformats.org/officeDocument/2006/relationships" xmlns:p="http://schemas.openxmlformats.org/presentationml/2006/main">
-  <p:cSld>
-    <p:spTree>
-      <p:nvGrpSpPr>
-        <p:cNvPr id="1" name=""/>
-        <p:cNvGrpSpPr/>
-        <p:nvPr/>
-      </p:nvGrpSpPr>
-      <p:grpSpPr>
-        <a:xfrm>
-          <a:off x="0" y="0"/>
-          <a:ext cx="0" cy="0"/>
-          <a:chOff x="0" y="0"/>
-          <a:chExt cx="0" cy="0"/>
-        </a:xfrm>
-      </p:grpSpPr>
-      <p:sp>
-        <p:nvSpPr>
-          <p:cNvPr id="2" name="Title 1"/>
-          <p:cNvSpPr>
-            <a:spLocks noGrp="1"/>
-          </p:cNvSpPr>
-          <p:nvPr>
-            <p:ph type="title"/>
-          </p:nvPr>
-        </p:nvSpPr>
-        <p:spPr/>
-        <p:txBody>
-          <a:bodyPr/>
-          <a:lstStyle/>
-          <a:p>
-            <a:endParaRPr lang="en-US" dirty="0"/>
-          </a:p>
-        </p:txBody>
-      </p:sp>
-      <p:sp>
-        <p:nvSpPr>
-          <p:cNvPr id="3" name="Text Placeholder 2"/>
-          <p:cNvSpPr>
-            <a:spLocks noGrp="1"/>
-          </p:cNvSpPr>
-          <p:nvPr>
-            <p:ph type="body" idx="1"/>
-          </p:nvPr>
-        </p:nvSpPr>
-        <p:spPr/>
-        <p:txBody>
-          <a:bodyPr/>
-          <a:lstStyle/>
-          <a:p>
-            <a:r>
               <a:rPr lang="en-US" dirty="0"/>
               <a:t>Windows Store apps using JavaScript support most HTML5 features, such as the canvas, SVG, video, and audio elements. They also support most Cascading Style Sheets, Level 3 (CSS3) features, such as 2D transforms, 3D transforms, transitions, and animations.</a:t>
             </a:r>
@@ -8431,7 +7891,7 @@
 </p:sld>
 </file>
 
-<file path=ppt/slides/slide5.xml><?xml version="1.0" encoding="utf-8"?>
+<file path=ppt/slides/slide4.xml><?xml version="1.0" encoding="utf-8"?>
 <p:sld xmlns:a="http://schemas.openxmlformats.org/drawingml/2006/main" xmlns:r="http://schemas.openxmlformats.org/officeDocument/2006/relationships" xmlns:p="http://schemas.openxmlformats.org/presentationml/2006/main">
   <p:cSld>
     <p:spTree>
@@ -9187,7 +8647,7 @@
 </p:sld>
 </file>
 
-<file path=ppt/slides/slide6.xml><?xml version="1.0" encoding="utf-8"?>
+<file path=ppt/slides/slide5.xml><?xml version="1.0" encoding="utf-8"?>
 <p:sld xmlns:a="http://schemas.openxmlformats.org/drawingml/2006/main" xmlns:r="http://schemas.openxmlformats.org/officeDocument/2006/relationships" xmlns:p="http://schemas.openxmlformats.org/presentationml/2006/main">
   <p:cSld>
     <p:spTree>
@@ -9575,7 +9035,7 @@
 </p:sld>
 </file>
 
-<file path=ppt/slides/slide7.xml><?xml version="1.0" encoding="utf-8"?>
+<file path=ppt/slides/slide6.xml><?xml version="1.0" encoding="utf-8"?>
 <p:sld xmlns:a="http://schemas.openxmlformats.org/drawingml/2006/main" xmlns:r="http://schemas.openxmlformats.org/officeDocument/2006/relationships" xmlns:p="http://schemas.openxmlformats.org/presentationml/2006/main">
   <p:cSld>
     <p:spTree>
@@ -9993,7 +9453,7 @@
 </p:sld>
 </file>
 
-<file path=ppt/slides/slide8.xml><?xml version="1.0" encoding="utf-8"?>
+<file path=ppt/slides/slide7.xml><?xml version="1.0" encoding="utf-8"?>
 <p:sld xmlns:a="http://schemas.openxmlformats.org/drawingml/2006/main" xmlns:r="http://schemas.openxmlformats.org/officeDocument/2006/relationships" xmlns:p="http://schemas.openxmlformats.org/presentationml/2006/main">
   <p:cSld>
     <p:spTree>
@@ -12161,6 +11621,193 @@
 </p:sld>
 </file>
 
+<file path=ppt/slides/slide8.xml><?xml version="1.0" encoding="utf-8"?>
+<p:sld xmlns:a="http://schemas.openxmlformats.org/drawingml/2006/main" xmlns:r="http://schemas.openxmlformats.org/officeDocument/2006/relationships" xmlns:p="http://schemas.openxmlformats.org/presentationml/2006/main">
+  <p:cSld>
+    <p:spTree>
+      <p:nvGrpSpPr>
+        <p:cNvPr id="1" name=""/>
+        <p:cNvGrpSpPr/>
+        <p:nvPr/>
+      </p:nvGrpSpPr>
+      <p:grpSpPr>
+        <a:xfrm>
+          <a:off x="0" y="0"/>
+          <a:ext cx="0" cy="0"/>
+          <a:chOff x="0" y="0"/>
+          <a:chExt cx="0" cy="0"/>
+        </a:xfrm>
+      </p:grpSpPr>
+      <p:sp>
+        <p:nvSpPr>
+          <p:cNvPr id="2" name="Title 1"/>
+          <p:cNvSpPr>
+            <a:spLocks noGrp="1"/>
+          </p:cNvSpPr>
+          <p:nvPr>
+            <p:ph type="title"/>
+          </p:nvPr>
+        </p:nvSpPr>
+        <p:spPr/>
+        <p:txBody>
+          <a:bodyPr/>
+          <a:lstStyle/>
+          <a:p>
+            <a:r>
+              <a:rPr lang="en-US" dirty="0" smtClean="0"/>
+              <a:t>HTML &amp; DOM API Changes List</a:t>
+            </a:r>
+            <a:endParaRPr lang="en-US" dirty="0"/>
+          </a:p>
+        </p:txBody>
+      </p:sp>
+      <p:sp>
+        <p:nvSpPr>
+          <p:cNvPr id="3" name="Text Placeholder 2"/>
+          <p:cNvSpPr>
+            <a:spLocks noGrp="1"/>
+          </p:cNvSpPr>
+          <p:nvPr>
+            <p:ph type="body" idx="1"/>
+          </p:nvPr>
+        </p:nvSpPr>
+        <p:spPr/>
+        <p:txBody>
+          <a:bodyPr/>
+          <a:lstStyle/>
+          <a:p>
+            <a:r>
+              <a:rPr lang="en-US" dirty="0">
+                <a:hlinkClick r:id="rId2"/>
+              </a:rPr>
+              <a:t>http://msdn.microsoft.com/en-us/library/windows/apps/hh700404.aspx</a:t>
+            </a:r>
+            <a:endParaRPr lang="en-US" dirty="0"/>
+          </a:p>
+        </p:txBody>
+      </p:sp>
+    </p:spTree>
+    <p:extLst>
+      <p:ext uri="{BB962C8B-B14F-4D97-AF65-F5344CB8AC3E}">
+        <p14:creationId xmlns:p14="http://schemas.microsoft.com/office/powerpoint/2010/main" val="1755434394"/>
+      </p:ext>
+    </p:extLst>
+  </p:cSld>
+  <p:clrMapOvr>
+    <a:masterClrMapping/>
+  </p:clrMapOvr>
+  <mc:AlternateContent xmlns:mc="http://schemas.openxmlformats.org/markup-compatibility/2006" xmlns:p14="http://schemas.microsoft.com/office/powerpoint/2010/main">
+    <mc:Choice Requires="p14">
+      <p:transition spd="med" p14:dur="700">
+        <p:fade/>
+      </p:transition>
+    </mc:Choice>
+    <mc:Fallback xmlns="">
+      <p:transition spd="med">
+        <p:fade/>
+      </p:transition>
+    </mc:Fallback>
+  </mc:AlternateContent>
+  <p:timing>
+    <p:tnLst>
+      <p:par>
+        <p:cTn id="1" dur="indefinite" restart="never" nodeType="tmRoot">
+          <p:childTnLst>
+            <p:seq concurrent="1" nextAc="seek">
+              <p:cTn id="2" dur="indefinite" nodeType="mainSeq">
+                <p:childTnLst>
+                  <p:par>
+                    <p:cTn id="3" fill="hold">
+                      <p:stCondLst>
+                        <p:cond delay="indefinite"/>
+                        <p:cond evt="onBegin" delay="0">
+                          <p:tn val="2"/>
+                        </p:cond>
+                      </p:stCondLst>
+                      <p:childTnLst>
+                        <p:par>
+                          <p:cTn id="4" fill="hold">
+                            <p:stCondLst>
+                              <p:cond delay="0"/>
+                            </p:stCondLst>
+                            <p:childTnLst>
+                              <p:par>
+                                <p:cTn id="5" presetID="10" presetClass="entr" presetSubtype="0" fill="hold" grpId="0" nodeType="afterEffect">
+                                  <p:stCondLst>
+                                    <p:cond delay="1000"/>
+                                  </p:stCondLst>
+                                  <p:childTnLst>
+                                    <p:set>
+                                      <p:cBhvr>
+                                        <p:cTn id="6" dur="1" fill="hold">
+                                          <p:stCondLst>
+                                            <p:cond delay="0"/>
+                                          </p:stCondLst>
+                                        </p:cTn>
+                                        <p:tgtEl>
+                                          <p:spTgt spid="3">
+                                            <p:txEl>
+                                              <p:pRg st="0" end="0"/>
+                                            </p:txEl>
+                                          </p:spTgt>
+                                        </p:tgtEl>
+                                        <p:attrNameLst>
+                                          <p:attrName>style.visibility</p:attrName>
+                                        </p:attrNameLst>
+                                      </p:cBhvr>
+                                      <p:to>
+                                        <p:strVal val="visible"/>
+                                      </p:to>
+                                    </p:set>
+                                    <p:animEffect transition="in" filter="fade">
+                                      <p:cBhvr>
+                                        <p:cTn id="7" dur="500"/>
+                                        <p:tgtEl>
+                                          <p:spTgt spid="3">
+                                            <p:txEl>
+                                              <p:pRg st="0" end="0"/>
+                                            </p:txEl>
+                                          </p:spTgt>
+                                        </p:tgtEl>
+                                      </p:cBhvr>
+                                    </p:animEffect>
+                                  </p:childTnLst>
+                                </p:cTn>
+                              </p:par>
+                            </p:childTnLst>
+                          </p:cTn>
+                        </p:par>
+                      </p:childTnLst>
+                    </p:cTn>
+                  </p:par>
+                </p:childTnLst>
+              </p:cTn>
+              <p:prevCondLst>
+                <p:cond evt="onPrev" delay="0">
+                  <p:tgtEl>
+                    <p:sldTgt/>
+                  </p:tgtEl>
+                </p:cond>
+              </p:prevCondLst>
+              <p:nextCondLst>
+                <p:cond evt="onNext" delay="0">
+                  <p:tgtEl>
+                    <p:sldTgt/>
+                  </p:tgtEl>
+                </p:cond>
+              </p:nextCondLst>
+            </p:seq>
+          </p:childTnLst>
+        </p:cTn>
+      </p:par>
+    </p:tnLst>
+    <p:bldLst>
+      <p:bldP spid="3" grpId="0" build="p"/>
+    </p:bldLst>
+  </p:timing>
+</p:sld>
+</file>
+
 <file path=ppt/slides/slide9.xml><?xml version="1.0" encoding="utf-8"?>
 <p:sld xmlns:a="http://schemas.openxmlformats.org/drawingml/2006/main" xmlns:r="http://schemas.openxmlformats.org/officeDocument/2006/relationships" xmlns:p="http://schemas.openxmlformats.org/presentationml/2006/main">
   <p:cSld>
@@ -12195,7 +11842,7 @@
           <a:p>
             <a:r>
               <a:rPr lang="en-US" dirty="0" smtClean="0"/>
-              <a:t>HTML &amp; DOM API Changes List</a:t>
+              <a:t>Demo</a:t>
             </a:r>
             <a:endParaRPr lang="en-US" dirty="0"/>
           </a:p>
@@ -12217,10 +11864,8 @@
           <a:lstStyle/>
           <a:p>
             <a:r>
-              <a:rPr lang="en-US" dirty="0">
-                <a:hlinkClick r:id="rId2"/>
-              </a:rPr>
-              <a:t>http://msdn.microsoft.com/en-us/library/windows/apps/hh700404.aspx</a:t>
+              <a:rPr lang="en-US" dirty="0" smtClean="0"/>
+              <a:t>Using JavaScript</a:t>
             </a:r>
             <a:endParaRPr lang="en-US" dirty="0"/>
           </a:p>
@@ -12229,7 +11874,7 @@
     </p:spTree>
     <p:extLst>
       <p:ext uri="{BB962C8B-B14F-4D97-AF65-F5344CB8AC3E}">
-        <p14:creationId xmlns:p14="http://schemas.microsoft.com/office/powerpoint/2010/main" val="1755434394"/>
+        <p14:creationId xmlns:p14="http://schemas.microsoft.com/office/powerpoint/2010/main" val="1177827527"/>
       </p:ext>
     </p:extLst>
   </p:cSld>

--- a/slides/Build Windows Store Apps using Javascript.pptx
+++ b/slides/Build Windows Store Apps using Javascript.pptx
@@ -5,7 +5,7 @@
     <p:sldMasterId id="2147483648" r:id="rId1"/>
   </p:sldMasterIdLst>
   <p:notesMasterIdLst>
-    <p:notesMasterId r:id="rId20"/>
+    <p:notesMasterId r:id="rId21"/>
   </p:notesMasterIdLst>
   <p:sldIdLst>
     <p:sldId id="259" r:id="rId2"/>
@@ -18,14 +18,15 @@
     <p:sldId id="272" r:id="rId9"/>
     <p:sldId id="273" r:id="rId10"/>
     <p:sldId id="274" r:id="rId11"/>
-    <p:sldId id="277" r:id="rId12"/>
-    <p:sldId id="280" r:id="rId13"/>
-    <p:sldId id="275" r:id="rId14"/>
-    <p:sldId id="284" r:id="rId15"/>
-    <p:sldId id="276" r:id="rId16"/>
-    <p:sldId id="279" r:id="rId17"/>
-    <p:sldId id="283" r:id="rId18"/>
-    <p:sldId id="256" r:id="rId19"/>
+    <p:sldId id="280" r:id="rId12"/>
+    <p:sldId id="277" r:id="rId13"/>
+    <p:sldId id="285" r:id="rId14"/>
+    <p:sldId id="275" r:id="rId15"/>
+    <p:sldId id="284" r:id="rId16"/>
+    <p:sldId id="276" r:id="rId17"/>
+    <p:sldId id="279" r:id="rId18"/>
+    <p:sldId id="283" r:id="rId19"/>
+    <p:sldId id="256" r:id="rId20"/>
   </p:sldIdLst>
   <p:sldSz cx="9144000" cy="5143500" type="screen16x9"/>
   <p:notesSz cx="6858000" cy="9144000"/>
@@ -251,7 +252,7 @@
             <a:fld id="{468D8419-D664-4DEA-B8AC-5ACC6C9B8114}" type="datetimeFigureOut">
               <a:rPr lang="en-US"/>
               <a:pPr/>
-              <a:t>8/22/2013</a:t>
+              <a:t>8/24/2013</a:t>
             </a:fld>
             <a:endParaRPr lang="en-US"/>
           </a:p>
@@ -748,7 +749,7 @@
             <a:fld id="{166E33D9-7E30-4573-994E-3DC0774D909C}" type="datetimeFigureOut">
               <a:rPr lang="en-US"/>
               <a:pPr/>
-              <a:t>8/22/2013</a:t>
+              <a:t>8/24/2013</a:t>
             </a:fld>
             <a:endParaRPr lang="en-US"/>
           </a:p>
@@ -941,7 +942,7 @@
             <a:fld id="{8FC8D582-DF96-42B0-8B69-70D2BF687E09}" type="datetimeFigureOut">
               <a:rPr lang="en-US"/>
               <a:pPr/>
-              <a:t>8/22/2013</a:t>
+              <a:t>8/24/2013</a:t>
             </a:fld>
             <a:endParaRPr lang="en-US"/>
           </a:p>
@@ -1144,7 +1145,7 @@
             <a:fld id="{98A15B84-7145-4C93-B41F-B09C98B75834}" type="datetimeFigureOut">
               <a:rPr lang="en-US"/>
               <a:pPr/>
-              <a:t>8/22/2013</a:t>
+              <a:t>8/24/2013</a:t>
             </a:fld>
             <a:endParaRPr lang="en-US"/>
           </a:p>
@@ -1337,7 +1338,7 @@
             <a:fld id="{D4654C70-E970-464C-9C7E-17FE01458B18}" type="datetimeFigureOut">
               <a:rPr lang="en-US"/>
               <a:pPr/>
-              <a:t>8/22/2013</a:t>
+              <a:t>8/24/2013</a:t>
             </a:fld>
             <a:endParaRPr lang="en-US"/>
           </a:p>
@@ -1606,7 +1607,7 @@
             <a:fld id="{D6E64F3B-2C05-43A6-949D-3A7BBCB6487C}" type="datetimeFigureOut">
               <a:rPr lang="en-US"/>
               <a:pPr/>
-              <a:t>8/22/2013</a:t>
+              <a:t>8/24/2013</a:t>
             </a:fld>
             <a:endParaRPr lang="en-US"/>
           </a:p>
@@ -1917,7 +1918,7 @@
             <a:fld id="{72020084-42E0-4482-AD16-5E16628A2D02}" type="datetimeFigureOut">
               <a:rPr lang="en-US"/>
               <a:pPr/>
-              <a:t>8/22/2013</a:t>
+              <a:t>8/24/2013</a:t>
             </a:fld>
             <a:endParaRPr lang="en-US"/>
           </a:p>
@@ -2362,7 +2363,7 @@
             <a:fld id="{D8AD5928-A8CB-4434-AC6B-E4E1C62A8D32}" type="datetimeFigureOut">
               <a:rPr lang="en-US"/>
               <a:pPr/>
-              <a:t>8/22/2013</a:t>
+              <a:t>8/24/2013</a:t>
             </a:fld>
             <a:endParaRPr lang="en-US"/>
           </a:p>
@@ -2503,7 +2504,7 @@
             <a:fld id="{DF223305-1599-409E-BD97-77BDE9BE29BF}" type="datetimeFigureOut">
               <a:rPr lang="en-US"/>
               <a:pPr/>
-              <a:t>8/22/2013</a:t>
+              <a:t>8/24/2013</a:t>
             </a:fld>
             <a:endParaRPr lang="en-US"/>
           </a:p>
@@ -2628,7 +2629,7 @@
             <a:fld id="{6D2ECACC-CF0E-4082-BDC4-241672157932}" type="datetimeFigureOut">
               <a:rPr lang="en-US"/>
               <a:pPr/>
-              <a:t>8/22/2013</a:t>
+              <a:t>8/24/2013</a:t>
             </a:fld>
             <a:endParaRPr lang="en-US"/>
           </a:p>
@@ -2928,7 +2929,7 @@
             <a:fld id="{52566337-962B-4383-A303-3D57DB9046B0}" type="datetimeFigureOut">
               <a:rPr lang="en-US"/>
               <a:pPr/>
-              <a:t>8/22/2013</a:t>
+              <a:t>8/24/2013</a:t>
             </a:fld>
             <a:endParaRPr lang="en-US"/>
           </a:p>
@@ -3211,7 +3212,7 @@
             <a:fld id="{B1C1E1D4-7443-4360-8679-26520EF111D8}" type="datetimeFigureOut">
               <a:rPr lang="en-US"/>
               <a:pPr/>
-              <a:t>8/22/2013</a:t>
+              <a:t>8/24/2013</a:t>
             </a:fld>
             <a:endParaRPr lang="en-US"/>
           </a:p>
@@ -3548,7 +3549,7 @@
             <a:fld id="{BBD0D601-0868-4A53-900E-3FEE804903EE}" type="datetimeFigureOut">
               <a:rPr lang="en-US"/>
               <a:pPr/>
-              <a:t>8/22/2013</a:t>
+              <a:t>8/24/2013</a:t>
             </a:fld>
             <a:endParaRPr lang="en-US"/>
           </a:p>
@@ -4908,259 +4909,6 @@
           <a:p>
             <a:r>
               <a:rPr lang="en-US" dirty="0" smtClean="0"/>
-              <a:t>Bookshelf POC</a:t>
-            </a:r>
-            <a:endParaRPr lang="en-US" dirty="0"/>
-          </a:p>
-        </p:txBody>
-      </p:sp>
-      <p:sp>
-        <p:nvSpPr>
-          <p:cNvPr id="3" name="Text Placeholder 2"/>
-          <p:cNvSpPr>
-            <a:spLocks noGrp="1"/>
-          </p:cNvSpPr>
-          <p:nvPr>
-            <p:ph type="body" idx="1"/>
-          </p:nvPr>
-        </p:nvSpPr>
-        <p:spPr/>
-        <p:txBody>
-          <a:bodyPr/>
-          <a:lstStyle/>
-          <a:p>
-            <a:r>
-              <a:rPr lang="en-US" dirty="0" err="1"/>
-              <a:t>AngularJS</a:t>
-            </a:r>
-            <a:r>
-              <a:rPr lang="en-US" dirty="0"/>
-              <a:t> + ASP.NET Web API + Windows Store </a:t>
-            </a:r>
-            <a:r>
-              <a:rPr lang="en-US" dirty="0" smtClean="0"/>
-              <a:t>App</a:t>
-            </a:r>
-          </a:p>
-          <a:p>
-            <a:r>
-              <a:rPr lang="en-US" dirty="0">
-                <a:hlinkClick r:id="rId2"/>
-              </a:rPr>
-              <a:t>https://github.com/DeveloperInfra/Bookshelf-poc</a:t>
-            </a:r>
-            <a:endParaRPr lang="en-US" dirty="0"/>
-          </a:p>
-        </p:txBody>
-      </p:sp>
-    </p:spTree>
-    <p:extLst>
-      <p:ext uri="{BB962C8B-B14F-4D97-AF65-F5344CB8AC3E}">
-        <p14:creationId xmlns:p14="http://schemas.microsoft.com/office/powerpoint/2010/main" val="1392831639"/>
-      </p:ext>
-    </p:extLst>
-  </p:cSld>
-  <p:clrMapOvr>
-    <a:masterClrMapping/>
-  </p:clrMapOvr>
-  <mc:AlternateContent xmlns:mc="http://schemas.openxmlformats.org/markup-compatibility/2006" xmlns:p14="http://schemas.microsoft.com/office/powerpoint/2010/main">
-    <mc:Choice Requires="p14">
-      <p:transition spd="med" p14:dur="700">
-        <p:fade/>
-      </p:transition>
-    </mc:Choice>
-    <mc:Fallback xmlns="">
-      <p:transition spd="med">
-        <p:fade/>
-      </p:transition>
-    </mc:Fallback>
-  </mc:AlternateContent>
-  <p:timing>
-    <p:tnLst>
-      <p:par>
-        <p:cTn id="1" dur="indefinite" restart="never" nodeType="tmRoot">
-          <p:childTnLst>
-            <p:seq concurrent="1" nextAc="seek">
-              <p:cTn id="2" dur="indefinite" nodeType="mainSeq">
-                <p:childTnLst>
-                  <p:par>
-                    <p:cTn id="3" fill="hold">
-                      <p:stCondLst>
-                        <p:cond delay="indefinite"/>
-                        <p:cond evt="onBegin" delay="0">
-                          <p:tn val="2"/>
-                        </p:cond>
-                      </p:stCondLst>
-                      <p:childTnLst>
-                        <p:par>
-                          <p:cTn id="4" fill="hold">
-                            <p:stCondLst>
-                              <p:cond delay="0"/>
-                            </p:stCondLst>
-                            <p:childTnLst>
-                              <p:par>
-                                <p:cTn id="5" presetID="10" presetClass="entr" presetSubtype="0" fill="hold" grpId="0" nodeType="afterEffect">
-                                  <p:stCondLst>
-                                    <p:cond delay="1000"/>
-                                  </p:stCondLst>
-                                  <p:childTnLst>
-                                    <p:set>
-                                      <p:cBhvr>
-                                        <p:cTn id="6" dur="1" fill="hold">
-                                          <p:stCondLst>
-                                            <p:cond delay="0"/>
-                                          </p:stCondLst>
-                                        </p:cTn>
-                                        <p:tgtEl>
-                                          <p:spTgt spid="3">
-                                            <p:txEl>
-                                              <p:pRg st="0" end="0"/>
-                                            </p:txEl>
-                                          </p:spTgt>
-                                        </p:tgtEl>
-                                        <p:attrNameLst>
-                                          <p:attrName>style.visibility</p:attrName>
-                                        </p:attrNameLst>
-                                      </p:cBhvr>
-                                      <p:to>
-                                        <p:strVal val="visible"/>
-                                      </p:to>
-                                    </p:set>
-                                    <p:animEffect transition="in" filter="fade">
-                                      <p:cBhvr>
-                                        <p:cTn id="7" dur="500"/>
-                                        <p:tgtEl>
-                                          <p:spTgt spid="3">
-                                            <p:txEl>
-                                              <p:pRg st="0" end="0"/>
-                                            </p:txEl>
-                                          </p:spTgt>
-                                        </p:tgtEl>
-                                      </p:cBhvr>
-                                    </p:animEffect>
-                                  </p:childTnLst>
-                                </p:cTn>
-                              </p:par>
-                            </p:childTnLst>
-                          </p:cTn>
-                        </p:par>
-                        <p:par>
-                          <p:cTn id="8" fill="hold">
-                            <p:stCondLst>
-                              <p:cond delay="1500"/>
-                            </p:stCondLst>
-                            <p:childTnLst>
-                              <p:par>
-                                <p:cTn id="9" presetID="10" presetClass="entr" presetSubtype="0" fill="hold" grpId="0" nodeType="afterEffect">
-                                  <p:stCondLst>
-                                    <p:cond delay="1000"/>
-                                  </p:stCondLst>
-                                  <p:childTnLst>
-                                    <p:set>
-                                      <p:cBhvr>
-                                        <p:cTn id="10" dur="1" fill="hold">
-                                          <p:stCondLst>
-                                            <p:cond delay="0"/>
-                                          </p:stCondLst>
-                                        </p:cTn>
-                                        <p:tgtEl>
-                                          <p:spTgt spid="3">
-                                            <p:txEl>
-                                              <p:pRg st="1" end="1"/>
-                                            </p:txEl>
-                                          </p:spTgt>
-                                        </p:tgtEl>
-                                        <p:attrNameLst>
-                                          <p:attrName>style.visibility</p:attrName>
-                                        </p:attrNameLst>
-                                      </p:cBhvr>
-                                      <p:to>
-                                        <p:strVal val="visible"/>
-                                      </p:to>
-                                    </p:set>
-                                    <p:animEffect transition="in" filter="fade">
-                                      <p:cBhvr>
-                                        <p:cTn id="11" dur="500"/>
-                                        <p:tgtEl>
-                                          <p:spTgt spid="3">
-                                            <p:txEl>
-                                              <p:pRg st="1" end="1"/>
-                                            </p:txEl>
-                                          </p:spTgt>
-                                        </p:tgtEl>
-                                      </p:cBhvr>
-                                    </p:animEffect>
-                                  </p:childTnLst>
-                                </p:cTn>
-                              </p:par>
-                            </p:childTnLst>
-                          </p:cTn>
-                        </p:par>
-                      </p:childTnLst>
-                    </p:cTn>
-                  </p:par>
-                </p:childTnLst>
-              </p:cTn>
-              <p:prevCondLst>
-                <p:cond evt="onPrev" delay="0">
-                  <p:tgtEl>
-                    <p:sldTgt/>
-                  </p:tgtEl>
-                </p:cond>
-              </p:prevCondLst>
-              <p:nextCondLst>
-                <p:cond evt="onNext" delay="0">
-                  <p:tgtEl>
-                    <p:sldTgt/>
-                  </p:tgtEl>
-                </p:cond>
-              </p:nextCondLst>
-            </p:seq>
-          </p:childTnLst>
-        </p:cTn>
-      </p:par>
-    </p:tnLst>
-    <p:bldLst>
-      <p:bldP spid="3" grpId="0" uiExpand="1" build="p"/>
-    </p:bldLst>
-  </p:timing>
-</p:sld>
-</file>
-
-<file path=ppt/slides/slide12.xml><?xml version="1.0" encoding="utf-8"?>
-<p:sld xmlns:a="http://schemas.openxmlformats.org/drawingml/2006/main" xmlns:r="http://schemas.openxmlformats.org/officeDocument/2006/relationships" xmlns:p="http://schemas.openxmlformats.org/presentationml/2006/main">
-  <p:cSld>
-    <p:spTree>
-      <p:nvGrpSpPr>
-        <p:cNvPr id="1" name=""/>
-        <p:cNvGrpSpPr/>
-        <p:nvPr/>
-      </p:nvGrpSpPr>
-      <p:grpSpPr>
-        <a:xfrm>
-          <a:off x="0" y="0"/>
-          <a:ext cx="0" cy="0"/>
-          <a:chOff x="0" y="0"/>
-          <a:chExt cx="0" cy="0"/>
-        </a:xfrm>
-      </p:grpSpPr>
-      <p:sp>
-        <p:nvSpPr>
-          <p:cNvPr id="2" name="Title 1"/>
-          <p:cNvSpPr>
-            <a:spLocks noGrp="1"/>
-          </p:cNvSpPr>
-          <p:nvPr>
-            <p:ph type="title"/>
-          </p:nvPr>
-        </p:nvSpPr>
-        <p:spPr/>
-        <p:txBody>
-          <a:bodyPr/>
-          <a:lstStyle/>
-          <a:p>
-            <a:r>
-              <a:rPr lang="en-US" dirty="0" smtClean="0"/>
               <a:t>Trust me, I know what I’m doing!</a:t>
             </a:r>
             <a:endParaRPr lang="en-US" dirty="0"/>
@@ -5448,6 +5196,277 @@
 </p:sld>
 </file>
 
+<file path=ppt/slides/slide12.xml><?xml version="1.0" encoding="utf-8"?>
+<p:sld xmlns:a="http://schemas.openxmlformats.org/drawingml/2006/main" xmlns:r="http://schemas.openxmlformats.org/officeDocument/2006/relationships" xmlns:p="http://schemas.openxmlformats.org/presentationml/2006/main">
+  <p:cSld>
+    <p:spTree>
+      <p:nvGrpSpPr>
+        <p:cNvPr id="1" name=""/>
+        <p:cNvGrpSpPr/>
+        <p:nvPr/>
+      </p:nvGrpSpPr>
+      <p:grpSpPr>
+        <a:xfrm>
+          <a:off x="0" y="0"/>
+          <a:ext cx="0" cy="0"/>
+          <a:chOff x="0" y="0"/>
+          <a:chExt cx="0" cy="0"/>
+        </a:xfrm>
+      </p:grpSpPr>
+      <p:sp>
+        <p:nvSpPr>
+          <p:cNvPr id="2" name="Title 1"/>
+          <p:cNvSpPr>
+            <a:spLocks noGrp="1"/>
+          </p:cNvSpPr>
+          <p:nvPr>
+            <p:ph type="title"/>
+          </p:nvPr>
+        </p:nvSpPr>
+        <p:spPr/>
+        <p:txBody>
+          <a:bodyPr/>
+          <a:lstStyle/>
+          <a:p>
+            <a:r>
+              <a:rPr lang="en-US" dirty="0" err="1" smtClean="0"/>
+              <a:t>todo</a:t>
+            </a:r>
+            <a:r>
+              <a:rPr lang="en-US" dirty="0" smtClean="0"/>
+              <a:t> </a:t>
+            </a:r>
+            <a:r>
+              <a:rPr lang="en-US" dirty="0" smtClean="0"/>
+              <a:t>POC</a:t>
+            </a:r>
+            <a:endParaRPr lang="en-US" dirty="0"/>
+          </a:p>
+        </p:txBody>
+      </p:sp>
+      <p:sp>
+        <p:nvSpPr>
+          <p:cNvPr id="3" name="Text Placeholder 2"/>
+          <p:cNvSpPr>
+            <a:spLocks noGrp="1"/>
+          </p:cNvSpPr>
+          <p:nvPr>
+            <p:ph type="body" idx="1"/>
+          </p:nvPr>
+        </p:nvSpPr>
+        <p:spPr/>
+        <p:txBody>
+          <a:bodyPr/>
+          <a:lstStyle/>
+          <a:p>
+            <a:r>
+              <a:rPr lang="en-US" dirty="0" err="1"/>
+              <a:t>AngularJS</a:t>
+            </a:r>
+            <a:r>
+              <a:rPr lang="en-US" dirty="0"/>
+              <a:t> </a:t>
+            </a:r>
+            <a:r>
+              <a:rPr lang="en-US" dirty="0" err="1"/>
+              <a:t>TodoMVC</a:t>
+            </a:r>
+            <a:r>
+              <a:rPr lang="en-US" dirty="0"/>
+              <a:t>!</a:t>
+            </a:r>
+          </a:p>
+          <a:p>
+            <a:r>
+              <a:rPr lang="en-US" dirty="0">
+                <a:hlinkClick r:id="rId2"/>
+              </a:rPr>
+              <a:t>http://todomvc.com</a:t>
+            </a:r>
+            <a:r>
+              <a:rPr lang="en-US" dirty="0" smtClean="0">
+                <a:hlinkClick r:id="rId2"/>
+              </a:rPr>
+              <a:t>/</a:t>
+            </a:r>
+            <a:endParaRPr lang="en-US" dirty="0"/>
+          </a:p>
+        </p:txBody>
+      </p:sp>
+    </p:spTree>
+    <p:extLst>
+      <p:ext uri="{BB962C8B-B14F-4D97-AF65-F5344CB8AC3E}">
+        <p14:creationId xmlns:p14="http://schemas.microsoft.com/office/powerpoint/2010/main" val="1392831639"/>
+      </p:ext>
+    </p:extLst>
+  </p:cSld>
+  <p:clrMapOvr>
+    <a:masterClrMapping/>
+  </p:clrMapOvr>
+  <mc:AlternateContent xmlns:mc="http://schemas.openxmlformats.org/markup-compatibility/2006" xmlns:p14="http://schemas.microsoft.com/office/powerpoint/2010/main">
+    <mc:Choice Requires="p14">
+      <p:transition spd="med" p14:dur="700">
+        <p:fade/>
+      </p:transition>
+    </mc:Choice>
+    <mc:Fallback xmlns="">
+      <p:transition spd="med">
+        <p:fade/>
+      </p:transition>
+    </mc:Fallback>
+  </mc:AlternateContent>
+  <p:timing>
+    <p:tnLst>
+      <p:par>
+        <p:cTn id="1" dur="indefinite" restart="never" nodeType="tmRoot">
+          <p:childTnLst>
+            <p:seq concurrent="1" nextAc="seek">
+              <p:cTn id="2" dur="indefinite" nodeType="mainSeq">
+                <p:childTnLst>
+                  <p:par>
+                    <p:cTn id="3" fill="hold">
+                      <p:stCondLst>
+                        <p:cond delay="indefinite"/>
+                        <p:cond evt="onBegin" delay="0">
+                          <p:tn val="2"/>
+                        </p:cond>
+                      </p:stCondLst>
+                      <p:childTnLst>
+                        <p:par>
+                          <p:cTn id="4" fill="hold">
+                            <p:stCondLst>
+                              <p:cond delay="0"/>
+                            </p:stCondLst>
+                            <p:childTnLst>
+                              <p:par>
+                                <p:cTn id="5" presetID="10" presetClass="entr" presetSubtype="0" fill="hold" grpId="0" nodeType="afterEffect">
+                                  <p:stCondLst>
+                                    <p:cond delay="1000"/>
+                                  </p:stCondLst>
+                                  <p:childTnLst>
+                                    <p:set>
+                                      <p:cBhvr>
+                                        <p:cTn id="6" dur="1" fill="hold">
+                                          <p:stCondLst>
+                                            <p:cond delay="0"/>
+                                          </p:stCondLst>
+                                        </p:cTn>
+                                        <p:tgtEl>
+                                          <p:spTgt spid="3">
+                                            <p:txEl>
+                                              <p:pRg st="0" end="0"/>
+                                            </p:txEl>
+                                          </p:spTgt>
+                                        </p:tgtEl>
+                                        <p:attrNameLst>
+                                          <p:attrName>style.visibility</p:attrName>
+                                        </p:attrNameLst>
+                                      </p:cBhvr>
+                                      <p:to>
+                                        <p:strVal val="visible"/>
+                                      </p:to>
+                                    </p:set>
+                                    <p:animEffect transition="in" filter="fade">
+                                      <p:cBhvr>
+                                        <p:cTn id="7" dur="500"/>
+                                        <p:tgtEl>
+                                          <p:spTgt spid="3">
+                                            <p:txEl>
+                                              <p:pRg st="0" end="0"/>
+                                            </p:txEl>
+                                          </p:spTgt>
+                                        </p:tgtEl>
+                                      </p:cBhvr>
+                                    </p:animEffect>
+                                  </p:childTnLst>
+                                </p:cTn>
+                              </p:par>
+                            </p:childTnLst>
+                          </p:cTn>
+                        </p:par>
+                        <p:par>
+                          <p:cTn id="8" fill="hold">
+                            <p:stCondLst>
+                              <p:cond delay="1500"/>
+                            </p:stCondLst>
+                            <p:childTnLst>
+                              <p:par>
+                                <p:cTn id="9" presetID="10" presetClass="entr" presetSubtype="0" fill="hold" grpId="0" nodeType="afterEffect">
+                                  <p:stCondLst>
+                                    <p:cond delay="1000"/>
+                                  </p:stCondLst>
+                                  <p:childTnLst>
+                                    <p:set>
+                                      <p:cBhvr>
+                                        <p:cTn id="10" dur="1" fill="hold">
+                                          <p:stCondLst>
+                                            <p:cond delay="0"/>
+                                          </p:stCondLst>
+                                        </p:cTn>
+                                        <p:tgtEl>
+                                          <p:spTgt spid="3">
+                                            <p:txEl>
+                                              <p:pRg st="1" end="1"/>
+                                            </p:txEl>
+                                          </p:spTgt>
+                                        </p:tgtEl>
+                                        <p:attrNameLst>
+                                          <p:attrName>style.visibility</p:attrName>
+                                        </p:attrNameLst>
+                                      </p:cBhvr>
+                                      <p:to>
+                                        <p:strVal val="visible"/>
+                                      </p:to>
+                                    </p:set>
+                                    <p:animEffect transition="in" filter="fade">
+                                      <p:cBhvr>
+                                        <p:cTn id="11" dur="500"/>
+                                        <p:tgtEl>
+                                          <p:spTgt spid="3">
+                                            <p:txEl>
+                                              <p:pRg st="1" end="1"/>
+                                            </p:txEl>
+                                          </p:spTgt>
+                                        </p:tgtEl>
+                                      </p:cBhvr>
+                                    </p:animEffect>
+                                  </p:childTnLst>
+                                </p:cTn>
+                              </p:par>
+                            </p:childTnLst>
+                          </p:cTn>
+                        </p:par>
+                      </p:childTnLst>
+                    </p:cTn>
+                  </p:par>
+                </p:childTnLst>
+              </p:cTn>
+              <p:prevCondLst>
+                <p:cond evt="onPrev" delay="0">
+                  <p:tgtEl>
+                    <p:sldTgt/>
+                  </p:tgtEl>
+                </p:cond>
+              </p:prevCondLst>
+              <p:nextCondLst>
+                <p:cond evt="onNext" delay="0">
+                  <p:tgtEl>
+                    <p:sldTgt/>
+                  </p:tgtEl>
+                </p:cond>
+              </p:nextCondLst>
+            </p:seq>
+          </p:childTnLst>
+        </p:cTn>
+      </p:par>
+    </p:tnLst>
+    <p:bldLst>
+      <p:bldP spid="3" grpId="0" uiExpand="1" build="p"/>
+    </p:bldLst>
+  </p:timing>
+</p:sld>
+</file>
+
 <file path=ppt/slides/slide13.xml><?xml version="1.0" encoding="utf-8"?>
 <p:sld xmlns:a="http://schemas.openxmlformats.org/drawingml/2006/main" xmlns:r="http://schemas.openxmlformats.org/officeDocument/2006/relationships" xmlns:p="http://schemas.openxmlformats.org/presentationml/2006/main">
   <p:cSld>
@@ -5481,6 +5500,259 @@
           <a:lstStyle/>
           <a:p>
             <a:r>
+              <a:rPr lang="en-US" dirty="0" smtClean="0"/>
+              <a:t>Bookshelf POC</a:t>
+            </a:r>
+            <a:endParaRPr lang="en-US" dirty="0"/>
+          </a:p>
+        </p:txBody>
+      </p:sp>
+      <p:sp>
+        <p:nvSpPr>
+          <p:cNvPr id="3" name="Text Placeholder 2"/>
+          <p:cNvSpPr>
+            <a:spLocks noGrp="1"/>
+          </p:cNvSpPr>
+          <p:nvPr>
+            <p:ph type="body" idx="1"/>
+          </p:nvPr>
+        </p:nvSpPr>
+        <p:spPr/>
+        <p:txBody>
+          <a:bodyPr/>
+          <a:lstStyle/>
+          <a:p>
+            <a:r>
+              <a:rPr lang="en-US" dirty="0" err="1"/>
+              <a:t>AngularJS</a:t>
+            </a:r>
+            <a:r>
+              <a:rPr lang="en-US" dirty="0"/>
+              <a:t> + ASP.NET Web API + Windows Store </a:t>
+            </a:r>
+            <a:r>
+              <a:rPr lang="en-US" dirty="0" smtClean="0"/>
+              <a:t>App</a:t>
+            </a:r>
+          </a:p>
+          <a:p>
+            <a:r>
+              <a:rPr lang="en-US" dirty="0">
+                <a:hlinkClick r:id="rId2"/>
+              </a:rPr>
+              <a:t>https://github.com/DeveloperInfra/Bookshelf-poc</a:t>
+            </a:r>
+            <a:endParaRPr lang="en-US" dirty="0"/>
+          </a:p>
+        </p:txBody>
+      </p:sp>
+    </p:spTree>
+    <p:extLst>
+      <p:ext uri="{BB962C8B-B14F-4D97-AF65-F5344CB8AC3E}">
+        <p14:creationId xmlns:p14="http://schemas.microsoft.com/office/powerpoint/2010/main" val="3069653442"/>
+      </p:ext>
+    </p:extLst>
+  </p:cSld>
+  <p:clrMapOvr>
+    <a:masterClrMapping/>
+  </p:clrMapOvr>
+  <mc:AlternateContent xmlns:mc="http://schemas.openxmlformats.org/markup-compatibility/2006" xmlns:p14="http://schemas.microsoft.com/office/powerpoint/2010/main">
+    <mc:Choice Requires="p14">
+      <p:transition spd="med" p14:dur="700">
+        <p:fade/>
+      </p:transition>
+    </mc:Choice>
+    <mc:Fallback xmlns="">
+      <p:transition spd="med">
+        <p:fade/>
+      </p:transition>
+    </mc:Fallback>
+  </mc:AlternateContent>
+  <p:timing>
+    <p:tnLst>
+      <p:par>
+        <p:cTn id="1" dur="indefinite" restart="never" nodeType="tmRoot">
+          <p:childTnLst>
+            <p:seq concurrent="1" nextAc="seek">
+              <p:cTn id="2" dur="indefinite" nodeType="mainSeq">
+                <p:childTnLst>
+                  <p:par>
+                    <p:cTn id="3" fill="hold">
+                      <p:stCondLst>
+                        <p:cond delay="indefinite"/>
+                        <p:cond evt="onBegin" delay="0">
+                          <p:tn val="2"/>
+                        </p:cond>
+                      </p:stCondLst>
+                      <p:childTnLst>
+                        <p:par>
+                          <p:cTn id="4" fill="hold">
+                            <p:stCondLst>
+                              <p:cond delay="0"/>
+                            </p:stCondLst>
+                            <p:childTnLst>
+                              <p:par>
+                                <p:cTn id="5" presetID="10" presetClass="entr" presetSubtype="0" fill="hold" grpId="0" nodeType="afterEffect">
+                                  <p:stCondLst>
+                                    <p:cond delay="1000"/>
+                                  </p:stCondLst>
+                                  <p:childTnLst>
+                                    <p:set>
+                                      <p:cBhvr>
+                                        <p:cTn id="6" dur="1" fill="hold">
+                                          <p:stCondLst>
+                                            <p:cond delay="0"/>
+                                          </p:stCondLst>
+                                        </p:cTn>
+                                        <p:tgtEl>
+                                          <p:spTgt spid="3">
+                                            <p:txEl>
+                                              <p:pRg st="0" end="0"/>
+                                            </p:txEl>
+                                          </p:spTgt>
+                                        </p:tgtEl>
+                                        <p:attrNameLst>
+                                          <p:attrName>style.visibility</p:attrName>
+                                        </p:attrNameLst>
+                                      </p:cBhvr>
+                                      <p:to>
+                                        <p:strVal val="visible"/>
+                                      </p:to>
+                                    </p:set>
+                                    <p:animEffect transition="in" filter="fade">
+                                      <p:cBhvr>
+                                        <p:cTn id="7" dur="500"/>
+                                        <p:tgtEl>
+                                          <p:spTgt spid="3">
+                                            <p:txEl>
+                                              <p:pRg st="0" end="0"/>
+                                            </p:txEl>
+                                          </p:spTgt>
+                                        </p:tgtEl>
+                                      </p:cBhvr>
+                                    </p:animEffect>
+                                  </p:childTnLst>
+                                </p:cTn>
+                              </p:par>
+                            </p:childTnLst>
+                          </p:cTn>
+                        </p:par>
+                        <p:par>
+                          <p:cTn id="8" fill="hold">
+                            <p:stCondLst>
+                              <p:cond delay="1500"/>
+                            </p:stCondLst>
+                            <p:childTnLst>
+                              <p:par>
+                                <p:cTn id="9" presetID="10" presetClass="entr" presetSubtype="0" fill="hold" grpId="0" nodeType="afterEffect">
+                                  <p:stCondLst>
+                                    <p:cond delay="1000"/>
+                                  </p:stCondLst>
+                                  <p:childTnLst>
+                                    <p:set>
+                                      <p:cBhvr>
+                                        <p:cTn id="10" dur="1" fill="hold">
+                                          <p:stCondLst>
+                                            <p:cond delay="0"/>
+                                          </p:stCondLst>
+                                        </p:cTn>
+                                        <p:tgtEl>
+                                          <p:spTgt spid="3">
+                                            <p:txEl>
+                                              <p:pRg st="1" end="1"/>
+                                            </p:txEl>
+                                          </p:spTgt>
+                                        </p:tgtEl>
+                                        <p:attrNameLst>
+                                          <p:attrName>style.visibility</p:attrName>
+                                        </p:attrNameLst>
+                                      </p:cBhvr>
+                                      <p:to>
+                                        <p:strVal val="visible"/>
+                                      </p:to>
+                                    </p:set>
+                                    <p:animEffect transition="in" filter="fade">
+                                      <p:cBhvr>
+                                        <p:cTn id="11" dur="500"/>
+                                        <p:tgtEl>
+                                          <p:spTgt spid="3">
+                                            <p:txEl>
+                                              <p:pRg st="1" end="1"/>
+                                            </p:txEl>
+                                          </p:spTgt>
+                                        </p:tgtEl>
+                                      </p:cBhvr>
+                                    </p:animEffect>
+                                  </p:childTnLst>
+                                </p:cTn>
+                              </p:par>
+                            </p:childTnLst>
+                          </p:cTn>
+                        </p:par>
+                      </p:childTnLst>
+                    </p:cTn>
+                  </p:par>
+                </p:childTnLst>
+              </p:cTn>
+              <p:prevCondLst>
+                <p:cond evt="onPrev" delay="0">
+                  <p:tgtEl>
+                    <p:sldTgt/>
+                  </p:tgtEl>
+                </p:cond>
+              </p:prevCondLst>
+              <p:nextCondLst>
+                <p:cond evt="onNext" delay="0">
+                  <p:tgtEl>
+                    <p:sldTgt/>
+                  </p:tgtEl>
+                </p:cond>
+              </p:nextCondLst>
+            </p:seq>
+          </p:childTnLst>
+        </p:cTn>
+      </p:par>
+    </p:tnLst>
+    <p:bldLst>
+      <p:bldP spid="3" grpId="0" build="p"/>
+    </p:bldLst>
+  </p:timing>
+</p:sld>
+</file>
+
+<file path=ppt/slides/slide14.xml><?xml version="1.0" encoding="utf-8"?>
+<p:sld xmlns:a="http://schemas.openxmlformats.org/drawingml/2006/main" xmlns:r="http://schemas.openxmlformats.org/officeDocument/2006/relationships" xmlns:p="http://schemas.openxmlformats.org/presentationml/2006/main">
+  <p:cSld>
+    <p:spTree>
+      <p:nvGrpSpPr>
+        <p:cNvPr id="1" name=""/>
+        <p:cNvGrpSpPr/>
+        <p:nvPr/>
+      </p:nvGrpSpPr>
+      <p:grpSpPr>
+        <a:xfrm>
+          <a:off x="0" y="0"/>
+          <a:ext cx="0" cy="0"/>
+          <a:chOff x="0" y="0"/>
+          <a:chExt cx="0" cy="0"/>
+        </a:xfrm>
+      </p:grpSpPr>
+      <p:sp>
+        <p:nvSpPr>
+          <p:cNvPr id="2" name="Title 1"/>
+          <p:cNvSpPr>
+            <a:spLocks noGrp="1"/>
+          </p:cNvSpPr>
+          <p:nvPr>
+            <p:ph type="title"/>
+          </p:nvPr>
+        </p:nvSpPr>
+        <p:spPr/>
+        <p:txBody>
+          <a:bodyPr/>
+          <a:lstStyle/>
+          <a:p>
+            <a:r>
               <a:rPr lang="en-US" dirty="0"/>
               <a:t>Tips &amp; Tricks / Pragmatic Advice</a:t>
             </a:r>
@@ -5533,7 +5805,6 @@
               <a:rPr lang="en-US" dirty="0" smtClean="0"/>
               <a:t>“One” Code Base, Multi-Screen</a:t>
             </a:r>
-            <a:endParaRPr lang="en-US" dirty="0" smtClean="0"/>
           </a:p>
           <a:p>
             <a:r>
@@ -5882,365 +6153,6 @@
 </p:sld>
 </file>
 
-<file path=ppt/slides/slide14.xml><?xml version="1.0" encoding="utf-8"?>
-<p:sld xmlns:a="http://schemas.openxmlformats.org/drawingml/2006/main" xmlns:r="http://schemas.openxmlformats.org/officeDocument/2006/relationships" xmlns:p="http://schemas.openxmlformats.org/presentationml/2006/main">
-  <p:cSld>
-    <p:spTree>
-      <p:nvGrpSpPr>
-        <p:cNvPr id="1" name=""/>
-        <p:cNvGrpSpPr/>
-        <p:nvPr/>
-      </p:nvGrpSpPr>
-      <p:grpSpPr>
-        <a:xfrm>
-          <a:off x="0" y="0"/>
-          <a:ext cx="0" cy="0"/>
-          <a:chOff x="0" y="0"/>
-          <a:chExt cx="0" cy="0"/>
-        </a:xfrm>
-      </p:grpSpPr>
-      <p:sp>
-        <p:nvSpPr>
-          <p:cNvPr id="2" name="Title 1"/>
-          <p:cNvSpPr>
-            <a:spLocks noGrp="1"/>
-          </p:cNvSpPr>
-          <p:nvPr>
-            <p:ph type="title"/>
-          </p:nvPr>
-        </p:nvSpPr>
-        <p:spPr/>
-        <p:txBody>
-          <a:bodyPr/>
-          <a:lstStyle/>
-          <a:p>
-            <a:r>
-              <a:rPr lang="en-US" dirty="0" smtClean="0"/>
-              <a:t>Great Windows Store Apps</a:t>
-            </a:r>
-            <a:endParaRPr lang="en-US" dirty="0"/>
-          </a:p>
-        </p:txBody>
-      </p:sp>
-      <p:sp>
-        <p:nvSpPr>
-          <p:cNvPr id="3" name="Content Placeholder 2"/>
-          <p:cNvSpPr>
-            <a:spLocks noGrp="1"/>
-          </p:cNvSpPr>
-          <p:nvPr>
-            <p:ph idx="1"/>
-          </p:nvPr>
-        </p:nvSpPr>
-        <p:spPr/>
-        <p:txBody>
-          <a:bodyPr/>
-          <a:lstStyle/>
-          <a:p>
-            <a:r>
-              <a:rPr lang="en-US" dirty="0"/>
-              <a:t>Process Lifetime Management (PLM)</a:t>
-            </a:r>
-            <a:endParaRPr lang="en-US" dirty="0" smtClean="0"/>
-          </a:p>
-          <a:p>
-            <a:r>
-              <a:rPr lang="en-US" dirty="0" smtClean="0"/>
-              <a:t>Screen Resize &amp; View State</a:t>
-            </a:r>
-          </a:p>
-          <a:p>
-            <a:r>
-              <a:rPr lang="en-US" dirty="0" smtClean="0"/>
-              <a:t>Contracts</a:t>
-            </a:r>
-          </a:p>
-          <a:p>
-            <a:r>
-              <a:rPr lang="en-US" dirty="0" smtClean="0"/>
-              <a:t>Live Tiles &amp; Notifications</a:t>
-            </a:r>
-          </a:p>
-        </p:txBody>
-      </p:sp>
-    </p:spTree>
-    <p:extLst>
-      <p:ext uri="{BB962C8B-B14F-4D97-AF65-F5344CB8AC3E}">
-        <p14:creationId xmlns:p14="http://schemas.microsoft.com/office/powerpoint/2010/main" val="2434050089"/>
-      </p:ext>
-    </p:extLst>
-  </p:cSld>
-  <p:clrMapOvr>
-    <a:masterClrMapping/>
-  </p:clrMapOvr>
-  <mc:AlternateContent xmlns:mc="http://schemas.openxmlformats.org/markup-compatibility/2006" xmlns:p14="http://schemas.microsoft.com/office/powerpoint/2010/main">
-    <mc:Choice Requires="p14">
-      <p:transition spd="med" p14:dur="700">
-        <p:fade/>
-      </p:transition>
-    </mc:Choice>
-    <mc:Fallback xmlns="">
-      <p:transition spd="med">
-        <p:fade/>
-      </p:transition>
-    </mc:Fallback>
-  </mc:AlternateContent>
-  <p:timing>
-    <p:tnLst>
-      <p:par>
-        <p:cTn id="1" dur="indefinite" restart="never" nodeType="tmRoot">
-          <p:childTnLst>
-            <p:seq concurrent="1" nextAc="seek">
-              <p:cTn id="2" dur="indefinite" nodeType="mainSeq">
-                <p:childTnLst>
-                  <p:par>
-                    <p:cTn id="3" fill="hold">
-                      <p:stCondLst>
-                        <p:cond delay="indefinite"/>
-                        <p:cond evt="onBegin" delay="0">
-                          <p:tn val="2"/>
-                        </p:cond>
-                      </p:stCondLst>
-                      <p:childTnLst>
-                        <p:par>
-                          <p:cTn id="4" fill="hold">
-                            <p:stCondLst>
-                              <p:cond delay="0"/>
-                            </p:stCondLst>
-                            <p:childTnLst>
-                              <p:par>
-                                <p:cTn id="5" presetID="10" presetClass="entr" presetSubtype="0" fill="hold" grpId="0" nodeType="afterEffect">
-                                  <p:stCondLst>
-                                    <p:cond delay="1000"/>
-                                  </p:stCondLst>
-                                  <p:childTnLst>
-                                    <p:set>
-                                      <p:cBhvr>
-                                        <p:cTn id="6" dur="1" fill="hold">
-                                          <p:stCondLst>
-                                            <p:cond delay="0"/>
-                                          </p:stCondLst>
-                                        </p:cTn>
-                                        <p:tgtEl>
-                                          <p:spTgt spid="3">
-                                            <p:txEl>
-                                              <p:pRg st="0" end="0"/>
-                                            </p:txEl>
-                                          </p:spTgt>
-                                        </p:tgtEl>
-                                        <p:attrNameLst>
-                                          <p:attrName>style.visibility</p:attrName>
-                                        </p:attrNameLst>
-                                      </p:cBhvr>
-                                      <p:to>
-                                        <p:strVal val="visible"/>
-                                      </p:to>
-                                    </p:set>
-                                    <p:animEffect transition="in" filter="fade">
-                                      <p:cBhvr>
-                                        <p:cTn id="7" dur="500"/>
-                                        <p:tgtEl>
-                                          <p:spTgt spid="3">
-                                            <p:txEl>
-                                              <p:pRg st="0" end="0"/>
-                                            </p:txEl>
-                                          </p:spTgt>
-                                        </p:tgtEl>
-                                      </p:cBhvr>
-                                    </p:animEffect>
-                                  </p:childTnLst>
-                                </p:cTn>
-                              </p:par>
-                            </p:childTnLst>
-                          </p:cTn>
-                        </p:par>
-                        <p:par>
-                          <p:cTn id="8" fill="hold">
-                            <p:stCondLst>
-                              <p:cond delay="1500"/>
-                            </p:stCondLst>
-                            <p:childTnLst>
-                              <p:par>
-                                <p:cTn id="9" presetID="10" presetClass="entr" presetSubtype="0" fill="hold" grpId="0" nodeType="afterEffect">
-                                  <p:stCondLst>
-                                    <p:cond delay="1000"/>
-                                  </p:stCondLst>
-                                  <p:childTnLst>
-                                    <p:set>
-                                      <p:cBhvr>
-                                        <p:cTn id="10" dur="1" fill="hold">
-                                          <p:stCondLst>
-                                            <p:cond delay="0"/>
-                                          </p:stCondLst>
-                                        </p:cTn>
-                                        <p:tgtEl>
-                                          <p:spTgt spid="3">
-                                            <p:txEl>
-                                              <p:pRg st="1" end="1"/>
-                                            </p:txEl>
-                                          </p:spTgt>
-                                        </p:tgtEl>
-                                        <p:attrNameLst>
-                                          <p:attrName>style.visibility</p:attrName>
-                                        </p:attrNameLst>
-                                      </p:cBhvr>
-                                      <p:to>
-                                        <p:strVal val="visible"/>
-                                      </p:to>
-                                    </p:set>
-                                    <p:animEffect transition="in" filter="fade">
-                                      <p:cBhvr>
-                                        <p:cTn id="11" dur="500"/>
-                                        <p:tgtEl>
-                                          <p:spTgt spid="3">
-                                            <p:txEl>
-                                              <p:pRg st="1" end="1"/>
-                                            </p:txEl>
-                                          </p:spTgt>
-                                        </p:tgtEl>
-                                      </p:cBhvr>
-                                    </p:animEffect>
-                                  </p:childTnLst>
-                                </p:cTn>
-                              </p:par>
-                            </p:childTnLst>
-                          </p:cTn>
-                        </p:par>
-                        <p:par>
-                          <p:cTn id="12" fill="hold">
-                            <p:stCondLst>
-                              <p:cond delay="3000"/>
-                            </p:stCondLst>
-                            <p:childTnLst>
-                              <p:par>
-                                <p:cTn id="13" presetID="10" presetClass="entr" presetSubtype="0" fill="hold" grpId="0" nodeType="afterEffect">
-                                  <p:stCondLst>
-                                    <p:cond delay="1000"/>
-                                  </p:stCondLst>
-                                  <p:childTnLst>
-                                    <p:set>
-                                      <p:cBhvr>
-                                        <p:cTn id="14" dur="1" fill="hold">
-                                          <p:stCondLst>
-                                            <p:cond delay="0"/>
-                                          </p:stCondLst>
-                                        </p:cTn>
-                                        <p:tgtEl>
-                                          <p:spTgt spid="3">
-                                            <p:txEl>
-                                              <p:pRg st="2" end="2"/>
-                                            </p:txEl>
-                                          </p:spTgt>
-                                        </p:tgtEl>
-                                        <p:attrNameLst>
-                                          <p:attrName>style.visibility</p:attrName>
-                                        </p:attrNameLst>
-                                      </p:cBhvr>
-                                      <p:to>
-                                        <p:strVal val="visible"/>
-                                      </p:to>
-                                    </p:set>
-                                    <p:animEffect transition="in" filter="fade">
-                                      <p:cBhvr>
-                                        <p:cTn id="15" dur="500"/>
-                                        <p:tgtEl>
-                                          <p:spTgt spid="3">
-                                            <p:txEl>
-                                              <p:pRg st="2" end="2"/>
-                                            </p:txEl>
-                                          </p:spTgt>
-                                        </p:tgtEl>
-                                      </p:cBhvr>
-                                    </p:animEffect>
-                                  </p:childTnLst>
-                                </p:cTn>
-                              </p:par>
-                            </p:childTnLst>
-                          </p:cTn>
-                        </p:par>
-                        <p:par>
-                          <p:cTn id="16" fill="hold">
-                            <p:stCondLst>
-                              <p:cond delay="4500"/>
-                            </p:stCondLst>
-                            <p:childTnLst>
-                              <p:par>
-                                <p:cTn id="17" presetID="10" presetClass="entr" presetSubtype="0" fill="hold" grpId="0" nodeType="afterEffect">
-                                  <p:stCondLst>
-                                    <p:cond delay="1000"/>
-                                  </p:stCondLst>
-                                  <p:childTnLst>
-                                    <p:set>
-                                      <p:cBhvr>
-                                        <p:cTn id="18" dur="1" fill="hold">
-                                          <p:stCondLst>
-                                            <p:cond delay="0"/>
-                                          </p:stCondLst>
-                                        </p:cTn>
-                                        <p:tgtEl>
-                                          <p:spTgt spid="3">
-                                            <p:txEl>
-                                              <p:pRg st="3" end="3"/>
-                                            </p:txEl>
-                                          </p:spTgt>
-                                        </p:tgtEl>
-                                        <p:attrNameLst>
-                                          <p:attrName>style.visibility</p:attrName>
-                                        </p:attrNameLst>
-                                      </p:cBhvr>
-                                      <p:to>
-                                        <p:strVal val="visible"/>
-                                      </p:to>
-                                    </p:set>
-                                    <p:animEffect transition="in" filter="fade">
-                                      <p:cBhvr>
-                                        <p:cTn id="19" dur="500"/>
-                                        <p:tgtEl>
-                                          <p:spTgt spid="3">
-                                            <p:txEl>
-                                              <p:pRg st="3" end="3"/>
-                                            </p:txEl>
-                                          </p:spTgt>
-                                        </p:tgtEl>
-                                      </p:cBhvr>
-                                    </p:animEffect>
-                                  </p:childTnLst>
-                                </p:cTn>
-                              </p:par>
-                            </p:childTnLst>
-                          </p:cTn>
-                        </p:par>
-                      </p:childTnLst>
-                    </p:cTn>
-                  </p:par>
-                </p:childTnLst>
-              </p:cTn>
-              <p:prevCondLst>
-                <p:cond evt="onPrev" delay="0">
-                  <p:tgtEl>
-                    <p:sldTgt/>
-                  </p:tgtEl>
-                </p:cond>
-              </p:prevCondLst>
-              <p:nextCondLst>
-                <p:cond evt="onNext" delay="0">
-                  <p:tgtEl>
-                    <p:sldTgt/>
-                  </p:tgtEl>
-                </p:cond>
-              </p:nextCondLst>
-            </p:seq>
-          </p:childTnLst>
-        </p:cTn>
-      </p:par>
-    </p:tnLst>
-    <p:bldLst>
-      <p:bldP spid="3" grpId="0" build="p"/>
-    </p:bldLst>
-  </p:timing>
-</p:sld>
-</file>
-
 <file path=ppt/slides/slide15.xml><?xml version="1.0" encoding="utf-8"?>
 <p:sld xmlns:a="http://schemas.openxmlformats.org/drawingml/2006/main" xmlns:r="http://schemas.openxmlformats.org/officeDocument/2006/relationships" xmlns:p="http://schemas.openxmlformats.org/presentationml/2006/main">
   <p:cSld>
@@ -6297,106 +6209,27 @@
           <a:lstStyle/>
           <a:p>
             <a:r>
+              <a:rPr lang="en-US" dirty="0"/>
+              <a:t>Process Lifetime Management (PLM)</a:t>
+            </a:r>
+            <a:endParaRPr lang="en-US" dirty="0" smtClean="0"/>
+          </a:p>
+          <a:p>
+            <a:r>
               <a:rPr lang="en-US" dirty="0" smtClean="0"/>
-              <a:t>Use </a:t>
-            </a:r>
-            <a:r>
-              <a:rPr lang="en-US" dirty="0" err="1" smtClean="0"/>
-              <a:t>WinJS</a:t>
-            </a:r>
+              <a:t>Screen Resize &amp; View State</a:t>
+            </a:r>
+          </a:p>
+          <a:p>
             <a:r>
               <a:rPr lang="en-US" dirty="0" smtClean="0"/>
-              <a:t> Controls (</a:t>
-            </a:r>
-            <a:r>
-              <a:rPr lang="en-US" dirty="0" err="1" smtClean="0"/>
-              <a:t>DatePicker</a:t>
-            </a:r>
+              <a:t>Contracts</a:t>
+            </a:r>
+          </a:p>
+          <a:p>
             <a:r>
               <a:rPr lang="en-US" dirty="0" smtClean="0"/>
-              <a:t>, List/</a:t>
-            </a:r>
-            <a:r>
-              <a:rPr lang="en-US" dirty="0" err="1" smtClean="0"/>
-              <a:t>GridView</a:t>
-            </a:r>
-            <a:r>
-              <a:rPr lang="en-US" dirty="0" smtClean="0"/>
-              <a:t>)</a:t>
-            </a:r>
-          </a:p>
-          <a:p>
-            <a:r>
-              <a:rPr lang="en-US" dirty="0" smtClean="0"/>
-              <a:t>Use </a:t>
-            </a:r>
-            <a:r>
-              <a:rPr lang="en-US" dirty="0" err="1" smtClean="0"/>
-              <a:t>WinJS</a:t>
-            </a:r>
-            <a:r>
-              <a:rPr lang="en-US" dirty="0" smtClean="0"/>
-              <a:t> </a:t>
-            </a:r>
-            <a:r>
-              <a:rPr lang="en-US" dirty="0" err="1" smtClean="0"/>
-              <a:t>Annimations</a:t>
-            </a:r>
-            <a:r>
-              <a:rPr lang="en-US" dirty="0" smtClean="0"/>
-              <a:t> (</a:t>
-            </a:r>
-            <a:r>
-              <a:rPr lang="en-US" dirty="0" err="1" smtClean="0"/>
-              <a:t>enterPage</a:t>
-            </a:r>
-            <a:r>
-              <a:rPr lang="en-US" dirty="0" smtClean="0"/>
-              <a:t>, </a:t>
-            </a:r>
-            <a:r>
-              <a:rPr lang="en-US" dirty="0" err="1" smtClean="0"/>
-              <a:t>exitPage</a:t>
-            </a:r>
-            <a:r>
-              <a:rPr lang="en-US" dirty="0" smtClean="0"/>
-              <a:t>)</a:t>
-            </a:r>
-          </a:p>
-          <a:p>
-            <a:r>
-              <a:rPr lang="en-US" dirty="0" smtClean="0"/>
-              <a:t>Use Commanding Surfaces (Charms, App Bar)</a:t>
-            </a:r>
-          </a:p>
-          <a:p>
-            <a:r>
-              <a:rPr lang="en-US" dirty="0" smtClean="0"/>
-              <a:t>Leverage </a:t>
-            </a:r>
-            <a:r>
-              <a:rPr lang="en-US" dirty="0" err="1" smtClean="0"/>
-              <a:t>MSPointer</a:t>
-            </a:r>
-            <a:r>
-              <a:rPr lang="en-US" dirty="0" smtClean="0"/>
-              <a:t> (</a:t>
-            </a:r>
-            <a:r>
-              <a:rPr lang="en-US" dirty="0" err="1" smtClean="0"/>
-              <a:t>pointerDown</a:t>
-            </a:r>
-            <a:r>
-              <a:rPr lang="en-US" dirty="0" smtClean="0"/>
-              <a:t>, </a:t>
-            </a:r>
-            <a:r>
-              <a:rPr lang="en-US" dirty="0" err="1" smtClean="0"/>
-              <a:t>pointerUp</a:t>
-            </a:r>
-            <a:r>
-              <a:rPr lang="en-US" dirty="0" smtClean="0"/>
-              <a:t>)</a:t>
+              <a:t>Live Tiles &amp; Notifications</a:t>
             </a:r>
           </a:p>
         </p:txBody>
@@ -6404,7 +6237,7 @@
     </p:spTree>
     <p:extLst>
       <p:ext uri="{BB962C8B-B14F-4D97-AF65-F5344CB8AC3E}">
-        <p14:creationId xmlns:p14="http://schemas.microsoft.com/office/powerpoint/2010/main" val="2987032701"/>
+        <p14:creationId xmlns:p14="http://schemas.microsoft.com/office/powerpoint/2010/main" val="2434050089"/>
       </p:ext>
     </p:extLst>
   </p:cSld>
@@ -6696,6 +6529,444 @@
           <a:chExt cx="0" cy="0"/>
         </a:xfrm>
       </p:grpSpPr>
+      <p:sp>
+        <p:nvSpPr>
+          <p:cNvPr id="2" name="Title 1"/>
+          <p:cNvSpPr>
+            <a:spLocks noGrp="1"/>
+          </p:cNvSpPr>
+          <p:nvPr>
+            <p:ph type="title"/>
+          </p:nvPr>
+        </p:nvSpPr>
+        <p:spPr/>
+        <p:txBody>
+          <a:bodyPr/>
+          <a:lstStyle/>
+          <a:p>
+            <a:r>
+              <a:rPr lang="en-US" dirty="0" smtClean="0"/>
+              <a:t>Great Windows Store Apps</a:t>
+            </a:r>
+            <a:endParaRPr lang="en-US" dirty="0"/>
+          </a:p>
+        </p:txBody>
+      </p:sp>
+      <p:sp>
+        <p:nvSpPr>
+          <p:cNvPr id="3" name="Content Placeholder 2"/>
+          <p:cNvSpPr>
+            <a:spLocks noGrp="1"/>
+          </p:cNvSpPr>
+          <p:nvPr>
+            <p:ph idx="1"/>
+          </p:nvPr>
+        </p:nvSpPr>
+        <p:spPr/>
+        <p:txBody>
+          <a:bodyPr/>
+          <a:lstStyle/>
+          <a:p>
+            <a:r>
+              <a:rPr lang="en-US" dirty="0" smtClean="0"/>
+              <a:t>Use </a:t>
+            </a:r>
+            <a:r>
+              <a:rPr lang="en-US" dirty="0" err="1" smtClean="0"/>
+              <a:t>WinJS</a:t>
+            </a:r>
+            <a:r>
+              <a:rPr lang="en-US" dirty="0" smtClean="0"/>
+              <a:t> Controls (</a:t>
+            </a:r>
+            <a:r>
+              <a:rPr lang="en-US" dirty="0" err="1" smtClean="0"/>
+              <a:t>DatePicker</a:t>
+            </a:r>
+            <a:r>
+              <a:rPr lang="en-US" dirty="0" smtClean="0"/>
+              <a:t>, List/</a:t>
+            </a:r>
+            <a:r>
+              <a:rPr lang="en-US" dirty="0" err="1" smtClean="0"/>
+              <a:t>GridView</a:t>
+            </a:r>
+            <a:r>
+              <a:rPr lang="en-US" dirty="0" smtClean="0"/>
+              <a:t>)</a:t>
+            </a:r>
+          </a:p>
+          <a:p>
+            <a:r>
+              <a:rPr lang="en-US" dirty="0" smtClean="0"/>
+              <a:t>Use </a:t>
+            </a:r>
+            <a:r>
+              <a:rPr lang="en-US" dirty="0" err="1" smtClean="0"/>
+              <a:t>WinJS</a:t>
+            </a:r>
+            <a:r>
+              <a:rPr lang="en-US" dirty="0" smtClean="0"/>
+              <a:t> </a:t>
+            </a:r>
+            <a:r>
+              <a:rPr lang="en-US" dirty="0" err="1" smtClean="0"/>
+              <a:t>Annimations</a:t>
+            </a:r>
+            <a:r>
+              <a:rPr lang="en-US" dirty="0" smtClean="0"/>
+              <a:t> (</a:t>
+            </a:r>
+            <a:r>
+              <a:rPr lang="en-US" dirty="0" err="1" smtClean="0"/>
+              <a:t>enterPage</a:t>
+            </a:r>
+            <a:r>
+              <a:rPr lang="en-US" dirty="0" smtClean="0"/>
+              <a:t>, </a:t>
+            </a:r>
+            <a:r>
+              <a:rPr lang="en-US" dirty="0" err="1" smtClean="0"/>
+              <a:t>exitPage</a:t>
+            </a:r>
+            <a:r>
+              <a:rPr lang="en-US" dirty="0" smtClean="0"/>
+              <a:t>)</a:t>
+            </a:r>
+          </a:p>
+          <a:p>
+            <a:r>
+              <a:rPr lang="en-US" dirty="0" smtClean="0"/>
+              <a:t>Use Commanding Surfaces (Charms, App Bar)</a:t>
+            </a:r>
+          </a:p>
+          <a:p>
+            <a:r>
+              <a:rPr lang="en-US" dirty="0" smtClean="0"/>
+              <a:t>Leverage </a:t>
+            </a:r>
+            <a:r>
+              <a:rPr lang="en-US" dirty="0" err="1" smtClean="0"/>
+              <a:t>MSPointer</a:t>
+            </a:r>
+            <a:r>
+              <a:rPr lang="en-US" dirty="0" smtClean="0"/>
+              <a:t> (</a:t>
+            </a:r>
+            <a:r>
+              <a:rPr lang="en-US" dirty="0" err="1" smtClean="0"/>
+              <a:t>pointerDown</a:t>
+            </a:r>
+            <a:r>
+              <a:rPr lang="en-US" dirty="0" smtClean="0"/>
+              <a:t>, </a:t>
+            </a:r>
+            <a:r>
+              <a:rPr lang="en-US" dirty="0" err="1" smtClean="0"/>
+              <a:t>pointerUp</a:t>
+            </a:r>
+            <a:r>
+              <a:rPr lang="en-US" dirty="0" smtClean="0"/>
+              <a:t>)</a:t>
+            </a:r>
+          </a:p>
+        </p:txBody>
+      </p:sp>
+    </p:spTree>
+    <p:extLst>
+      <p:ext uri="{BB962C8B-B14F-4D97-AF65-F5344CB8AC3E}">
+        <p14:creationId xmlns:p14="http://schemas.microsoft.com/office/powerpoint/2010/main" val="2987032701"/>
+      </p:ext>
+    </p:extLst>
+  </p:cSld>
+  <p:clrMapOvr>
+    <a:masterClrMapping/>
+  </p:clrMapOvr>
+  <mc:AlternateContent xmlns:mc="http://schemas.openxmlformats.org/markup-compatibility/2006" xmlns:p14="http://schemas.microsoft.com/office/powerpoint/2010/main">
+    <mc:Choice Requires="p14">
+      <p:transition spd="med" p14:dur="700">
+        <p:fade/>
+      </p:transition>
+    </mc:Choice>
+    <mc:Fallback xmlns="">
+      <p:transition spd="med">
+        <p:fade/>
+      </p:transition>
+    </mc:Fallback>
+  </mc:AlternateContent>
+  <p:timing>
+    <p:tnLst>
+      <p:par>
+        <p:cTn id="1" dur="indefinite" restart="never" nodeType="tmRoot">
+          <p:childTnLst>
+            <p:seq concurrent="1" nextAc="seek">
+              <p:cTn id="2" dur="indefinite" nodeType="mainSeq">
+                <p:childTnLst>
+                  <p:par>
+                    <p:cTn id="3" fill="hold">
+                      <p:stCondLst>
+                        <p:cond delay="indefinite"/>
+                        <p:cond evt="onBegin" delay="0">
+                          <p:tn val="2"/>
+                        </p:cond>
+                      </p:stCondLst>
+                      <p:childTnLst>
+                        <p:par>
+                          <p:cTn id="4" fill="hold">
+                            <p:stCondLst>
+                              <p:cond delay="0"/>
+                            </p:stCondLst>
+                            <p:childTnLst>
+                              <p:par>
+                                <p:cTn id="5" presetID="10" presetClass="entr" presetSubtype="0" fill="hold" grpId="0" nodeType="afterEffect">
+                                  <p:stCondLst>
+                                    <p:cond delay="1000"/>
+                                  </p:stCondLst>
+                                  <p:childTnLst>
+                                    <p:set>
+                                      <p:cBhvr>
+                                        <p:cTn id="6" dur="1" fill="hold">
+                                          <p:stCondLst>
+                                            <p:cond delay="0"/>
+                                          </p:stCondLst>
+                                        </p:cTn>
+                                        <p:tgtEl>
+                                          <p:spTgt spid="3">
+                                            <p:txEl>
+                                              <p:pRg st="0" end="0"/>
+                                            </p:txEl>
+                                          </p:spTgt>
+                                        </p:tgtEl>
+                                        <p:attrNameLst>
+                                          <p:attrName>style.visibility</p:attrName>
+                                        </p:attrNameLst>
+                                      </p:cBhvr>
+                                      <p:to>
+                                        <p:strVal val="visible"/>
+                                      </p:to>
+                                    </p:set>
+                                    <p:animEffect transition="in" filter="fade">
+                                      <p:cBhvr>
+                                        <p:cTn id="7" dur="500"/>
+                                        <p:tgtEl>
+                                          <p:spTgt spid="3">
+                                            <p:txEl>
+                                              <p:pRg st="0" end="0"/>
+                                            </p:txEl>
+                                          </p:spTgt>
+                                        </p:tgtEl>
+                                      </p:cBhvr>
+                                    </p:animEffect>
+                                  </p:childTnLst>
+                                </p:cTn>
+                              </p:par>
+                            </p:childTnLst>
+                          </p:cTn>
+                        </p:par>
+                        <p:par>
+                          <p:cTn id="8" fill="hold">
+                            <p:stCondLst>
+                              <p:cond delay="1500"/>
+                            </p:stCondLst>
+                            <p:childTnLst>
+                              <p:par>
+                                <p:cTn id="9" presetID="10" presetClass="entr" presetSubtype="0" fill="hold" grpId="0" nodeType="afterEffect">
+                                  <p:stCondLst>
+                                    <p:cond delay="1000"/>
+                                  </p:stCondLst>
+                                  <p:childTnLst>
+                                    <p:set>
+                                      <p:cBhvr>
+                                        <p:cTn id="10" dur="1" fill="hold">
+                                          <p:stCondLst>
+                                            <p:cond delay="0"/>
+                                          </p:stCondLst>
+                                        </p:cTn>
+                                        <p:tgtEl>
+                                          <p:spTgt spid="3">
+                                            <p:txEl>
+                                              <p:pRg st="1" end="1"/>
+                                            </p:txEl>
+                                          </p:spTgt>
+                                        </p:tgtEl>
+                                        <p:attrNameLst>
+                                          <p:attrName>style.visibility</p:attrName>
+                                        </p:attrNameLst>
+                                      </p:cBhvr>
+                                      <p:to>
+                                        <p:strVal val="visible"/>
+                                      </p:to>
+                                    </p:set>
+                                    <p:animEffect transition="in" filter="fade">
+                                      <p:cBhvr>
+                                        <p:cTn id="11" dur="500"/>
+                                        <p:tgtEl>
+                                          <p:spTgt spid="3">
+                                            <p:txEl>
+                                              <p:pRg st="1" end="1"/>
+                                            </p:txEl>
+                                          </p:spTgt>
+                                        </p:tgtEl>
+                                      </p:cBhvr>
+                                    </p:animEffect>
+                                  </p:childTnLst>
+                                </p:cTn>
+                              </p:par>
+                            </p:childTnLst>
+                          </p:cTn>
+                        </p:par>
+                        <p:par>
+                          <p:cTn id="12" fill="hold">
+                            <p:stCondLst>
+                              <p:cond delay="3000"/>
+                            </p:stCondLst>
+                            <p:childTnLst>
+                              <p:par>
+                                <p:cTn id="13" presetID="10" presetClass="entr" presetSubtype="0" fill="hold" grpId="0" nodeType="afterEffect">
+                                  <p:stCondLst>
+                                    <p:cond delay="1000"/>
+                                  </p:stCondLst>
+                                  <p:childTnLst>
+                                    <p:set>
+                                      <p:cBhvr>
+                                        <p:cTn id="14" dur="1" fill="hold">
+                                          <p:stCondLst>
+                                            <p:cond delay="0"/>
+                                          </p:stCondLst>
+                                        </p:cTn>
+                                        <p:tgtEl>
+                                          <p:spTgt spid="3">
+                                            <p:txEl>
+                                              <p:pRg st="2" end="2"/>
+                                            </p:txEl>
+                                          </p:spTgt>
+                                        </p:tgtEl>
+                                        <p:attrNameLst>
+                                          <p:attrName>style.visibility</p:attrName>
+                                        </p:attrNameLst>
+                                      </p:cBhvr>
+                                      <p:to>
+                                        <p:strVal val="visible"/>
+                                      </p:to>
+                                    </p:set>
+                                    <p:animEffect transition="in" filter="fade">
+                                      <p:cBhvr>
+                                        <p:cTn id="15" dur="500"/>
+                                        <p:tgtEl>
+                                          <p:spTgt spid="3">
+                                            <p:txEl>
+                                              <p:pRg st="2" end="2"/>
+                                            </p:txEl>
+                                          </p:spTgt>
+                                        </p:tgtEl>
+                                      </p:cBhvr>
+                                    </p:animEffect>
+                                  </p:childTnLst>
+                                </p:cTn>
+                              </p:par>
+                            </p:childTnLst>
+                          </p:cTn>
+                        </p:par>
+                        <p:par>
+                          <p:cTn id="16" fill="hold">
+                            <p:stCondLst>
+                              <p:cond delay="4500"/>
+                            </p:stCondLst>
+                            <p:childTnLst>
+                              <p:par>
+                                <p:cTn id="17" presetID="10" presetClass="entr" presetSubtype="0" fill="hold" grpId="0" nodeType="afterEffect">
+                                  <p:stCondLst>
+                                    <p:cond delay="1000"/>
+                                  </p:stCondLst>
+                                  <p:childTnLst>
+                                    <p:set>
+                                      <p:cBhvr>
+                                        <p:cTn id="18" dur="1" fill="hold">
+                                          <p:stCondLst>
+                                            <p:cond delay="0"/>
+                                          </p:stCondLst>
+                                        </p:cTn>
+                                        <p:tgtEl>
+                                          <p:spTgt spid="3">
+                                            <p:txEl>
+                                              <p:pRg st="3" end="3"/>
+                                            </p:txEl>
+                                          </p:spTgt>
+                                        </p:tgtEl>
+                                        <p:attrNameLst>
+                                          <p:attrName>style.visibility</p:attrName>
+                                        </p:attrNameLst>
+                                      </p:cBhvr>
+                                      <p:to>
+                                        <p:strVal val="visible"/>
+                                      </p:to>
+                                    </p:set>
+                                    <p:animEffect transition="in" filter="fade">
+                                      <p:cBhvr>
+                                        <p:cTn id="19" dur="500"/>
+                                        <p:tgtEl>
+                                          <p:spTgt spid="3">
+                                            <p:txEl>
+                                              <p:pRg st="3" end="3"/>
+                                            </p:txEl>
+                                          </p:spTgt>
+                                        </p:tgtEl>
+                                      </p:cBhvr>
+                                    </p:animEffect>
+                                  </p:childTnLst>
+                                </p:cTn>
+                              </p:par>
+                            </p:childTnLst>
+                          </p:cTn>
+                        </p:par>
+                      </p:childTnLst>
+                    </p:cTn>
+                  </p:par>
+                </p:childTnLst>
+              </p:cTn>
+              <p:prevCondLst>
+                <p:cond evt="onPrev" delay="0">
+                  <p:tgtEl>
+                    <p:sldTgt/>
+                  </p:tgtEl>
+                </p:cond>
+              </p:prevCondLst>
+              <p:nextCondLst>
+                <p:cond evt="onNext" delay="0">
+                  <p:tgtEl>
+                    <p:sldTgt/>
+                  </p:tgtEl>
+                </p:cond>
+              </p:nextCondLst>
+            </p:seq>
+          </p:childTnLst>
+        </p:cTn>
+      </p:par>
+    </p:tnLst>
+    <p:bldLst>
+      <p:bldP spid="3" grpId="0" build="p"/>
+    </p:bldLst>
+  </p:timing>
+</p:sld>
+</file>
+
+<file path=ppt/slides/slide17.xml><?xml version="1.0" encoding="utf-8"?>
+<p:sld xmlns:a="http://schemas.openxmlformats.org/drawingml/2006/main" xmlns:r="http://schemas.openxmlformats.org/officeDocument/2006/relationships" xmlns:p="http://schemas.openxmlformats.org/presentationml/2006/main">
+  <p:cSld>
+    <p:spTree>
+      <p:nvGrpSpPr>
+        <p:cNvPr id="1" name=""/>
+        <p:cNvGrpSpPr/>
+        <p:nvPr/>
+      </p:nvGrpSpPr>
+      <p:grpSpPr>
+        <a:xfrm>
+          <a:off x="0" y="0"/>
+          <a:ext cx="0" cy="0"/>
+          <a:chOff x="0" y="0"/>
+          <a:chExt cx="0" cy="0"/>
+        </a:xfrm>
+      </p:grpSpPr>
       <p:pic>
         <p:nvPicPr>
           <p:cNvPr id="5" name="Picture 8" descr="Template-wide-02.jpg"/>
@@ -7145,7 +7416,7 @@
 </p:sld>
 </file>
 
-<file path=ppt/slides/slide17.xml><?xml version="1.0" encoding="utf-8"?>
+<file path=ppt/slides/slide18.xml><?xml version="1.0" encoding="utf-8"?>
 <p:sld xmlns:a="http://schemas.openxmlformats.org/drawingml/2006/main" xmlns:r="http://schemas.openxmlformats.org/officeDocument/2006/relationships" xmlns:p="http://schemas.openxmlformats.org/presentationml/2006/main">
   <p:cSld>
     <p:spTree>
@@ -7539,7 +7810,7 @@
 </p:sld>
 </file>
 
-<file path=ppt/slides/slide18.xml><?xml version="1.0" encoding="utf-8"?>
+<file path=ppt/slides/slide19.xml><?xml version="1.0" encoding="utf-8"?>
 <p:sld xmlns:a="http://schemas.openxmlformats.org/drawingml/2006/main" xmlns:r="http://schemas.openxmlformats.org/officeDocument/2006/relationships" xmlns:p="http://schemas.openxmlformats.org/presentationml/2006/main">
   <p:cSld>
     <p:spTree>
